--- a/05.php-basics-2.pptx
+++ b/05.php-basics-2.pptx
@@ -2,7 +2,7 @@
 <file path=ppt/presentation.xml><?xml version="1.0" encoding="utf-8"?>
 <p:presentation xmlns:a="http://schemas.openxmlformats.org/drawingml/2006/main" xmlns:r="http://schemas.openxmlformats.org/officeDocument/2006/relationships" xmlns:p="http://schemas.openxmlformats.org/presentationml/2006/main" saveSubsetFonts="1">
   <p:sldMasterIdLst>
-    <p:sldMasterId id="2147483648" r:id="rId1"/>
+    <p:sldMasterId id="2147483660" r:id="rId1"/>
   </p:sldMasterIdLst>
   <p:sldIdLst>
     <p:sldId id="256" r:id="rId2"/>
@@ -104,6 +104,11 @@
       </a:defRPr>
     </a:lvl9pPr>
   </p:defaultTextStyle>
+  <p:extLst>
+    <p:ext uri="{EFAFB233-063F-42B5-8137-9DF3F51BA10A}">
+      <p15:sldGuideLst xmlns:p15="http://schemas.microsoft.com/office/powerpoint/2012/main"/>
+    </p:ext>
+  </p:extLst>
 </p:presentation>
 </file>
 
@@ -124,6 +129,36 @@
           <a:chExt cx="0" cy="0"/>
         </a:xfrm>
       </p:grpSpPr>
+      <p:pic>
+        <p:nvPicPr>
+          <p:cNvPr id="7" name="Picture 6" descr="Droplets-HD-Title-R1d.png"/>
+          <p:cNvPicPr>
+            <a:picLocks noChangeAspect="1"/>
+          </p:cNvPicPr>
+          <p:nvPr/>
+        </p:nvPicPr>
+        <p:blipFill>
+          <a:blip r:embed="rId2">
+            <a:extLst>
+              <a:ext uri="{28A0092B-C50C-407E-A947-70E740481C1C}">
+                <a14:useLocalDpi xmlns:a14="http://schemas.microsoft.com/office/drawing/2010/main" val="0"/>
+              </a:ext>
+            </a:extLst>
+          </a:blip>
+          <a:stretch>
+            <a:fillRect/>
+          </a:stretch>
+        </p:blipFill>
+        <p:spPr>
+          <a:xfrm>
+            <a:off x="0" y="0"/>
+            <a:ext cx="12192000" cy="6858000"/>
+          </a:xfrm>
+          <a:prstGeom prst="rect">
+            <a:avLst/>
+          </a:prstGeom>
+        </p:spPr>
+      </p:pic>
       <p:sp>
         <p:nvSpPr>
           <p:cNvPr id="2" name="Title 1"/>
@@ -136,15 +171,17 @@
         </p:nvSpPr>
         <p:spPr>
           <a:xfrm>
-            <a:off x="1524000" y="1122363"/>
-            <a:ext cx="9144000" cy="2387600"/>
-          </a:xfrm>
-        </p:spPr>
-        <p:txBody>
-          <a:bodyPr anchor="b"/>
+            <a:off x="1751012" y="1300785"/>
+            <a:ext cx="8689976" cy="2509213"/>
+          </a:xfrm>
+        </p:spPr>
+        <p:txBody>
+          <a:bodyPr anchor="b">
+            <a:normAutofit/>
+          </a:bodyPr>
           <a:lstStyle>
             <a:lvl1pPr algn="ctr">
-              <a:defRPr sz="6000"/>
+              <a:defRPr sz="4800"/>
             </a:lvl1pPr>
           </a:lstStyle>
           <a:p>
@@ -152,7 +189,7 @@
               <a:rPr lang="en-US" smtClean="0"/>
               <a:t>Click to edit Master title style</a:t>
             </a:r>
-            <a:endParaRPr lang="en-US"/>
+            <a:endParaRPr lang="en-US" dirty="0"/>
           </a:p>
         </p:txBody>
       </p:sp>
@@ -168,16 +205,24 @@
         </p:nvSpPr>
         <p:spPr>
           <a:xfrm>
-            <a:off x="1524000" y="3602038"/>
-            <a:ext cx="9144000" cy="1655762"/>
-          </a:xfrm>
-        </p:spPr>
-        <p:txBody>
-          <a:bodyPr/>
+            <a:off x="1751012" y="3886200"/>
+            <a:ext cx="8689976" cy="1371599"/>
+          </a:xfrm>
+        </p:spPr>
+        <p:txBody>
+          <a:bodyPr>
+            <a:normAutofit/>
+          </a:bodyPr>
           <a:lstStyle>
             <a:lvl1pPr marL="0" indent="0" algn="ctr">
               <a:buNone/>
-              <a:defRPr sz="2400"/>
+              <a:defRPr sz="2200">
+                <a:solidFill>
+                  <a:schemeClr val="bg1">
+                    <a:lumMod val="50000"/>
+                  </a:schemeClr>
+                </a:solidFill>
+              </a:defRPr>
             </a:lvl1pPr>
             <a:lvl2pPr marL="457200" indent="0" algn="ctr">
               <a:buNone/>
@@ -217,7 +262,7 @@
               <a:rPr lang="en-US" smtClean="0"/>
               <a:t>Click to edit Master subtitle style</a:t>
             </a:r>
-            <a:endParaRPr lang="en-US"/>
+            <a:endParaRPr lang="en-US" dirty="0"/>
           </a:p>
         </p:txBody>
       </p:sp>
@@ -238,7 +283,7 @@
           <a:p>
             <a:fld id="{5C74CF76-B591-49A8-A990-0F7C4E14C2C0}" type="datetimeFigureOut">
               <a:rPr lang="en-US" smtClean="0"/>
-              <a:t>11/21/2014</a:t>
+              <a:t>11/23/2014</a:t>
             </a:fld>
             <a:endParaRPr lang="en-US"/>
           </a:p>
@@ -289,7 +334,7 @@
     </p:spTree>
     <p:extLst>
       <p:ext uri="{BB962C8B-B14F-4D97-AF65-F5344CB8AC3E}">
-        <p14:creationId xmlns:p14="http://schemas.microsoft.com/office/powerpoint/2010/main" val="2805608486"/>
+        <p14:creationId xmlns:p14="http://schemas.microsoft.com/office/powerpoint/2010/main" val="3418103479"/>
       </p:ext>
     </p:extLst>
   </p:cSld>
@@ -300,6 +345,2713 @@
 </file>
 
 <file path=ppt/slideLayouts/slideLayout10.xml><?xml version="1.0" encoding="utf-8"?>
+<p:sldLayout xmlns:a="http://schemas.openxmlformats.org/drawingml/2006/main" xmlns:r="http://schemas.openxmlformats.org/officeDocument/2006/relationships" xmlns:p="http://schemas.openxmlformats.org/presentationml/2006/main" preserve="1">
+  <p:cSld name="Panoramic Picture with Caption">
+    <p:spTree>
+      <p:nvGrpSpPr>
+        <p:cNvPr id="1" name=""/>
+        <p:cNvGrpSpPr/>
+        <p:nvPr/>
+      </p:nvGrpSpPr>
+      <p:grpSpPr>
+        <a:xfrm>
+          <a:off x="0" y="0"/>
+          <a:ext cx="0" cy="0"/>
+          <a:chOff x="0" y="0"/>
+          <a:chExt cx="0" cy="0"/>
+        </a:xfrm>
+      </p:grpSpPr>
+      <p:pic>
+        <p:nvPicPr>
+          <p:cNvPr id="10" name="Picture 9" descr="Droplets-HD-Content-R1d.png"/>
+          <p:cNvPicPr>
+            <a:picLocks noChangeAspect="1"/>
+          </p:cNvPicPr>
+          <p:nvPr/>
+        </p:nvPicPr>
+        <p:blipFill>
+          <a:blip r:embed="rId2">
+            <a:extLst>
+              <a:ext uri="{28A0092B-C50C-407E-A947-70E740481C1C}">
+                <a14:useLocalDpi xmlns:a14="http://schemas.microsoft.com/office/drawing/2010/main" val="0"/>
+              </a:ext>
+            </a:extLst>
+          </a:blip>
+          <a:stretch>
+            <a:fillRect/>
+          </a:stretch>
+        </p:blipFill>
+        <p:spPr>
+          <a:xfrm>
+            <a:off x="0" y="0"/>
+            <a:ext cx="12192000" cy="6858000"/>
+          </a:xfrm>
+          <a:prstGeom prst="rect">
+            <a:avLst/>
+          </a:prstGeom>
+        </p:spPr>
+      </p:pic>
+      <p:sp>
+        <p:nvSpPr>
+          <p:cNvPr id="2" name="Title 1"/>
+          <p:cNvSpPr>
+            <a:spLocks noGrp="1"/>
+          </p:cNvSpPr>
+          <p:nvPr>
+            <p:ph type="title"/>
+          </p:nvPr>
+        </p:nvSpPr>
+        <p:spPr>
+          <a:xfrm>
+            <a:off x="913794" y="4289374"/>
+            <a:ext cx="10364432" cy="811610"/>
+          </a:xfrm>
+        </p:spPr>
+        <p:txBody>
+          <a:bodyPr anchor="b"/>
+          <a:lstStyle>
+            <a:lvl1pPr>
+              <a:defRPr sz="3200"/>
+            </a:lvl1pPr>
+          </a:lstStyle>
+          <a:p>
+            <a:r>
+              <a:rPr lang="en-US" smtClean="0"/>
+              <a:t>Click to edit Master title style</a:t>
+            </a:r>
+            <a:endParaRPr lang="en-US" dirty="0"/>
+          </a:p>
+        </p:txBody>
+      </p:sp>
+      <p:sp>
+        <p:nvSpPr>
+          <p:cNvPr id="3" name="Picture Placeholder 2"/>
+          <p:cNvSpPr>
+            <a:spLocks noGrp="1" noChangeAspect="1"/>
+          </p:cNvSpPr>
+          <p:nvPr>
+            <p:ph type="pic" idx="1"/>
+          </p:nvPr>
+        </p:nvSpPr>
+        <p:spPr>
+          <a:xfrm>
+            <a:off x="1184744" y="698261"/>
+            <a:ext cx="9822532" cy="3214136"/>
+          </a:xfrm>
+          <a:prstGeom prst="roundRect">
+            <a:avLst>
+              <a:gd name="adj" fmla="val 4944"/>
+            </a:avLst>
+          </a:prstGeom>
+          <a:noFill/>
+          <a:ln w="82550" cap="sq">
+            <a:solidFill>
+              <a:srgbClr val="EAEAEA"/>
+            </a:solidFill>
+            <a:miter lim="800000"/>
+          </a:ln>
+          <a:effectLst/>
+          <a:scene3d>
+            <a:camera prst="orthographicFront"/>
+            <a:lightRig rig="threePt" dir="t">
+              <a:rot lat="0" lon="0" rev="2700000"/>
+            </a:lightRig>
+          </a:scene3d>
+          <a:sp3d contourW="6350">
+            <a:bevelT h="38100"/>
+            <a:contourClr>
+              <a:srgbClr val="C0C0C0"/>
+            </a:contourClr>
+          </a:sp3d>
+        </p:spPr>
+        <p:txBody>
+          <a:bodyPr anchor="t"/>
+          <a:lstStyle>
+            <a:lvl1pPr marL="0" indent="0" algn="ctr">
+              <a:buNone/>
+              <a:defRPr sz="3200"/>
+            </a:lvl1pPr>
+            <a:lvl2pPr marL="457200" indent="0">
+              <a:buNone/>
+              <a:defRPr sz="2800"/>
+            </a:lvl2pPr>
+            <a:lvl3pPr marL="914400" indent="0">
+              <a:buNone/>
+              <a:defRPr sz="2400"/>
+            </a:lvl3pPr>
+            <a:lvl4pPr marL="1371600" indent="0">
+              <a:buNone/>
+              <a:defRPr sz="2000"/>
+            </a:lvl4pPr>
+            <a:lvl5pPr marL="1828800" indent="0">
+              <a:buNone/>
+              <a:defRPr sz="2000"/>
+            </a:lvl5pPr>
+            <a:lvl6pPr marL="2286000" indent="0">
+              <a:buNone/>
+              <a:defRPr sz="2000"/>
+            </a:lvl6pPr>
+            <a:lvl7pPr marL="2743200" indent="0">
+              <a:buNone/>
+              <a:defRPr sz="2000"/>
+            </a:lvl7pPr>
+            <a:lvl8pPr marL="3200400" indent="0">
+              <a:buNone/>
+              <a:defRPr sz="2000"/>
+            </a:lvl8pPr>
+            <a:lvl9pPr marL="3657600" indent="0">
+              <a:buNone/>
+              <a:defRPr sz="2000"/>
+            </a:lvl9pPr>
+          </a:lstStyle>
+          <a:p>
+            <a:r>
+              <a:rPr lang="en-US" smtClean="0"/>
+              <a:t>Click icon to add picture</a:t>
+            </a:r>
+            <a:endParaRPr lang="en-US" dirty="0"/>
+          </a:p>
+        </p:txBody>
+      </p:sp>
+      <p:sp>
+        <p:nvSpPr>
+          <p:cNvPr id="4" name="Text Placeholder 3"/>
+          <p:cNvSpPr>
+            <a:spLocks noGrp="1"/>
+          </p:cNvSpPr>
+          <p:nvPr>
+            <p:ph type="body" sz="half" idx="2"/>
+          </p:nvPr>
+        </p:nvSpPr>
+        <p:spPr>
+          <a:xfrm>
+            <a:off x="913774" y="5108728"/>
+            <a:ext cx="10364452" cy="682472"/>
+          </a:xfrm>
+        </p:spPr>
+        <p:txBody>
+          <a:bodyPr/>
+          <a:lstStyle>
+            <a:lvl1pPr marL="0" indent="0" algn="ctr">
+              <a:buNone/>
+              <a:defRPr sz="1600"/>
+            </a:lvl1pPr>
+            <a:lvl2pPr marL="457200" indent="0">
+              <a:buNone/>
+              <a:defRPr sz="1400"/>
+            </a:lvl2pPr>
+            <a:lvl3pPr marL="914400" indent="0">
+              <a:buNone/>
+              <a:defRPr sz="1200"/>
+            </a:lvl3pPr>
+            <a:lvl4pPr marL="1371600" indent="0">
+              <a:buNone/>
+              <a:defRPr sz="1000"/>
+            </a:lvl4pPr>
+            <a:lvl5pPr marL="1828800" indent="0">
+              <a:buNone/>
+              <a:defRPr sz="1000"/>
+            </a:lvl5pPr>
+            <a:lvl6pPr marL="2286000" indent="0">
+              <a:buNone/>
+              <a:defRPr sz="1000"/>
+            </a:lvl6pPr>
+            <a:lvl7pPr marL="2743200" indent="0">
+              <a:buNone/>
+              <a:defRPr sz="1000"/>
+            </a:lvl7pPr>
+            <a:lvl8pPr marL="3200400" indent="0">
+              <a:buNone/>
+              <a:defRPr sz="1000"/>
+            </a:lvl8pPr>
+            <a:lvl9pPr marL="3657600" indent="0">
+              <a:buNone/>
+              <a:defRPr sz="1000"/>
+            </a:lvl9pPr>
+          </a:lstStyle>
+          <a:p>
+            <a:pPr lvl="0"/>
+            <a:r>
+              <a:rPr lang="en-US" smtClean="0"/>
+              <a:t>Click to edit Master text styles</a:t>
+            </a:r>
+          </a:p>
+        </p:txBody>
+      </p:sp>
+      <p:sp>
+        <p:nvSpPr>
+          <p:cNvPr id="5" name="Date Placeholder 4"/>
+          <p:cNvSpPr>
+            <a:spLocks noGrp="1"/>
+          </p:cNvSpPr>
+          <p:nvPr>
+            <p:ph type="dt" sz="half" idx="10"/>
+          </p:nvPr>
+        </p:nvSpPr>
+        <p:spPr/>
+        <p:txBody>
+          <a:bodyPr/>
+          <a:lstStyle/>
+          <a:p>
+            <a:fld id="{5C74CF76-B591-49A8-A990-0F7C4E14C2C0}" type="datetimeFigureOut">
+              <a:rPr lang="en-US" smtClean="0"/>
+              <a:t>11/23/2014</a:t>
+            </a:fld>
+            <a:endParaRPr lang="en-US"/>
+          </a:p>
+        </p:txBody>
+      </p:sp>
+      <p:sp>
+        <p:nvSpPr>
+          <p:cNvPr id="6" name="Footer Placeholder 5"/>
+          <p:cNvSpPr>
+            <a:spLocks noGrp="1"/>
+          </p:cNvSpPr>
+          <p:nvPr>
+            <p:ph type="ftr" sz="quarter" idx="11"/>
+          </p:nvPr>
+        </p:nvSpPr>
+        <p:spPr/>
+        <p:txBody>
+          <a:bodyPr/>
+          <a:lstStyle/>
+          <a:p>
+            <a:endParaRPr lang="en-US"/>
+          </a:p>
+        </p:txBody>
+      </p:sp>
+      <p:sp>
+        <p:nvSpPr>
+          <p:cNvPr id="7" name="Slide Number Placeholder 6"/>
+          <p:cNvSpPr>
+            <a:spLocks noGrp="1"/>
+          </p:cNvSpPr>
+          <p:nvPr>
+            <p:ph type="sldNum" sz="quarter" idx="12"/>
+          </p:nvPr>
+        </p:nvSpPr>
+        <p:spPr/>
+        <p:txBody>
+          <a:bodyPr/>
+          <a:lstStyle/>
+          <a:p>
+            <a:fld id="{5D692D5F-41F1-485D-ABD2-5DA8F0BF48F0}" type="slidenum">
+              <a:rPr lang="en-US" smtClean="0"/>
+              <a:t>‹#›</a:t>
+            </a:fld>
+            <a:endParaRPr lang="en-US"/>
+          </a:p>
+        </p:txBody>
+      </p:sp>
+    </p:spTree>
+    <p:extLst>
+      <p:ext uri="{BB962C8B-B14F-4D97-AF65-F5344CB8AC3E}">
+        <p14:creationId xmlns:p14="http://schemas.microsoft.com/office/powerpoint/2010/main" val="3281358659"/>
+      </p:ext>
+    </p:extLst>
+  </p:cSld>
+  <p:clrMapOvr>
+    <a:masterClrMapping/>
+  </p:clrMapOvr>
+</p:sldLayout>
+</file>
+
+<file path=ppt/slideLayouts/slideLayout11.xml><?xml version="1.0" encoding="utf-8"?>
+<p:sldLayout xmlns:a="http://schemas.openxmlformats.org/drawingml/2006/main" xmlns:r="http://schemas.openxmlformats.org/officeDocument/2006/relationships" xmlns:p="http://schemas.openxmlformats.org/presentationml/2006/main" preserve="1">
+  <p:cSld name="Title and Caption">
+    <p:spTree>
+      <p:nvGrpSpPr>
+        <p:cNvPr id="1" name=""/>
+        <p:cNvGrpSpPr/>
+        <p:nvPr/>
+      </p:nvGrpSpPr>
+      <p:grpSpPr>
+        <a:xfrm>
+          <a:off x="0" y="0"/>
+          <a:ext cx="0" cy="0"/>
+          <a:chOff x="0" y="0"/>
+          <a:chExt cx="0" cy="0"/>
+        </a:xfrm>
+      </p:grpSpPr>
+      <p:pic>
+        <p:nvPicPr>
+          <p:cNvPr id="8" name="Picture 7" descr="Droplets-HD-Content-R1d.png"/>
+          <p:cNvPicPr>
+            <a:picLocks noChangeAspect="1"/>
+          </p:cNvPicPr>
+          <p:nvPr/>
+        </p:nvPicPr>
+        <p:blipFill>
+          <a:blip r:embed="rId2">
+            <a:extLst>
+              <a:ext uri="{28A0092B-C50C-407E-A947-70E740481C1C}">
+                <a14:useLocalDpi xmlns:a14="http://schemas.microsoft.com/office/drawing/2010/main" val="0"/>
+              </a:ext>
+            </a:extLst>
+          </a:blip>
+          <a:stretch>
+            <a:fillRect/>
+          </a:stretch>
+        </p:blipFill>
+        <p:spPr>
+          <a:xfrm>
+            <a:off x="0" y="0"/>
+            <a:ext cx="12192000" cy="6858000"/>
+          </a:xfrm>
+          <a:prstGeom prst="rect">
+            <a:avLst/>
+          </a:prstGeom>
+        </p:spPr>
+      </p:pic>
+      <p:sp>
+        <p:nvSpPr>
+          <p:cNvPr id="2" name="Title 1"/>
+          <p:cNvSpPr>
+            <a:spLocks noGrp="1"/>
+          </p:cNvSpPr>
+          <p:nvPr>
+            <p:ph type="title"/>
+          </p:nvPr>
+        </p:nvSpPr>
+        <p:spPr>
+          <a:xfrm>
+            <a:off x="913774" y="609599"/>
+            <a:ext cx="10364452" cy="3427245"/>
+          </a:xfrm>
+        </p:spPr>
+        <p:txBody>
+          <a:bodyPr anchor="ctr"/>
+          <a:lstStyle>
+            <a:lvl1pPr algn="ctr">
+              <a:defRPr sz="3200"/>
+            </a:lvl1pPr>
+          </a:lstStyle>
+          <a:p>
+            <a:r>
+              <a:rPr lang="en-US" smtClean="0"/>
+              <a:t>Click to edit Master title style</a:t>
+            </a:r>
+            <a:endParaRPr lang="en-US" dirty="0"/>
+          </a:p>
+        </p:txBody>
+      </p:sp>
+      <p:sp>
+        <p:nvSpPr>
+          <p:cNvPr id="4" name="Text Placeholder 3"/>
+          <p:cNvSpPr>
+            <a:spLocks noGrp="1"/>
+          </p:cNvSpPr>
+          <p:nvPr>
+            <p:ph type="body" sz="half" idx="2"/>
+          </p:nvPr>
+        </p:nvSpPr>
+        <p:spPr>
+          <a:xfrm>
+            <a:off x="913775" y="4204821"/>
+            <a:ext cx="10364452" cy="1586380"/>
+          </a:xfrm>
+        </p:spPr>
+        <p:txBody>
+          <a:bodyPr anchor="ctr"/>
+          <a:lstStyle>
+            <a:lvl1pPr marL="0" indent="0" algn="ctr">
+              <a:buNone/>
+              <a:defRPr sz="1600"/>
+            </a:lvl1pPr>
+            <a:lvl2pPr marL="457200" indent="0">
+              <a:buNone/>
+              <a:defRPr sz="1400"/>
+            </a:lvl2pPr>
+            <a:lvl3pPr marL="914400" indent="0">
+              <a:buNone/>
+              <a:defRPr sz="1200"/>
+            </a:lvl3pPr>
+            <a:lvl4pPr marL="1371600" indent="0">
+              <a:buNone/>
+              <a:defRPr sz="1000"/>
+            </a:lvl4pPr>
+            <a:lvl5pPr marL="1828800" indent="0">
+              <a:buNone/>
+              <a:defRPr sz="1000"/>
+            </a:lvl5pPr>
+            <a:lvl6pPr marL="2286000" indent="0">
+              <a:buNone/>
+              <a:defRPr sz="1000"/>
+            </a:lvl6pPr>
+            <a:lvl7pPr marL="2743200" indent="0">
+              <a:buNone/>
+              <a:defRPr sz="1000"/>
+            </a:lvl7pPr>
+            <a:lvl8pPr marL="3200400" indent="0">
+              <a:buNone/>
+              <a:defRPr sz="1000"/>
+            </a:lvl8pPr>
+            <a:lvl9pPr marL="3657600" indent="0">
+              <a:buNone/>
+              <a:defRPr sz="1000"/>
+            </a:lvl9pPr>
+          </a:lstStyle>
+          <a:p>
+            <a:pPr lvl="0"/>
+            <a:r>
+              <a:rPr lang="en-US" smtClean="0"/>
+              <a:t>Click to edit Master text styles</a:t>
+            </a:r>
+          </a:p>
+        </p:txBody>
+      </p:sp>
+      <p:sp>
+        <p:nvSpPr>
+          <p:cNvPr id="5" name="Date Placeholder 4"/>
+          <p:cNvSpPr>
+            <a:spLocks noGrp="1"/>
+          </p:cNvSpPr>
+          <p:nvPr>
+            <p:ph type="dt" sz="half" idx="10"/>
+          </p:nvPr>
+        </p:nvSpPr>
+        <p:spPr/>
+        <p:txBody>
+          <a:bodyPr/>
+          <a:lstStyle/>
+          <a:p>
+            <a:fld id="{5C74CF76-B591-49A8-A990-0F7C4E14C2C0}" type="datetimeFigureOut">
+              <a:rPr lang="en-US" smtClean="0"/>
+              <a:t>11/23/2014</a:t>
+            </a:fld>
+            <a:endParaRPr lang="en-US"/>
+          </a:p>
+        </p:txBody>
+      </p:sp>
+      <p:sp>
+        <p:nvSpPr>
+          <p:cNvPr id="6" name="Footer Placeholder 5"/>
+          <p:cNvSpPr>
+            <a:spLocks noGrp="1"/>
+          </p:cNvSpPr>
+          <p:nvPr>
+            <p:ph type="ftr" sz="quarter" idx="11"/>
+          </p:nvPr>
+        </p:nvSpPr>
+        <p:spPr/>
+        <p:txBody>
+          <a:bodyPr/>
+          <a:lstStyle/>
+          <a:p>
+            <a:endParaRPr lang="en-US"/>
+          </a:p>
+        </p:txBody>
+      </p:sp>
+      <p:sp>
+        <p:nvSpPr>
+          <p:cNvPr id="7" name="Slide Number Placeholder 6"/>
+          <p:cNvSpPr>
+            <a:spLocks noGrp="1"/>
+          </p:cNvSpPr>
+          <p:nvPr>
+            <p:ph type="sldNum" sz="quarter" idx="12"/>
+          </p:nvPr>
+        </p:nvSpPr>
+        <p:spPr/>
+        <p:txBody>
+          <a:bodyPr/>
+          <a:lstStyle/>
+          <a:p>
+            <a:fld id="{5D692D5F-41F1-485D-ABD2-5DA8F0BF48F0}" type="slidenum">
+              <a:rPr lang="en-US" smtClean="0"/>
+              <a:t>‹#›</a:t>
+            </a:fld>
+            <a:endParaRPr lang="en-US"/>
+          </a:p>
+        </p:txBody>
+      </p:sp>
+    </p:spTree>
+    <p:extLst>
+      <p:ext uri="{BB962C8B-B14F-4D97-AF65-F5344CB8AC3E}">
+        <p14:creationId xmlns:p14="http://schemas.microsoft.com/office/powerpoint/2010/main" val="2739159429"/>
+      </p:ext>
+    </p:extLst>
+  </p:cSld>
+  <p:clrMapOvr>
+    <a:masterClrMapping/>
+  </p:clrMapOvr>
+</p:sldLayout>
+</file>
+
+<file path=ppt/slideLayouts/slideLayout12.xml><?xml version="1.0" encoding="utf-8"?>
+<p:sldLayout xmlns:a="http://schemas.openxmlformats.org/drawingml/2006/main" xmlns:r="http://schemas.openxmlformats.org/officeDocument/2006/relationships" xmlns:p="http://schemas.openxmlformats.org/presentationml/2006/main" preserve="1">
+  <p:cSld name="Quote with Caption">
+    <p:spTree>
+      <p:nvGrpSpPr>
+        <p:cNvPr id="1" name=""/>
+        <p:cNvGrpSpPr/>
+        <p:nvPr/>
+      </p:nvGrpSpPr>
+      <p:grpSpPr>
+        <a:xfrm>
+          <a:off x="0" y="0"/>
+          <a:ext cx="0" cy="0"/>
+          <a:chOff x="0" y="0"/>
+          <a:chExt cx="0" cy="0"/>
+        </a:xfrm>
+      </p:grpSpPr>
+      <p:pic>
+        <p:nvPicPr>
+          <p:cNvPr id="11" name="Picture 10" descr="Droplets-HD-Content-R1d.png"/>
+          <p:cNvPicPr>
+            <a:picLocks noChangeAspect="1"/>
+          </p:cNvPicPr>
+          <p:nvPr/>
+        </p:nvPicPr>
+        <p:blipFill>
+          <a:blip r:embed="rId2">
+            <a:extLst>
+              <a:ext uri="{28A0092B-C50C-407E-A947-70E740481C1C}">
+                <a14:useLocalDpi xmlns:a14="http://schemas.microsoft.com/office/drawing/2010/main" val="0"/>
+              </a:ext>
+            </a:extLst>
+          </a:blip>
+          <a:stretch>
+            <a:fillRect/>
+          </a:stretch>
+        </p:blipFill>
+        <p:spPr>
+          <a:xfrm>
+            <a:off x="0" y="0"/>
+            <a:ext cx="12192000" cy="6858000"/>
+          </a:xfrm>
+          <a:prstGeom prst="rect">
+            <a:avLst/>
+          </a:prstGeom>
+        </p:spPr>
+      </p:pic>
+      <p:sp>
+        <p:nvSpPr>
+          <p:cNvPr id="2" name="Title 1"/>
+          <p:cNvSpPr>
+            <a:spLocks noGrp="1"/>
+          </p:cNvSpPr>
+          <p:nvPr>
+            <p:ph type="title"/>
+          </p:nvPr>
+        </p:nvSpPr>
+        <p:spPr>
+          <a:xfrm>
+            <a:off x="1446212" y="609600"/>
+            <a:ext cx="9302752" cy="2992904"/>
+          </a:xfrm>
+        </p:spPr>
+        <p:txBody>
+          <a:bodyPr anchor="ctr"/>
+          <a:lstStyle>
+            <a:lvl1pPr>
+              <a:defRPr sz="3200"/>
+            </a:lvl1pPr>
+          </a:lstStyle>
+          <a:p>
+            <a:r>
+              <a:rPr lang="en-US" smtClean="0"/>
+              <a:t>Click to edit Master title style</a:t>
+            </a:r>
+            <a:endParaRPr lang="en-US" dirty="0"/>
+          </a:p>
+        </p:txBody>
+      </p:sp>
+      <p:sp>
+        <p:nvSpPr>
+          <p:cNvPr id="12" name="Text Placeholder 3"/>
+          <p:cNvSpPr>
+            <a:spLocks noGrp="1"/>
+          </p:cNvSpPr>
+          <p:nvPr>
+            <p:ph type="body" sz="half" idx="13"/>
+          </p:nvPr>
+        </p:nvSpPr>
+        <p:spPr>
+          <a:xfrm>
+            <a:off x="1720644" y="3610032"/>
+            <a:ext cx="8752299" cy="594788"/>
+          </a:xfrm>
+        </p:spPr>
+        <p:txBody>
+          <a:bodyPr anchor="t">
+            <a:normAutofit/>
+          </a:bodyPr>
+          <a:lstStyle>
+            <a:lvl1pPr marL="0" indent="0">
+              <a:buNone/>
+              <a:defRPr sz="1400"/>
+            </a:lvl1pPr>
+            <a:lvl2pPr marL="457200" indent="0">
+              <a:buNone/>
+              <a:defRPr sz="1400"/>
+            </a:lvl2pPr>
+            <a:lvl3pPr marL="914400" indent="0">
+              <a:buNone/>
+              <a:defRPr sz="1200"/>
+            </a:lvl3pPr>
+            <a:lvl4pPr marL="1371600" indent="0">
+              <a:buNone/>
+              <a:defRPr sz="1000"/>
+            </a:lvl4pPr>
+            <a:lvl5pPr marL="1828800" indent="0">
+              <a:buNone/>
+              <a:defRPr sz="1000"/>
+            </a:lvl5pPr>
+            <a:lvl6pPr marL="2286000" indent="0">
+              <a:buNone/>
+              <a:defRPr sz="1000"/>
+            </a:lvl6pPr>
+            <a:lvl7pPr marL="2743200" indent="0">
+              <a:buNone/>
+              <a:defRPr sz="1000"/>
+            </a:lvl7pPr>
+            <a:lvl8pPr marL="3200400" indent="0">
+              <a:buNone/>
+              <a:defRPr sz="1000"/>
+            </a:lvl8pPr>
+            <a:lvl9pPr marL="3657600" indent="0">
+              <a:buNone/>
+              <a:defRPr sz="1000"/>
+            </a:lvl9pPr>
+          </a:lstStyle>
+          <a:p>
+            <a:pPr lvl="0"/>
+            <a:r>
+              <a:rPr lang="en-US" smtClean="0"/>
+              <a:t>Click to edit Master text styles</a:t>
+            </a:r>
+          </a:p>
+        </p:txBody>
+      </p:sp>
+      <p:sp>
+        <p:nvSpPr>
+          <p:cNvPr id="4" name="Text Placeholder 3"/>
+          <p:cNvSpPr>
+            <a:spLocks noGrp="1"/>
+          </p:cNvSpPr>
+          <p:nvPr>
+            <p:ph type="body" sz="half" idx="2"/>
+          </p:nvPr>
+        </p:nvSpPr>
+        <p:spPr>
+          <a:xfrm>
+            <a:off x="913774" y="4372796"/>
+            <a:ext cx="10364452" cy="1421053"/>
+          </a:xfrm>
+        </p:spPr>
+        <p:txBody>
+          <a:bodyPr anchor="ctr">
+            <a:normAutofit/>
+          </a:bodyPr>
+          <a:lstStyle>
+            <a:lvl1pPr marL="0" indent="0" algn="ctr">
+              <a:buNone/>
+              <a:defRPr sz="1600"/>
+            </a:lvl1pPr>
+            <a:lvl2pPr marL="457200" indent="0">
+              <a:buNone/>
+              <a:defRPr sz="1400"/>
+            </a:lvl2pPr>
+            <a:lvl3pPr marL="914400" indent="0">
+              <a:buNone/>
+              <a:defRPr sz="1200"/>
+            </a:lvl3pPr>
+            <a:lvl4pPr marL="1371600" indent="0">
+              <a:buNone/>
+              <a:defRPr sz="1000"/>
+            </a:lvl4pPr>
+            <a:lvl5pPr marL="1828800" indent="0">
+              <a:buNone/>
+              <a:defRPr sz="1000"/>
+            </a:lvl5pPr>
+            <a:lvl6pPr marL="2286000" indent="0">
+              <a:buNone/>
+              <a:defRPr sz="1000"/>
+            </a:lvl6pPr>
+            <a:lvl7pPr marL="2743200" indent="0">
+              <a:buNone/>
+              <a:defRPr sz="1000"/>
+            </a:lvl7pPr>
+            <a:lvl8pPr marL="3200400" indent="0">
+              <a:buNone/>
+              <a:defRPr sz="1000"/>
+            </a:lvl8pPr>
+            <a:lvl9pPr marL="3657600" indent="0">
+              <a:buNone/>
+              <a:defRPr sz="1000"/>
+            </a:lvl9pPr>
+          </a:lstStyle>
+          <a:p>
+            <a:pPr lvl="0"/>
+            <a:r>
+              <a:rPr lang="en-US" smtClean="0"/>
+              <a:t>Click to edit Master text styles</a:t>
+            </a:r>
+          </a:p>
+        </p:txBody>
+      </p:sp>
+      <p:sp>
+        <p:nvSpPr>
+          <p:cNvPr id="5" name="Date Placeholder 4"/>
+          <p:cNvSpPr>
+            <a:spLocks noGrp="1"/>
+          </p:cNvSpPr>
+          <p:nvPr>
+            <p:ph type="dt" sz="half" idx="10"/>
+          </p:nvPr>
+        </p:nvSpPr>
+        <p:spPr/>
+        <p:txBody>
+          <a:bodyPr/>
+          <a:lstStyle/>
+          <a:p>
+            <a:fld id="{5C74CF76-B591-49A8-A990-0F7C4E14C2C0}" type="datetimeFigureOut">
+              <a:rPr lang="en-US" smtClean="0"/>
+              <a:t>11/23/2014</a:t>
+            </a:fld>
+            <a:endParaRPr lang="en-US"/>
+          </a:p>
+        </p:txBody>
+      </p:sp>
+      <p:sp>
+        <p:nvSpPr>
+          <p:cNvPr id="6" name="Footer Placeholder 5"/>
+          <p:cNvSpPr>
+            <a:spLocks noGrp="1"/>
+          </p:cNvSpPr>
+          <p:nvPr>
+            <p:ph type="ftr" sz="quarter" idx="11"/>
+          </p:nvPr>
+        </p:nvSpPr>
+        <p:spPr/>
+        <p:txBody>
+          <a:bodyPr/>
+          <a:lstStyle/>
+          <a:p>
+            <a:endParaRPr lang="en-US"/>
+          </a:p>
+        </p:txBody>
+      </p:sp>
+      <p:sp>
+        <p:nvSpPr>
+          <p:cNvPr id="7" name="Slide Number Placeholder 6"/>
+          <p:cNvSpPr>
+            <a:spLocks noGrp="1"/>
+          </p:cNvSpPr>
+          <p:nvPr>
+            <p:ph type="sldNum" sz="quarter" idx="12"/>
+          </p:nvPr>
+        </p:nvSpPr>
+        <p:spPr/>
+        <p:txBody>
+          <a:bodyPr/>
+          <a:lstStyle/>
+          <a:p>
+            <a:fld id="{5D692D5F-41F1-485D-ABD2-5DA8F0BF48F0}" type="slidenum">
+              <a:rPr lang="en-US" smtClean="0"/>
+              <a:t>‹#›</a:t>
+            </a:fld>
+            <a:endParaRPr lang="en-US"/>
+          </a:p>
+        </p:txBody>
+      </p:sp>
+      <p:sp>
+        <p:nvSpPr>
+          <p:cNvPr id="13" name="TextBox 12"/>
+          <p:cNvSpPr txBox="1"/>
+          <p:nvPr/>
+        </p:nvSpPr>
+        <p:spPr>
+          <a:xfrm>
+            <a:off x="1001488" y="754166"/>
+            <a:ext cx="609600" cy="584776"/>
+          </a:xfrm>
+          <a:prstGeom prst="rect">
+            <a:avLst/>
+          </a:prstGeom>
+        </p:spPr>
+        <p:txBody>
+          <a:bodyPr vert="horz" lIns="91440" tIns="45720" rIns="91440" bIns="45720" rtlCol="0" anchor="ctr">
+            <a:noAutofit/>
+          </a:bodyPr>
+          <a:lstStyle>
+            <a:lvl1pPr>
+              <a:spcBef>
+                <a:spcPct val="0"/>
+              </a:spcBef>
+              <a:buNone/>
+              <a:defRPr sz="3200" b="0" cap="all">
+                <a:ln w="3175" cmpd="sng">
+                  <a:noFill/>
+                </a:ln>
+                <a:effectLst>
+                  <a:glow rad="38100">
+                    <a:schemeClr val="bg1">
+                      <a:lumMod val="65000"/>
+                      <a:lumOff val="35000"/>
+                      <a:alpha val="40000"/>
+                    </a:schemeClr>
+                  </a:glow>
+                  <a:outerShdw blurRad="28575" dist="38100" dir="14040000" algn="tl" rotWithShape="0">
+                    <a:srgbClr val="000000">
+                      <a:alpha val="25000"/>
+                    </a:srgbClr>
+                  </a:outerShdw>
+                </a:effectLst>
+              </a:defRPr>
+            </a:lvl1pPr>
+            <a:lvl2pPr>
+              <a:defRPr>
+                <a:solidFill>
+                  <a:schemeClr val="tx2"/>
+                </a:solidFill>
+              </a:defRPr>
+            </a:lvl2pPr>
+            <a:lvl3pPr>
+              <a:defRPr>
+                <a:solidFill>
+                  <a:schemeClr val="tx2"/>
+                </a:solidFill>
+              </a:defRPr>
+            </a:lvl3pPr>
+            <a:lvl4pPr>
+              <a:defRPr>
+                <a:solidFill>
+                  <a:schemeClr val="tx2"/>
+                </a:solidFill>
+              </a:defRPr>
+            </a:lvl4pPr>
+            <a:lvl5pPr>
+              <a:defRPr>
+                <a:solidFill>
+                  <a:schemeClr val="tx2"/>
+                </a:solidFill>
+              </a:defRPr>
+            </a:lvl5pPr>
+            <a:lvl6pPr>
+              <a:defRPr>
+                <a:solidFill>
+                  <a:schemeClr val="tx2"/>
+                </a:solidFill>
+              </a:defRPr>
+            </a:lvl6pPr>
+            <a:lvl7pPr>
+              <a:defRPr>
+                <a:solidFill>
+                  <a:schemeClr val="tx2"/>
+                </a:solidFill>
+              </a:defRPr>
+            </a:lvl7pPr>
+            <a:lvl8pPr>
+              <a:defRPr>
+                <a:solidFill>
+                  <a:schemeClr val="tx2"/>
+                </a:solidFill>
+              </a:defRPr>
+            </a:lvl8pPr>
+            <a:lvl9pPr>
+              <a:defRPr>
+                <a:solidFill>
+                  <a:schemeClr val="tx2"/>
+                </a:solidFill>
+              </a:defRPr>
+            </a:lvl9pPr>
+          </a:lstStyle>
+          <a:p>
+            <a:pPr lvl="0"/>
+            <a:r>
+              <a:rPr lang="en-US" sz="8000" dirty="0">
+                <a:solidFill>
+                  <a:schemeClr val="tx1"/>
+                </a:solidFill>
+                <a:effectLst/>
+              </a:rPr>
+              <a:t>“</a:t>
+            </a:r>
+          </a:p>
+        </p:txBody>
+      </p:sp>
+      <p:sp>
+        <p:nvSpPr>
+          <p:cNvPr id="14" name="TextBox 13"/>
+          <p:cNvSpPr txBox="1"/>
+          <p:nvPr/>
+        </p:nvSpPr>
+        <p:spPr>
+          <a:xfrm>
+            <a:off x="10557558" y="2993578"/>
+            <a:ext cx="609600" cy="584776"/>
+          </a:xfrm>
+          <a:prstGeom prst="rect">
+            <a:avLst/>
+          </a:prstGeom>
+        </p:spPr>
+        <p:txBody>
+          <a:bodyPr vert="horz" lIns="91440" tIns="45720" rIns="91440" bIns="45720" rtlCol="0" anchor="ctr">
+            <a:noAutofit/>
+          </a:bodyPr>
+          <a:lstStyle>
+            <a:lvl1pPr>
+              <a:spcBef>
+                <a:spcPct val="0"/>
+              </a:spcBef>
+              <a:buNone/>
+              <a:defRPr sz="3200" b="0" cap="all">
+                <a:ln w="3175" cmpd="sng">
+                  <a:noFill/>
+                </a:ln>
+                <a:effectLst>
+                  <a:glow rad="38100">
+                    <a:schemeClr val="bg1">
+                      <a:lumMod val="65000"/>
+                      <a:lumOff val="35000"/>
+                      <a:alpha val="40000"/>
+                    </a:schemeClr>
+                  </a:glow>
+                  <a:outerShdw blurRad="28575" dist="38100" dir="14040000" algn="tl" rotWithShape="0">
+                    <a:srgbClr val="000000">
+                      <a:alpha val="25000"/>
+                    </a:srgbClr>
+                  </a:outerShdw>
+                </a:effectLst>
+              </a:defRPr>
+            </a:lvl1pPr>
+            <a:lvl2pPr>
+              <a:defRPr>
+                <a:solidFill>
+                  <a:schemeClr val="tx2"/>
+                </a:solidFill>
+              </a:defRPr>
+            </a:lvl2pPr>
+            <a:lvl3pPr>
+              <a:defRPr>
+                <a:solidFill>
+                  <a:schemeClr val="tx2"/>
+                </a:solidFill>
+              </a:defRPr>
+            </a:lvl3pPr>
+            <a:lvl4pPr>
+              <a:defRPr>
+                <a:solidFill>
+                  <a:schemeClr val="tx2"/>
+                </a:solidFill>
+              </a:defRPr>
+            </a:lvl4pPr>
+            <a:lvl5pPr>
+              <a:defRPr>
+                <a:solidFill>
+                  <a:schemeClr val="tx2"/>
+                </a:solidFill>
+              </a:defRPr>
+            </a:lvl5pPr>
+            <a:lvl6pPr>
+              <a:defRPr>
+                <a:solidFill>
+                  <a:schemeClr val="tx2"/>
+                </a:solidFill>
+              </a:defRPr>
+            </a:lvl6pPr>
+            <a:lvl7pPr>
+              <a:defRPr>
+                <a:solidFill>
+                  <a:schemeClr val="tx2"/>
+                </a:solidFill>
+              </a:defRPr>
+            </a:lvl7pPr>
+            <a:lvl8pPr>
+              <a:defRPr>
+                <a:solidFill>
+                  <a:schemeClr val="tx2"/>
+                </a:solidFill>
+              </a:defRPr>
+            </a:lvl8pPr>
+            <a:lvl9pPr>
+              <a:defRPr>
+                <a:solidFill>
+                  <a:schemeClr val="tx2"/>
+                </a:solidFill>
+              </a:defRPr>
+            </a:lvl9pPr>
+          </a:lstStyle>
+          <a:p>
+            <a:pPr lvl="0" algn="r"/>
+            <a:r>
+              <a:rPr lang="en-US" sz="8000" dirty="0">
+                <a:solidFill>
+                  <a:schemeClr val="tx1"/>
+                </a:solidFill>
+                <a:effectLst/>
+              </a:rPr>
+              <a:t>”</a:t>
+            </a:r>
+          </a:p>
+        </p:txBody>
+      </p:sp>
+    </p:spTree>
+    <p:extLst>
+      <p:ext uri="{BB962C8B-B14F-4D97-AF65-F5344CB8AC3E}">
+        <p14:creationId xmlns:p14="http://schemas.microsoft.com/office/powerpoint/2010/main" val="215645908"/>
+      </p:ext>
+    </p:extLst>
+  </p:cSld>
+  <p:clrMapOvr>
+    <a:masterClrMapping/>
+  </p:clrMapOvr>
+</p:sldLayout>
+</file>
+
+<file path=ppt/slideLayouts/slideLayout13.xml><?xml version="1.0" encoding="utf-8"?>
+<p:sldLayout xmlns:a="http://schemas.openxmlformats.org/drawingml/2006/main" xmlns:r="http://schemas.openxmlformats.org/officeDocument/2006/relationships" xmlns:p="http://schemas.openxmlformats.org/presentationml/2006/main" preserve="1">
+  <p:cSld name="Name Card">
+    <p:spTree>
+      <p:nvGrpSpPr>
+        <p:cNvPr id="1" name=""/>
+        <p:cNvGrpSpPr/>
+        <p:nvPr/>
+      </p:nvGrpSpPr>
+      <p:grpSpPr>
+        <a:xfrm>
+          <a:off x="0" y="0"/>
+          <a:ext cx="0" cy="0"/>
+          <a:chOff x="0" y="0"/>
+          <a:chExt cx="0" cy="0"/>
+        </a:xfrm>
+      </p:grpSpPr>
+      <p:pic>
+        <p:nvPicPr>
+          <p:cNvPr id="8" name="Picture 7" descr="Droplets-HD-Content-R1d.png"/>
+          <p:cNvPicPr>
+            <a:picLocks noChangeAspect="1"/>
+          </p:cNvPicPr>
+          <p:nvPr/>
+        </p:nvPicPr>
+        <p:blipFill>
+          <a:blip r:embed="rId2">
+            <a:extLst>
+              <a:ext uri="{28A0092B-C50C-407E-A947-70E740481C1C}">
+                <a14:useLocalDpi xmlns:a14="http://schemas.microsoft.com/office/drawing/2010/main" val="0"/>
+              </a:ext>
+            </a:extLst>
+          </a:blip>
+          <a:stretch>
+            <a:fillRect/>
+          </a:stretch>
+        </p:blipFill>
+        <p:spPr>
+          <a:xfrm>
+            <a:off x="0" y="0"/>
+            <a:ext cx="12192000" cy="6858000"/>
+          </a:xfrm>
+          <a:prstGeom prst="rect">
+            <a:avLst/>
+          </a:prstGeom>
+        </p:spPr>
+      </p:pic>
+      <p:sp>
+        <p:nvSpPr>
+          <p:cNvPr id="2" name="Title 1"/>
+          <p:cNvSpPr>
+            <a:spLocks noGrp="1"/>
+          </p:cNvSpPr>
+          <p:nvPr>
+            <p:ph type="title"/>
+          </p:nvPr>
+        </p:nvSpPr>
+        <p:spPr>
+          <a:xfrm>
+            <a:off x="913775" y="2138721"/>
+            <a:ext cx="10364452" cy="2511835"/>
+          </a:xfrm>
+        </p:spPr>
+        <p:txBody>
+          <a:bodyPr anchor="b"/>
+          <a:lstStyle>
+            <a:lvl1pPr algn="ctr">
+              <a:defRPr sz="3200"/>
+            </a:lvl1pPr>
+          </a:lstStyle>
+          <a:p>
+            <a:r>
+              <a:rPr lang="en-US" smtClean="0"/>
+              <a:t>Click to edit Master title style</a:t>
+            </a:r>
+            <a:endParaRPr lang="en-US" dirty="0"/>
+          </a:p>
+        </p:txBody>
+      </p:sp>
+      <p:sp>
+        <p:nvSpPr>
+          <p:cNvPr id="4" name="Text Placeholder 3"/>
+          <p:cNvSpPr>
+            <a:spLocks noGrp="1"/>
+          </p:cNvSpPr>
+          <p:nvPr>
+            <p:ph type="body" sz="half" idx="2"/>
+          </p:nvPr>
+        </p:nvSpPr>
+        <p:spPr>
+          <a:xfrm>
+            <a:off x="913775" y="4662335"/>
+            <a:ext cx="10364452" cy="1140644"/>
+          </a:xfrm>
+        </p:spPr>
+        <p:txBody>
+          <a:bodyPr anchor="t"/>
+          <a:lstStyle>
+            <a:lvl1pPr marL="0" indent="0" algn="ctr">
+              <a:buNone/>
+              <a:defRPr sz="1600"/>
+            </a:lvl1pPr>
+            <a:lvl2pPr marL="457200" indent="0">
+              <a:buNone/>
+              <a:defRPr sz="1400"/>
+            </a:lvl2pPr>
+            <a:lvl3pPr marL="914400" indent="0">
+              <a:buNone/>
+              <a:defRPr sz="1200"/>
+            </a:lvl3pPr>
+            <a:lvl4pPr marL="1371600" indent="0">
+              <a:buNone/>
+              <a:defRPr sz="1000"/>
+            </a:lvl4pPr>
+            <a:lvl5pPr marL="1828800" indent="0">
+              <a:buNone/>
+              <a:defRPr sz="1000"/>
+            </a:lvl5pPr>
+            <a:lvl6pPr marL="2286000" indent="0">
+              <a:buNone/>
+              <a:defRPr sz="1000"/>
+            </a:lvl6pPr>
+            <a:lvl7pPr marL="2743200" indent="0">
+              <a:buNone/>
+              <a:defRPr sz="1000"/>
+            </a:lvl7pPr>
+            <a:lvl8pPr marL="3200400" indent="0">
+              <a:buNone/>
+              <a:defRPr sz="1000"/>
+            </a:lvl8pPr>
+            <a:lvl9pPr marL="3657600" indent="0">
+              <a:buNone/>
+              <a:defRPr sz="1000"/>
+            </a:lvl9pPr>
+          </a:lstStyle>
+          <a:p>
+            <a:pPr lvl="0"/>
+            <a:r>
+              <a:rPr lang="en-US" smtClean="0"/>
+              <a:t>Click to edit Master text styles</a:t>
+            </a:r>
+          </a:p>
+        </p:txBody>
+      </p:sp>
+      <p:sp>
+        <p:nvSpPr>
+          <p:cNvPr id="5" name="Date Placeholder 4"/>
+          <p:cNvSpPr>
+            <a:spLocks noGrp="1"/>
+          </p:cNvSpPr>
+          <p:nvPr>
+            <p:ph type="dt" sz="half" idx="10"/>
+          </p:nvPr>
+        </p:nvSpPr>
+        <p:spPr/>
+        <p:txBody>
+          <a:bodyPr/>
+          <a:lstStyle/>
+          <a:p>
+            <a:fld id="{5C74CF76-B591-49A8-A990-0F7C4E14C2C0}" type="datetimeFigureOut">
+              <a:rPr lang="en-US" smtClean="0"/>
+              <a:t>11/23/2014</a:t>
+            </a:fld>
+            <a:endParaRPr lang="en-US"/>
+          </a:p>
+        </p:txBody>
+      </p:sp>
+      <p:sp>
+        <p:nvSpPr>
+          <p:cNvPr id="6" name="Footer Placeholder 5"/>
+          <p:cNvSpPr>
+            <a:spLocks noGrp="1"/>
+          </p:cNvSpPr>
+          <p:nvPr>
+            <p:ph type="ftr" sz="quarter" idx="11"/>
+          </p:nvPr>
+        </p:nvSpPr>
+        <p:spPr/>
+        <p:txBody>
+          <a:bodyPr/>
+          <a:lstStyle/>
+          <a:p>
+            <a:endParaRPr lang="en-US"/>
+          </a:p>
+        </p:txBody>
+      </p:sp>
+      <p:sp>
+        <p:nvSpPr>
+          <p:cNvPr id="7" name="Slide Number Placeholder 6"/>
+          <p:cNvSpPr>
+            <a:spLocks noGrp="1"/>
+          </p:cNvSpPr>
+          <p:nvPr>
+            <p:ph type="sldNum" sz="quarter" idx="12"/>
+          </p:nvPr>
+        </p:nvSpPr>
+        <p:spPr/>
+        <p:txBody>
+          <a:bodyPr/>
+          <a:lstStyle/>
+          <a:p>
+            <a:fld id="{5D692D5F-41F1-485D-ABD2-5DA8F0BF48F0}" type="slidenum">
+              <a:rPr lang="en-US" smtClean="0"/>
+              <a:t>‹#›</a:t>
+            </a:fld>
+            <a:endParaRPr lang="en-US"/>
+          </a:p>
+        </p:txBody>
+      </p:sp>
+    </p:spTree>
+    <p:extLst>
+      <p:ext uri="{BB962C8B-B14F-4D97-AF65-F5344CB8AC3E}">
+        <p14:creationId xmlns:p14="http://schemas.microsoft.com/office/powerpoint/2010/main" val="3379179983"/>
+      </p:ext>
+    </p:extLst>
+  </p:cSld>
+  <p:clrMapOvr>
+    <a:masterClrMapping/>
+  </p:clrMapOvr>
+</p:sldLayout>
+</file>
+
+<file path=ppt/slideLayouts/slideLayout14.xml><?xml version="1.0" encoding="utf-8"?>
+<p:sldLayout xmlns:a="http://schemas.openxmlformats.org/drawingml/2006/main" xmlns:r="http://schemas.openxmlformats.org/officeDocument/2006/relationships" xmlns:p="http://schemas.openxmlformats.org/presentationml/2006/main" preserve="1">
+  <p:cSld name="3 Column">
+    <p:spTree>
+      <p:nvGrpSpPr>
+        <p:cNvPr id="1" name=""/>
+        <p:cNvGrpSpPr/>
+        <p:nvPr/>
+      </p:nvGrpSpPr>
+      <p:grpSpPr>
+        <a:xfrm>
+          <a:off x="0" y="0"/>
+          <a:ext cx="0" cy="0"/>
+          <a:chOff x="0" y="0"/>
+          <a:chExt cx="0" cy="0"/>
+        </a:xfrm>
+      </p:grpSpPr>
+      <p:pic>
+        <p:nvPicPr>
+          <p:cNvPr id="13" name="Picture 12" descr="Droplets-HD-Content-R1d.png"/>
+          <p:cNvPicPr>
+            <a:picLocks noChangeAspect="1"/>
+          </p:cNvPicPr>
+          <p:nvPr/>
+        </p:nvPicPr>
+        <p:blipFill>
+          <a:blip r:embed="rId2">
+            <a:extLst>
+              <a:ext uri="{28A0092B-C50C-407E-A947-70E740481C1C}">
+                <a14:useLocalDpi xmlns:a14="http://schemas.microsoft.com/office/drawing/2010/main" val="0"/>
+              </a:ext>
+            </a:extLst>
+          </a:blip>
+          <a:stretch>
+            <a:fillRect/>
+          </a:stretch>
+        </p:blipFill>
+        <p:spPr>
+          <a:xfrm>
+            <a:off x="0" y="0"/>
+            <a:ext cx="12192000" cy="6858000"/>
+          </a:xfrm>
+          <a:prstGeom prst="rect">
+            <a:avLst/>
+          </a:prstGeom>
+        </p:spPr>
+      </p:pic>
+      <p:sp>
+        <p:nvSpPr>
+          <p:cNvPr id="15" name="Title 1"/>
+          <p:cNvSpPr>
+            <a:spLocks noGrp="1"/>
+          </p:cNvSpPr>
+          <p:nvPr>
+            <p:ph type="title"/>
+          </p:nvPr>
+        </p:nvSpPr>
+        <p:spPr>
+          <a:xfrm>
+            <a:off x="913774" y="609600"/>
+            <a:ext cx="10364452" cy="1605094"/>
+          </a:xfrm>
+        </p:spPr>
+        <p:txBody>
+          <a:bodyPr/>
+          <a:lstStyle/>
+          <a:p>
+            <a:r>
+              <a:rPr lang="en-US" smtClean="0"/>
+              <a:t>Click to edit Master title style</a:t>
+            </a:r>
+            <a:endParaRPr lang="en-US" dirty="0"/>
+          </a:p>
+        </p:txBody>
+      </p:sp>
+      <p:sp>
+        <p:nvSpPr>
+          <p:cNvPr id="7" name="Text Placeholder 2"/>
+          <p:cNvSpPr>
+            <a:spLocks noGrp="1"/>
+          </p:cNvSpPr>
+          <p:nvPr>
+            <p:ph type="body" idx="1"/>
+          </p:nvPr>
+        </p:nvSpPr>
+        <p:spPr>
+          <a:xfrm>
+            <a:off x="913774" y="2367093"/>
+            <a:ext cx="3298976" cy="576262"/>
+          </a:xfrm>
+        </p:spPr>
+        <p:txBody>
+          <a:bodyPr anchor="b">
+            <a:noAutofit/>
+          </a:bodyPr>
+          <a:lstStyle>
+            <a:lvl1pPr marL="0" indent="0" algn="ctr">
+              <a:lnSpc>
+                <a:spcPct val="85000"/>
+              </a:lnSpc>
+              <a:buNone/>
+              <a:defRPr sz="2400" b="0">
+                <a:solidFill>
+                  <a:schemeClr val="tx1"/>
+                </a:solidFill>
+              </a:defRPr>
+            </a:lvl1pPr>
+            <a:lvl2pPr marL="457200" indent="0">
+              <a:buNone/>
+              <a:defRPr sz="2000" b="1"/>
+            </a:lvl2pPr>
+            <a:lvl3pPr marL="914400" indent="0">
+              <a:buNone/>
+              <a:defRPr sz="1800" b="1"/>
+            </a:lvl3pPr>
+            <a:lvl4pPr marL="1371600" indent="0">
+              <a:buNone/>
+              <a:defRPr sz="1600" b="1"/>
+            </a:lvl4pPr>
+            <a:lvl5pPr marL="1828800" indent="0">
+              <a:buNone/>
+              <a:defRPr sz="1600" b="1"/>
+            </a:lvl5pPr>
+            <a:lvl6pPr marL="2286000" indent="0">
+              <a:buNone/>
+              <a:defRPr sz="1600" b="1"/>
+            </a:lvl6pPr>
+            <a:lvl7pPr marL="2743200" indent="0">
+              <a:buNone/>
+              <a:defRPr sz="1600" b="1"/>
+            </a:lvl7pPr>
+            <a:lvl8pPr marL="3200400" indent="0">
+              <a:buNone/>
+              <a:defRPr sz="1600" b="1"/>
+            </a:lvl8pPr>
+            <a:lvl9pPr marL="3657600" indent="0">
+              <a:buNone/>
+              <a:defRPr sz="1600" b="1"/>
+            </a:lvl9pPr>
+          </a:lstStyle>
+          <a:p>
+            <a:pPr lvl="0"/>
+            <a:r>
+              <a:rPr lang="en-US" smtClean="0"/>
+              <a:t>Click to edit Master text styles</a:t>
+            </a:r>
+          </a:p>
+        </p:txBody>
+      </p:sp>
+      <p:sp>
+        <p:nvSpPr>
+          <p:cNvPr id="8" name="Text Placeholder 3"/>
+          <p:cNvSpPr>
+            <a:spLocks noGrp="1"/>
+          </p:cNvSpPr>
+          <p:nvPr>
+            <p:ph type="body" sz="half" idx="15"/>
+          </p:nvPr>
+        </p:nvSpPr>
+        <p:spPr>
+          <a:xfrm>
+            <a:off x="913774" y="2943355"/>
+            <a:ext cx="3298976" cy="2847845"/>
+          </a:xfrm>
+        </p:spPr>
+        <p:txBody>
+          <a:bodyPr anchor="t">
+            <a:normAutofit/>
+          </a:bodyPr>
+          <a:lstStyle>
+            <a:lvl1pPr marL="0" indent="0" algn="ctr">
+              <a:buNone/>
+              <a:defRPr sz="1400"/>
+            </a:lvl1pPr>
+            <a:lvl2pPr marL="457200" indent="0">
+              <a:buNone/>
+              <a:defRPr sz="1200"/>
+            </a:lvl2pPr>
+            <a:lvl3pPr marL="914400" indent="0">
+              <a:buNone/>
+              <a:defRPr sz="1000"/>
+            </a:lvl3pPr>
+            <a:lvl4pPr marL="1371600" indent="0">
+              <a:buNone/>
+              <a:defRPr sz="900"/>
+            </a:lvl4pPr>
+            <a:lvl5pPr marL="1828800" indent="0">
+              <a:buNone/>
+              <a:defRPr sz="900"/>
+            </a:lvl5pPr>
+            <a:lvl6pPr marL="2286000" indent="0">
+              <a:buNone/>
+              <a:defRPr sz="900"/>
+            </a:lvl6pPr>
+            <a:lvl7pPr marL="2743200" indent="0">
+              <a:buNone/>
+              <a:defRPr sz="900"/>
+            </a:lvl7pPr>
+            <a:lvl8pPr marL="3200400" indent="0">
+              <a:buNone/>
+              <a:defRPr sz="900"/>
+            </a:lvl8pPr>
+            <a:lvl9pPr marL="3657600" indent="0">
+              <a:buNone/>
+              <a:defRPr sz="900"/>
+            </a:lvl9pPr>
+          </a:lstStyle>
+          <a:p>
+            <a:pPr lvl="0"/>
+            <a:r>
+              <a:rPr lang="en-US" smtClean="0"/>
+              <a:t>Click to edit Master text styles</a:t>
+            </a:r>
+          </a:p>
+        </p:txBody>
+      </p:sp>
+      <p:sp>
+        <p:nvSpPr>
+          <p:cNvPr id="9" name="Text Placeholder 4"/>
+          <p:cNvSpPr>
+            <a:spLocks noGrp="1"/>
+          </p:cNvSpPr>
+          <p:nvPr>
+            <p:ph type="body" sz="quarter" idx="3"/>
+          </p:nvPr>
+        </p:nvSpPr>
+        <p:spPr>
+          <a:xfrm>
+            <a:off x="4452389" y="2367093"/>
+            <a:ext cx="3291521" cy="576262"/>
+          </a:xfrm>
+        </p:spPr>
+        <p:txBody>
+          <a:bodyPr anchor="b">
+            <a:noAutofit/>
+          </a:bodyPr>
+          <a:lstStyle>
+            <a:lvl1pPr marL="0" indent="0" algn="ctr">
+              <a:lnSpc>
+                <a:spcPct val="85000"/>
+              </a:lnSpc>
+              <a:buNone/>
+              <a:defRPr sz="2400" b="0">
+                <a:solidFill>
+                  <a:schemeClr val="tx1"/>
+                </a:solidFill>
+              </a:defRPr>
+            </a:lvl1pPr>
+            <a:lvl2pPr marL="457200" indent="0">
+              <a:buNone/>
+              <a:defRPr sz="2000" b="1"/>
+            </a:lvl2pPr>
+            <a:lvl3pPr marL="914400" indent="0">
+              <a:buNone/>
+              <a:defRPr sz="1800" b="1"/>
+            </a:lvl3pPr>
+            <a:lvl4pPr marL="1371600" indent="0">
+              <a:buNone/>
+              <a:defRPr sz="1600" b="1"/>
+            </a:lvl4pPr>
+            <a:lvl5pPr marL="1828800" indent="0">
+              <a:buNone/>
+              <a:defRPr sz="1600" b="1"/>
+            </a:lvl5pPr>
+            <a:lvl6pPr marL="2286000" indent="0">
+              <a:buNone/>
+              <a:defRPr sz="1600" b="1"/>
+            </a:lvl6pPr>
+            <a:lvl7pPr marL="2743200" indent="0">
+              <a:buNone/>
+              <a:defRPr sz="1600" b="1"/>
+            </a:lvl7pPr>
+            <a:lvl8pPr marL="3200400" indent="0">
+              <a:buNone/>
+              <a:defRPr sz="1600" b="1"/>
+            </a:lvl8pPr>
+            <a:lvl9pPr marL="3657600" indent="0">
+              <a:buNone/>
+              <a:defRPr sz="1600" b="1"/>
+            </a:lvl9pPr>
+          </a:lstStyle>
+          <a:p>
+            <a:pPr lvl="0"/>
+            <a:r>
+              <a:rPr lang="en-US" smtClean="0"/>
+              <a:t>Click to edit Master text styles</a:t>
+            </a:r>
+          </a:p>
+        </p:txBody>
+      </p:sp>
+      <p:sp>
+        <p:nvSpPr>
+          <p:cNvPr id="10" name="Text Placeholder 3"/>
+          <p:cNvSpPr>
+            <a:spLocks noGrp="1"/>
+          </p:cNvSpPr>
+          <p:nvPr>
+            <p:ph type="body" sz="half" idx="16"/>
+          </p:nvPr>
+        </p:nvSpPr>
+        <p:spPr>
+          <a:xfrm>
+            <a:off x="4441348" y="2943355"/>
+            <a:ext cx="3303351" cy="2847845"/>
+          </a:xfrm>
+        </p:spPr>
+        <p:txBody>
+          <a:bodyPr anchor="t">
+            <a:normAutofit/>
+          </a:bodyPr>
+          <a:lstStyle>
+            <a:lvl1pPr marL="0" indent="0" algn="ctr">
+              <a:buNone/>
+              <a:defRPr sz="1400"/>
+            </a:lvl1pPr>
+            <a:lvl2pPr marL="457200" indent="0">
+              <a:buNone/>
+              <a:defRPr sz="1200"/>
+            </a:lvl2pPr>
+            <a:lvl3pPr marL="914400" indent="0">
+              <a:buNone/>
+              <a:defRPr sz="1000"/>
+            </a:lvl3pPr>
+            <a:lvl4pPr marL="1371600" indent="0">
+              <a:buNone/>
+              <a:defRPr sz="900"/>
+            </a:lvl4pPr>
+            <a:lvl5pPr marL="1828800" indent="0">
+              <a:buNone/>
+              <a:defRPr sz="900"/>
+            </a:lvl5pPr>
+            <a:lvl6pPr marL="2286000" indent="0">
+              <a:buNone/>
+              <a:defRPr sz="900"/>
+            </a:lvl6pPr>
+            <a:lvl7pPr marL="2743200" indent="0">
+              <a:buNone/>
+              <a:defRPr sz="900"/>
+            </a:lvl7pPr>
+            <a:lvl8pPr marL="3200400" indent="0">
+              <a:buNone/>
+              <a:defRPr sz="900"/>
+            </a:lvl8pPr>
+            <a:lvl9pPr marL="3657600" indent="0">
+              <a:buNone/>
+              <a:defRPr sz="900"/>
+            </a:lvl9pPr>
+          </a:lstStyle>
+          <a:p>
+            <a:pPr lvl="0"/>
+            <a:r>
+              <a:rPr lang="en-US" smtClean="0"/>
+              <a:t>Click to edit Master text styles</a:t>
+            </a:r>
+          </a:p>
+        </p:txBody>
+      </p:sp>
+      <p:sp>
+        <p:nvSpPr>
+          <p:cNvPr id="11" name="Text Placeholder 4"/>
+          <p:cNvSpPr>
+            <a:spLocks noGrp="1"/>
+          </p:cNvSpPr>
+          <p:nvPr>
+            <p:ph type="body" sz="quarter" idx="13"/>
+          </p:nvPr>
+        </p:nvSpPr>
+        <p:spPr>
+          <a:xfrm>
+            <a:off x="7973298" y="2367093"/>
+            <a:ext cx="3304928" cy="576262"/>
+          </a:xfrm>
+        </p:spPr>
+        <p:txBody>
+          <a:bodyPr anchor="b">
+            <a:noAutofit/>
+          </a:bodyPr>
+          <a:lstStyle>
+            <a:lvl1pPr marL="0" indent="0" algn="ctr">
+              <a:lnSpc>
+                <a:spcPct val="85000"/>
+              </a:lnSpc>
+              <a:buNone/>
+              <a:defRPr sz="2400" b="0">
+                <a:solidFill>
+                  <a:schemeClr val="tx1"/>
+                </a:solidFill>
+              </a:defRPr>
+            </a:lvl1pPr>
+            <a:lvl2pPr marL="457200" indent="0">
+              <a:buNone/>
+              <a:defRPr sz="2000" b="1"/>
+            </a:lvl2pPr>
+            <a:lvl3pPr marL="914400" indent="0">
+              <a:buNone/>
+              <a:defRPr sz="1800" b="1"/>
+            </a:lvl3pPr>
+            <a:lvl4pPr marL="1371600" indent="0">
+              <a:buNone/>
+              <a:defRPr sz="1600" b="1"/>
+            </a:lvl4pPr>
+            <a:lvl5pPr marL="1828800" indent="0">
+              <a:buNone/>
+              <a:defRPr sz="1600" b="1"/>
+            </a:lvl5pPr>
+            <a:lvl6pPr marL="2286000" indent="0">
+              <a:buNone/>
+              <a:defRPr sz="1600" b="1"/>
+            </a:lvl6pPr>
+            <a:lvl7pPr marL="2743200" indent="0">
+              <a:buNone/>
+              <a:defRPr sz="1600" b="1"/>
+            </a:lvl7pPr>
+            <a:lvl8pPr marL="3200400" indent="0">
+              <a:buNone/>
+              <a:defRPr sz="1600" b="1"/>
+            </a:lvl8pPr>
+            <a:lvl9pPr marL="3657600" indent="0">
+              <a:buNone/>
+              <a:defRPr sz="1600" b="1"/>
+            </a:lvl9pPr>
+          </a:lstStyle>
+          <a:p>
+            <a:pPr lvl="0"/>
+            <a:r>
+              <a:rPr lang="en-US" smtClean="0"/>
+              <a:t>Click to edit Master text styles</a:t>
+            </a:r>
+          </a:p>
+        </p:txBody>
+      </p:sp>
+      <p:sp>
+        <p:nvSpPr>
+          <p:cNvPr id="12" name="Text Placeholder 3"/>
+          <p:cNvSpPr>
+            <a:spLocks noGrp="1"/>
+          </p:cNvSpPr>
+          <p:nvPr>
+            <p:ph type="body" sz="half" idx="17"/>
+          </p:nvPr>
+        </p:nvSpPr>
+        <p:spPr>
+          <a:xfrm>
+            <a:off x="7973298" y="2943355"/>
+            <a:ext cx="3304928" cy="2847845"/>
+          </a:xfrm>
+        </p:spPr>
+        <p:txBody>
+          <a:bodyPr anchor="t">
+            <a:normAutofit/>
+          </a:bodyPr>
+          <a:lstStyle>
+            <a:lvl1pPr marL="0" indent="0" algn="ctr">
+              <a:buNone/>
+              <a:defRPr sz="1400"/>
+            </a:lvl1pPr>
+            <a:lvl2pPr marL="457200" indent="0">
+              <a:buNone/>
+              <a:defRPr sz="1200"/>
+            </a:lvl2pPr>
+            <a:lvl3pPr marL="914400" indent="0">
+              <a:buNone/>
+              <a:defRPr sz="1000"/>
+            </a:lvl3pPr>
+            <a:lvl4pPr marL="1371600" indent="0">
+              <a:buNone/>
+              <a:defRPr sz="900"/>
+            </a:lvl4pPr>
+            <a:lvl5pPr marL="1828800" indent="0">
+              <a:buNone/>
+              <a:defRPr sz="900"/>
+            </a:lvl5pPr>
+            <a:lvl6pPr marL="2286000" indent="0">
+              <a:buNone/>
+              <a:defRPr sz="900"/>
+            </a:lvl6pPr>
+            <a:lvl7pPr marL="2743200" indent="0">
+              <a:buNone/>
+              <a:defRPr sz="900"/>
+            </a:lvl7pPr>
+            <a:lvl8pPr marL="3200400" indent="0">
+              <a:buNone/>
+              <a:defRPr sz="900"/>
+            </a:lvl8pPr>
+            <a:lvl9pPr marL="3657600" indent="0">
+              <a:buNone/>
+              <a:defRPr sz="900"/>
+            </a:lvl9pPr>
+          </a:lstStyle>
+          <a:p>
+            <a:pPr lvl="0"/>
+            <a:r>
+              <a:rPr lang="en-US" smtClean="0"/>
+              <a:t>Click to edit Master text styles</a:t>
+            </a:r>
+          </a:p>
+        </p:txBody>
+      </p:sp>
+      <p:sp>
+        <p:nvSpPr>
+          <p:cNvPr id="3" name="Date Placeholder 2"/>
+          <p:cNvSpPr>
+            <a:spLocks noGrp="1"/>
+          </p:cNvSpPr>
+          <p:nvPr>
+            <p:ph type="dt" sz="half" idx="10"/>
+          </p:nvPr>
+        </p:nvSpPr>
+        <p:spPr/>
+        <p:txBody>
+          <a:bodyPr/>
+          <a:lstStyle/>
+          <a:p>
+            <a:fld id="{5C74CF76-B591-49A8-A990-0F7C4E14C2C0}" type="datetimeFigureOut">
+              <a:rPr lang="en-US" smtClean="0"/>
+              <a:t>11/23/2014</a:t>
+            </a:fld>
+            <a:endParaRPr lang="en-US"/>
+          </a:p>
+        </p:txBody>
+      </p:sp>
+      <p:sp>
+        <p:nvSpPr>
+          <p:cNvPr id="4" name="Footer Placeholder 3"/>
+          <p:cNvSpPr>
+            <a:spLocks noGrp="1"/>
+          </p:cNvSpPr>
+          <p:nvPr>
+            <p:ph type="ftr" sz="quarter" idx="11"/>
+          </p:nvPr>
+        </p:nvSpPr>
+        <p:spPr/>
+        <p:txBody>
+          <a:bodyPr/>
+          <a:lstStyle/>
+          <a:p>
+            <a:endParaRPr lang="en-US"/>
+          </a:p>
+        </p:txBody>
+      </p:sp>
+      <p:sp>
+        <p:nvSpPr>
+          <p:cNvPr id="5" name="Slide Number Placeholder 4"/>
+          <p:cNvSpPr>
+            <a:spLocks noGrp="1"/>
+          </p:cNvSpPr>
+          <p:nvPr>
+            <p:ph type="sldNum" sz="quarter" idx="12"/>
+          </p:nvPr>
+        </p:nvSpPr>
+        <p:spPr/>
+        <p:txBody>
+          <a:bodyPr/>
+          <a:lstStyle/>
+          <a:p>
+            <a:fld id="{5D692D5F-41F1-485D-ABD2-5DA8F0BF48F0}" type="slidenum">
+              <a:rPr lang="en-US" smtClean="0"/>
+              <a:t>‹#›</a:t>
+            </a:fld>
+            <a:endParaRPr lang="en-US"/>
+          </a:p>
+        </p:txBody>
+      </p:sp>
+    </p:spTree>
+    <p:extLst>
+      <p:ext uri="{BB962C8B-B14F-4D97-AF65-F5344CB8AC3E}">
+        <p14:creationId xmlns:p14="http://schemas.microsoft.com/office/powerpoint/2010/main" val="2639809346"/>
+      </p:ext>
+    </p:extLst>
+  </p:cSld>
+  <p:clrMapOvr>
+    <a:masterClrMapping/>
+  </p:clrMapOvr>
+</p:sldLayout>
+</file>
+
+<file path=ppt/slideLayouts/slideLayout15.xml><?xml version="1.0" encoding="utf-8"?>
+<p:sldLayout xmlns:a="http://schemas.openxmlformats.org/drawingml/2006/main" xmlns:r="http://schemas.openxmlformats.org/officeDocument/2006/relationships" xmlns:p="http://schemas.openxmlformats.org/presentationml/2006/main" preserve="1">
+  <p:cSld name="3 Picture Column">
+    <p:spTree>
+      <p:nvGrpSpPr>
+        <p:cNvPr id="1" name=""/>
+        <p:cNvGrpSpPr/>
+        <p:nvPr/>
+      </p:nvGrpSpPr>
+      <p:grpSpPr>
+        <a:xfrm>
+          <a:off x="0" y="0"/>
+          <a:ext cx="0" cy="0"/>
+          <a:chOff x="0" y="0"/>
+          <a:chExt cx="0" cy="0"/>
+        </a:xfrm>
+      </p:grpSpPr>
+      <p:pic>
+        <p:nvPicPr>
+          <p:cNvPr id="16" name="Picture 15" descr="Droplets-HD-Content-R1d.png"/>
+          <p:cNvPicPr>
+            <a:picLocks noChangeAspect="1"/>
+          </p:cNvPicPr>
+          <p:nvPr/>
+        </p:nvPicPr>
+        <p:blipFill>
+          <a:blip r:embed="rId2">
+            <a:extLst>
+              <a:ext uri="{28A0092B-C50C-407E-A947-70E740481C1C}">
+                <a14:useLocalDpi xmlns:a14="http://schemas.microsoft.com/office/drawing/2010/main" val="0"/>
+              </a:ext>
+            </a:extLst>
+          </a:blip>
+          <a:stretch>
+            <a:fillRect/>
+          </a:stretch>
+        </p:blipFill>
+        <p:spPr>
+          <a:xfrm>
+            <a:off x="0" y="0"/>
+            <a:ext cx="12192000" cy="6858000"/>
+          </a:xfrm>
+          <a:prstGeom prst="rect">
+            <a:avLst/>
+          </a:prstGeom>
+        </p:spPr>
+      </p:pic>
+      <p:sp>
+        <p:nvSpPr>
+          <p:cNvPr id="30" name="Title 1"/>
+          <p:cNvSpPr>
+            <a:spLocks noGrp="1"/>
+          </p:cNvSpPr>
+          <p:nvPr>
+            <p:ph type="title"/>
+          </p:nvPr>
+        </p:nvSpPr>
+        <p:spPr>
+          <a:xfrm>
+            <a:off x="913774" y="610772"/>
+            <a:ext cx="10364452" cy="1603922"/>
+          </a:xfrm>
+        </p:spPr>
+        <p:txBody>
+          <a:bodyPr/>
+          <a:lstStyle/>
+          <a:p>
+            <a:r>
+              <a:rPr lang="en-US" smtClean="0"/>
+              <a:t>Click to edit Master title style</a:t>
+            </a:r>
+            <a:endParaRPr lang="en-US" dirty="0"/>
+          </a:p>
+        </p:txBody>
+      </p:sp>
+      <p:sp>
+        <p:nvSpPr>
+          <p:cNvPr id="19" name="Text Placeholder 2"/>
+          <p:cNvSpPr>
+            <a:spLocks noGrp="1"/>
+          </p:cNvSpPr>
+          <p:nvPr>
+            <p:ph type="body" idx="1"/>
+          </p:nvPr>
+        </p:nvSpPr>
+        <p:spPr>
+          <a:xfrm>
+            <a:off x="913774" y="4204820"/>
+            <a:ext cx="3296409" cy="576262"/>
+          </a:xfrm>
+        </p:spPr>
+        <p:txBody>
+          <a:bodyPr anchor="b">
+            <a:noAutofit/>
+          </a:bodyPr>
+          <a:lstStyle>
+            <a:lvl1pPr marL="0" indent="0" algn="ctr">
+              <a:lnSpc>
+                <a:spcPct val="85000"/>
+              </a:lnSpc>
+              <a:buNone/>
+              <a:defRPr sz="2200" b="0">
+                <a:solidFill>
+                  <a:schemeClr val="tx1"/>
+                </a:solidFill>
+              </a:defRPr>
+            </a:lvl1pPr>
+            <a:lvl2pPr marL="457200" indent="0">
+              <a:buNone/>
+              <a:defRPr sz="2000" b="1"/>
+            </a:lvl2pPr>
+            <a:lvl3pPr marL="914400" indent="0">
+              <a:buNone/>
+              <a:defRPr sz="1800" b="1"/>
+            </a:lvl3pPr>
+            <a:lvl4pPr marL="1371600" indent="0">
+              <a:buNone/>
+              <a:defRPr sz="1600" b="1"/>
+            </a:lvl4pPr>
+            <a:lvl5pPr marL="1828800" indent="0">
+              <a:buNone/>
+              <a:defRPr sz="1600" b="1"/>
+            </a:lvl5pPr>
+            <a:lvl6pPr marL="2286000" indent="0">
+              <a:buNone/>
+              <a:defRPr sz="1600" b="1"/>
+            </a:lvl6pPr>
+            <a:lvl7pPr marL="2743200" indent="0">
+              <a:buNone/>
+              <a:defRPr sz="1600" b="1"/>
+            </a:lvl7pPr>
+            <a:lvl8pPr marL="3200400" indent="0">
+              <a:buNone/>
+              <a:defRPr sz="1600" b="1"/>
+            </a:lvl8pPr>
+            <a:lvl9pPr marL="3657600" indent="0">
+              <a:buNone/>
+              <a:defRPr sz="1600" b="1"/>
+            </a:lvl9pPr>
+          </a:lstStyle>
+          <a:p>
+            <a:pPr lvl="0"/>
+            <a:r>
+              <a:rPr lang="en-US" smtClean="0"/>
+              <a:t>Click to edit Master text styles</a:t>
+            </a:r>
+          </a:p>
+        </p:txBody>
+      </p:sp>
+      <p:sp>
+        <p:nvSpPr>
+          <p:cNvPr id="20" name="Picture Placeholder 2"/>
+          <p:cNvSpPr>
+            <a:spLocks noGrp="1" noChangeAspect="1"/>
+          </p:cNvSpPr>
+          <p:nvPr>
+            <p:ph type="pic" idx="15"/>
+          </p:nvPr>
+        </p:nvSpPr>
+        <p:spPr>
+          <a:xfrm>
+            <a:off x="913774" y="2367093"/>
+            <a:ext cx="3296409" cy="1524000"/>
+          </a:xfrm>
+          <a:prstGeom prst="roundRect">
+            <a:avLst>
+              <a:gd name="adj" fmla="val 9363"/>
+            </a:avLst>
+          </a:prstGeom>
+          <a:noFill/>
+          <a:ln w="82550" cap="sq">
+            <a:solidFill>
+              <a:srgbClr val="EAEAEA"/>
+            </a:solidFill>
+            <a:miter lim="800000"/>
+          </a:ln>
+          <a:effectLst/>
+          <a:scene3d>
+            <a:camera prst="orthographicFront"/>
+            <a:lightRig rig="threePt" dir="t">
+              <a:rot lat="0" lon="0" rev="2700000"/>
+            </a:lightRig>
+          </a:scene3d>
+          <a:sp3d contourW="6350">
+            <a:bevelT h="38100"/>
+            <a:contourClr>
+              <a:srgbClr val="C0C0C0"/>
+            </a:contourClr>
+          </a:sp3d>
+        </p:spPr>
+        <p:txBody>
+          <a:bodyPr anchor="t">
+            <a:normAutofit/>
+          </a:bodyPr>
+          <a:lstStyle>
+            <a:lvl1pPr marL="0" indent="0" algn="ctr">
+              <a:buNone/>
+              <a:defRPr sz="1600"/>
+            </a:lvl1pPr>
+            <a:lvl2pPr marL="457200" indent="0">
+              <a:buNone/>
+              <a:defRPr sz="1600"/>
+            </a:lvl2pPr>
+            <a:lvl3pPr marL="914400" indent="0">
+              <a:buNone/>
+              <a:defRPr sz="1600"/>
+            </a:lvl3pPr>
+            <a:lvl4pPr marL="1371600" indent="0">
+              <a:buNone/>
+              <a:defRPr sz="1600"/>
+            </a:lvl4pPr>
+            <a:lvl5pPr marL="1828800" indent="0">
+              <a:buNone/>
+              <a:defRPr sz="1600"/>
+            </a:lvl5pPr>
+            <a:lvl6pPr marL="2286000" indent="0">
+              <a:buNone/>
+              <a:defRPr sz="1600"/>
+            </a:lvl6pPr>
+            <a:lvl7pPr marL="2743200" indent="0">
+              <a:buNone/>
+              <a:defRPr sz="1600"/>
+            </a:lvl7pPr>
+            <a:lvl8pPr marL="3200400" indent="0">
+              <a:buNone/>
+              <a:defRPr sz="1600"/>
+            </a:lvl8pPr>
+            <a:lvl9pPr marL="3657600" indent="0">
+              <a:buNone/>
+              <a:defRPr sz="1600"/>
+            </a:lvl9pPr>
+          </a:lstStyle>
+          <a:p>
+            <a:r>
+              <a:rPr lang="en-US" smtClean="0"/>
+              <a:t>Click icon to add picture</a:t>
+            </a:r>
+            <a:endParaRPr lang="en-US" dirty="0"/>
+          </a:p>
+        </p:txBody>
+      </p:sp>
+      <p:sp>
+        <p:nvSpPr>
+          <p:cNvPr id="21" name="Text Placeholder 3"/>
+          <p:cNvSpPr>
+            <a:spLocks noGrp="1"/>
+          </p:cNvSpPr>
+          <p:nvPr>
+            <p:ph type="body" sz="half" idx="18"/>
+          </p:nvPr>
+        </p:nvSpPr>
+        <p:spPr>
+          <a:xfrm>
+            <a:off x="913774" y="4781082"/>
+            <a:ext cx="3296409" cy="1010118"/>
+          </a:xfrm>
+        </p:spPr>
+        <p:txBody>
+          <a:bodyPr anchor="t">
+            <a:normAutofit/>
+          </a:bodyPr>
+          <a:lstStyle>
+            <a:lvl1pPr marL="0" indent="0" algn="ctr">
+              <a:buNone/>
+              <a:defRPr sz="1400"/>
+            </a:lvl1pPr>
+            <a:lvl2pPr marL="457200" indent="0">
+              <a:buNone/>
+              <a:defRPr sz="1200"/>
+            </a:lvl2pPr>
+            <a:lvl3pPr marL="914400" indent="0">
+              <a:buNone/>
+              <a:defRPr sz="1000"/>
+            </a:lvl3pPr>
+            <a:lvl4pPr marL="1371600" indent="0">
+              <a:buNone/>
+              <a:defRPr sz="900"/>
+            </a:lvl4pPr>
+            <a:lvl5pPr marL="1828800" indent="0">
+              <a:buNone/>
+              <a:defRPr sz="900"/>
+            </a:lvl5pPr>
+            <a:lvl6pPr marL="2286000" indent="0">
+              <a:buNone/>
+              <a:defRPr sz="900"/>
+            </a:lvl6pPr>
+            <a:lvl7pPr marL="2743200" indent="0">
+              <a:buNone/>
+              <a:defRPr sz="900"/>
+            </a:lvl7pPr>
+            <a:lvl8pPr marL="3200400" indent="0">
+              <a:buNone/>
+              <a:defRPr sz="900"/>
+            </a:lvl8pPr>
+            <a:lvl9pPr marL="3657600" indent="0">
+              <a:buNone/>
+              <a:defRPr sz="900"/>
+            </a:lvl9pPr>
+          </a:lstStyle>
+          <a:p>
+            <a:pPr lvl="0"/>
+            <a:r>
+              <a:rPr lang="en-US" smtClean="0"/>
+              <a:t>Click to edit Master text styles</a:t>
+            </a:r>
+          </a:p>
+        </p:txBody>
+      </p:sp>
+      <p:sp>
+        <p:nvSpPr>
+          <p:cNvPr id="22" name="Text Placeholder 4"/>
+          <p:cNvSpPr>
+            <a:spLocks noGrp="1"/>
+          </p:cNvSpPr>
+          <p:nvPr>
+            <p:ph type="body" sz="quarter" idx="3"/>
+          </p:nvPr>
+        </p:nvSpPr>
+        <p:spPr>
+          <a:xfrm>
+            <a:off x="4442759" y="4204820"/>
+            <a:ext cx="3301828" cy="576262"/>
+          </a:xfrm>
+        </p:spPr>
+        <p:txBody>
+          <a:bodyPr anchor="b">
+            <a:noAutofit/>
+          </a:bodyPr>
+          <a:lstStyle>
+            <a:lvl1pPr marL="0" indent="0" algn="ctr">
+              <a:lnSpc>
+                <a:spcPct val="85000"/>
+              </a:lnSpc>
+              <a:buNone/>
+              <a:defRPr sz="2200" b="0">
+                <a:solidFill>
+                  <a:schemeClr val="tx1"/>
+                </a:solidFill>
+              </a:defRPr>
+            </a:lvl1pPr>
+            <a:lvl2pPr marL="457200" indent="0">
+              <a:buNone/>
+              <a:defRPr sz="2000" b="1"/>
+            </a:lvl2pPr>
+            <a:lvl3pPr marL="914400" indent="0">
+              <a:buNone/>
+              <a:defRPr sz="1800" b="1"/>
+            </a:lvl3pPr>
+            <a:lvl4pPr marL="1371600" indent="0">
+              <a:buNone/>
+              <a:defRPr sz="1600" b="1"/>
+            </a:lvl4pPr>
+            <a:lvl5pPr marL="1828800" indent="0">
+              <a:buNone/>
+              <a:defRPr sz="1600" b="1"/>
+            </a:lvl5pPr>
+            <a:lvl6pPr marL="2286000" indent="0">
+              <a:buNone/>
+              <a:defRPr sz="1600" b="1"/>
+            </a:lvl6pPr>
+            <a:lvl7pPr marL="2743200" indent="0">
+              <a:buNone/>
+              <a:defRPr sz="1600" b="1"/>
+            </a:lvl7pPr>
+            <a:lvl8pPr marL="3200400" indent="0">
+              <a:buNone/>
+              <a:defRPr sz="1600" b="1"/>
+            </a:lvl8pPr>
+            <a:lvl9pPr marL="3657600" indent="0">
+              <a:buNone/>
+              <a:defRPr sz="1600" b="1"/>
+            </a:lvl9pPr>
+          </a:lstStyle>
+          <a:p>
+            <a:pPr lvl="0"/>
+            <a:r>
+              <a:rPr lang="en-US" smtClean="0"/>
+              <a:t>Click to edit Master text styles</a:t>
+            </a:r>
+          </a:p>
+        </p:txBody>
+      </p:sp>
+      <p:sp>
+        <p:nvSpPr>
+          <p:cNvPr id="23" name="Picture Placeholder 2"/>
+          <p:cNvSpPr>
+            <a:spLocks noGrp="1" noChangeAspect="1"/>
+          </p:cNvSpPr>
+          <p:nvPr>
+            <p:ph type="pic" idx="21"/>
+          </p:nvPr>
+        </p:nvSpPr>
+        <p:spPr>
+          <a:xfrm>
+            <a:off x="4441348" y="2367093"/>
+            <a:ext cx="3303352" cy="1524000"/>
+          </a:xfrm>
+          <a:prstGeom prst="roundRect">
+            <a:avLst>
+              <a:gd name="adj" fmla="val 8841"/>
+            </a:avLst>
+          </a:prstGeom>
+          <a:noFill/>
+          <a:ln w="82550" cap="sq">
+            <a:solidFill>
+              <a:srgbClr val="EAEAEA"/>
+            </a:solidFill>
+            <a:miter lim="800000"/>
+          </a:ln>
+          <a:effectLst/>
+          <a:scene3d>
+            <a:camera prst="orthographicFront"/>
+            <a:lightRig rig="threePt" dir="t">
+              <a:rot lat="0" lon="0" rev="2700000"/>
+            </a:lightRig>
+          </a:scene3d>
+          <a:sp3d contourW="6350">
+            <a:bevelT h="38100"/>
+            <a:contourClr>
+              <a:srgbClr val="C0C0C0"/>
+            </a:contourClr>
+          </a:sp3d>
+        </p:spPr>
+        <p:txBody>
+          <a:bodyPr anchor="t">
+            <a:normAutofit/>
+          </a:bodyPr>
+          <a:lstStyle>
+            <a:lvl1pPr marL="0" indent="0" algn="ctr">
+              <a:buNone/>
+              <a:defRPr sz="1600"/>
+            </a:lvl1pPr>
+            <a:lvl2pPr marL="457200" indent="0">
+              <a:buNone/>
+              <a:defRPr sz="1600"/>
+            </a:lvl2pPr>
+            <a:lvl3pPr marL="914400" indent="0">
+              <a:buNone/>
+              <a:defRPr sz="1600"/>
+            </a:lvl3pPr>
+            <a:lvl4pPr marL="1371600" indent="0">
+              <a:buNone/>
+              <a:defRPr sz="1600"/>
+            </a:lvl4pPr>
+            <a:lvl5pPr marL="1828800" indent="0">
+              <a:buNone/>
+              <a:defRPr sz="1600"/>
+            </a:lvl5pPr>
+            <a:lvl6pPr marL="2286000" indent="0">
+              <a:buNone/>
+              <a:defRPr sz="1600"/>
+            </a:lvl6pPr>
+            <a:lvl7pPr marL="2743200" indent="0">
+              <a:buNone/>
+              <a:defRPr sz="1600"/>
+            </a:lvl7pPr>
+            <a:lvl8pPr marL="3200400" indent="0">
+              <a:buNone/>
+              <a:defRPr sz="1600"/>
+            </a:lvl8pPr>
+            <a:lvl9pPr marL="3657600" indent="0">
+              <a:buNone/>
+              <a:defRPr sz="1600"/>
+            </a:lvl9pPr>
+          </a:lstStyle>
+          <a:p>
+            <a:r>
+              <a:rPr lang="en-US" smtClean="0"/>
+              <a:t>Click icon to add picture</a:t>
+            </a:r>
+            <a:endParaRPr lang="en-US" dirty="0"/>
+          </a:p>
+        </p:txBody>
+      </p:sp>
+      <p:sp>
+        <p:nvSpPr>
+          <p:cNvPr id="24" name="Text Placeholder 3"/>
+          <p:cNvSpPr>
+            <a:spLocks noGrp="1"/>
+          </p:cNvSpPr>
+          <p:nvPr>
+            <p:ph type="body" sz="half" idx="19"/>
+          </p:nvPr>
+        </p:nvSpPr>
+        <p:spPr>
+          <a:xfrm>
+            <a:off x="4441348" y="4781080"/>
+            <a:ext cx="3303352" cy="1010119"/>
+          </a:xfrm>
+        </p:spPr>
+        <p:txBody>
+          <a:bodyPr anchor="t">
+            <a:normAutofit/>
+          </a:bodyPr>
+          <a:lstStyle>
+            <a:lvl1pPr marL="0" indent="0" algn="ctr">
+              <a:buNone/>
+              <a:defRPr sz="1400"/>
+            </a:lvl1pPr>
+            <a:lvl2pPr marL="457200" indent="0">
+              <a:buNone/>
+              <a:defRPr sz="1200"/>
+            </a:lvl2pPr>
+            <a:lvl3pPr marL="914400" indent="0">
+              <a:buNone/>
+              <a:defRPr sz="1000"/>
+            </a:lvl3pPr>
+            <a:lvl4pPr marL="1371600" indent="0">
+              <a:buNone/>
+              <a:defRPr sz="900"/>
+            </a:lvl4pPr>
+            <a:lvl5pPr marL="1828800" indent="0">
+              <a:buNone/>
+              <a:defRPr sz="900"/>
+            </a:lvl5pPr>
+            <a:lvl6pPr marL="2286000" indent="0">
+              <a:buNone/>
+              <a:defRPr sz="900"/>
+            </a:lvl6pPr>
+            <a:lvl7pPr marL="2743200" indent="0">
+              <a:buNone/>
+              <a:defRPr sz="900"/>
+            </a:lvl7pPr>
+            <a:lvl8pPr marL="3200400" indent="0">
+              <a:buNone/>
+              <a:defRPr sz="900"/>
+            </a:lvl8pPr>
+            <a:lvl9pPr marL="3657600" indent="0">
+              <a:buNone/>
+              <a:defRPr sz="900"/>
+            </a:lvl9pPr>
+          </a:lstStyle>
+          <a:p>
+            <a:pPr lvl="0"/>
+            <a:r>
+              <a:rPr lang="en-US" smtClean="0"/>
+              <a:t>Click to edit Master text styles</a:t>
+            </a:r>
+          </a:p>
+        </p:txBody>
+      </p:sp>
+      <p:sp>
+        <p:nvSpPr>
+          <p:cNvPr id="25" name="Text Placeholder 4"/>
+          <p:cNvSpPr>
+            <a:spLocks noGrp="1"/>
+          </p:cNvSpPr>
+          <p:nvPr>
+            <p:ph type="body" sz="quarter" idx="13"/>
+          </p:nvPr>
+        </p:nvSpPr>
+        <p:spPr>
+          <a:xfrm>
+            <a:off x="7973298" y="4204820"/>
+            <a:ext cx="3300681" cy="576262"/>
+          </a:xfrm>
+        </p:spPr>
+        <p:txBody>
+          <a:bodyPr anchor="b">
+            <a:noAutofit/>
+          </a:bodyPr>
+          <a:lstStyle>
+            <a:lvl1pPr marL="0" indent="0" algn="ctr">
+              <a:lnSpc>
+                <a:spcPct val="85000"/>
+              </a:lnSpc>
+              <a:buNone/>
+              <a:defRPr sz="2200" b="0">
+                <a:solidFill>
+                  <a:schemeClr val="tx1"/>
+                </a:solidFill>
+              </a:defRPr>
+            </a:lvl1pPr>
+            <a:lvl2pPr marL="457200" indent="0">
+              <a:buNone/>
+              <a:defRPr sz="2000" b="1"/>
+            </a:lvl2pPr>
+            <a:lvl3pPr marL="914400" indent="0">
+              <a:buNone/>
+              <a:defRPr sz="1800" b="1"/>
+            </a:lvl3pPr>
+            <a:lvl4pPr marL="1371600" indent="0">
+              <a:buNone/>
+              <a:defRPr sz="1600" b="1"/>
+            </a:lvl4pPr>
+            <a:lvl5pPr marL="1828800" indent="0">
+              <a:buNone/>
+              <a:defRPr sz="1600" b="1"/>
+            </a:lvl5pPr>
+            <a:lvl6pPr marL="2286000" indent="0">
+              <a:buNone/>
+              <a:defRPr sz="1600" b="1"/>
+            </a:lvl6pPr>
+            <a:lvl7pPr marL="2743200" indent="0">
+              <a:buNone/>
+              <a:defRPr sz="1600" b="1"/>
+            </a:lvl7pPr>
+            <a:lvl8pPr marL="3200400" indent="0">
+              <a:buNone/>
+              <a:defRPr sz="1600" b="1"/>
+            </a:lvl8pPr>
+            <a:lvl9pPr marL="3657600" indent="0">
+              <a:buNone/>
+              <a:defRPr sz="1600" b="1"/>
+            </a:lvl9pPr>
+          </a:lstStyle>
+          <a:p>
+            <a:pPr lvl="0"/>
+            <a:r>
+              <a:rPr lang="en-US" smtClean="0"/>
+              <a:t>Click to edit Master text styles</a:t>
+            </a:r>
+          </a:p>
+        </p:txBody>
+      </p:sp>
+      <p:sp>
+        <p:nvSpPr>
+          <p:cNvPr id="26" name="Picture Placeholder 2"/>
+          <p:cNvSpPr>
+            <a:spLocks noGrp="1" noChangeAspect="1"/>
+          </p:cNvSpPr>
+          <p:nvPr>
+            <p:ph type="pic" idx="22"/>
+          </p:nvPr>
+        </p:nvSpPr>
+        <p:spPr>
+          <a:xfrm>
+            <a:off x="7973298" y="2367093"/>
+            <a:ext cx="3304928" cy="1524000"/>
+          </a:xfrm>
+          <a:prstGeom prst="roundRect">
+            <a:avLst>
+              <a:gd name="adj" fmla="val 8841"/>
+            </a:avLst>
+          </a:prstGeom>
+          <a:noFill/>
+          <a:ln w="82550" cap="sq">
+            <a:solidFill>
+              <a:srgbClr val="EAEAEA"/>
+            </a:solidFill>
+            <a:miter lim="800000"/>
+          </a:ln>
+          <a:effectLst/>
+          <a:scene3d>
+            <a:camera prst="orthographicFront"/>
+            <a:lightRig rig="threePt" dir="t">
+              <a:rot lat="0" lon="0" rev="2700000"/>
+            </a:lightRig>
+          </a:scene3d>
+          <a:sp3d contourW="6350">
+            <a:bevelT h="38100"/>
+            <a:contourClr>
+              <a:srgbClr val="C0C0C0"/>
+            </a:contourClr>
+          </a:sp3d>
+        </p:spPr>
+        <p:txBody>
+          <a:bodyPr anchor="t">
+            <a:normAutofit/>
+          </a:bodyPr>
+          <a:lstStyle>
+            <a:lvl1pPr marL="0" indent="0" algn="ctr">
+              <a:buNone/>
+              <a:defRPr sz="1600"/>
+            </a:lvl1pPr>
+            <a:lvl2pPr marL="457200" indent="0">
+              <a:buNone/>
+              <a:defRPr sz="1600"/>
+            </a:lvl2pPr>
+            <a:lvl3pPr marL="914400" indent="0">
+              <a:buNone/>
+              <a:defRPr sz="1600"/>
+            </a:lvl3pPr>
+            <a:lvl4pPr marL="1371600" indent="0">
+              <a:buNone/>
+              <a:defRPr sz="1600"/>
+            </a:lvl4pPr>
+            <a:lvl5pPr marL="1828800" indent="0">
+              <a:buNone/>
+              <a:defRPr sz="1600"/>
+            </a:lvl5pPr>
+            <a:lvl6pPr marL="2286000" indent="0">
+              <a:buNone/>
+              <a:defRPr sz="1600"/>
+            </a:lvl6pPr>
+            <a:lvl7pPr marL="2743200" indent="0">
+              <a:buNone/>
+              <a:defRPr sz="1600"/>
+            </a:lvl7pPr>
+            <a:lvl8pPr marL="3200400" indent="0">
+              <a:buNone/>
+              <a:defRPr sz="1600"/>
+            </a:lvl8pPr>
+            <a:lvl9pPr marL="3657600" indent="0">
+              <a:buNone/>
+              <a:defRPr sz="1600"/>
+            </a:lvl9pPr>
+          </a:lstStyle>
+          <a:p>
+            <a:r>
+              <a:rPr lang="en-US" smtClean="0"/>
+              <a:t>Click icon to add picture</a:t>
+            </a:r>
+            <a:endParaRPr lang="en-US" dirty="0"/>
+          </a:p>
+        </p:txBody>
+      </p:sp>
+      <p:sp>
+        <p:nvSpPr>
+          <p:cNvPr id="27" name="Text Placeholder 3"/>
+          <p:cNvSpPr>
+            <a:spLocks noGrp="1"/>
+          </p:cNvSpPr>
+          <p:nvPr>
+            <p:ph type="body" sz="half" idx="20"/>
+          </p:nvPr>
+        </p:nvSpPr>
+        <p:spPr>
+          <a:xfrm>
+            <a:off x="7973173" y="4781078"/>
+            <a:ext cx="3305053" cy="1010121"/>
+          </a:xfrm>
+        </p:spPr>
+        <p:txBody>
+          <a:bodyPr anchor="t">
+            <a:normAutofit/>
+          </a:bodyPr>
+          <a:lstStyle>
+            <a:lvl1pPr marL="0" indent="0" algn="ctr">
+              <a:buNone/>
+              <a:defRPr sz="1400"/>
+            </a:lvl1pPr>
+            <a:lvl2pPr marL="457200" indent="0">
+              <a:buNone/>
+              <a:defRPr sz="1200"/>
+            </a:lvl2pPr>
+            <a:lvl3pPr marL="914400" indent="0">
+              <a:buNone/>
+              <a:defRPr sz="1000"/>
+            </a:lvl3pPr>
+            <a:lvl4pPr marL="1371600" indent="0">
+              <a:buNone/>
+              <a:defRPr sz="900"/>
+            </a:lvl4pPr>
+            <a:lvl5pPr marL="1828800" indent="0">
+              <a:buNone/>
+              <a:defRPr sz="900"/>
+            </a:lvl5pPr>
+            <a:lvl6pPr marL="2286000" indent="0">
+              <a:buNone/>
+              <a:defRPr sz="900"/>
+            </a:lvl6pPr>
+            <a:lvl7pPr marL="2743200" indent="0">
+              <a:buNone/>
+              <a:defRPr sz="900"/>
+            </a:lvl7pPr>
+            <a:lvl8pPr marL="3200400" indent="0">
+              <a:buNone/>
+              <a:defRPr sz="900"/>
+            </a:lvl8pPr>
+            <a:lvl9pPr marL="3657600" indent="0">
+              <a:buNone/>
+              <a:defRPr sz="900"/>
+            </a:lvl9pPr>
+          </a:lstStyle>
+          <a:p>
+            <a:pPr lvl="0"/>
+            <a:r>
+              <a:rPr lang="en-US" smtClean="0"/>
+              <a:t>Click to edit Master text styles</a:t>
+            </a:r>
+          </a:p>
+        </p:txBody>
+      </p:sp>
+      <p:sp>
+        <p:nvSpPr>
+          <p:cNvPr id="3" name="Date Placeholder 2"/>
+          <p:cNvSpPr>
+            <a:spLocks noGrp="1"/>
+          </p:cNvSpPr>
+          <p:nvPr>
+            <p:ph type="dt" sz="half" idx="10"/>
+          </p:nvPr>
+        </p:nvSpPr>
+        <p:spPr/>
+        <p:txBody>
+          <a:bodyPr/>
+          <a:lstStyle/>
+          <a:p>
+            <a:fld id="{5C74CF76-B591-49A8-A990-0F7C4E14C2C0}" type="datetimeFigureOut">
+              <a:rPr lang="en-US" smtClean="0"/>
+              <a:t>11/23/2014</a:t>
+            </a:fld>
+            <a:endParaRPr lang="en-US"/>
+          </a:p>
+        </p:txBody>
+      </p:sp>
+      <p:sp>
+        <p:nvSpPr>
+          <p:cNvPr id="4" name="Footer Placeholder 3"/>
+          <p:cNvSpPr>
+            <a:spLocks noGrp="1"/>
+          </p:cNvSpPr>
+          <p:nvPr>
+            <p:ph type="ftr" sz="quarter" idx="11"/>
+          </p:nvPr>
+        </p:nvSpPr>
+        <p:spPr/>
+        <p:txBody>
+          <a:bodyPr/>
+          <a:lstStyle/>
+          <a:p>
+            <a:endParaRPr lang="en-US"/>
+          </a:p>
+        </p:txBody>
+      </p:sp>
+      <p:sp>
+        <p:nvSpPr>
+          <p:cNvPr id="5" name="Slide Number Placeholder 4"/>
+          <p:cNvSpPr>
+            <a:spLocks noGrp="1"/>
+          </p:cNvSpPr>
+          <p:nvPr>
+            <p:ph type="sldNum" sz="quarter" idx="12"/>
+          </p:nvPr>
+        </p:nvSpPr>
+        <p:spPr/>
+        <p:txBody>
+          <a:bodyPr/>
+          <a:lstStyle/>
+          <a:p>
+            <a:fld id="{5D692D5F-41F1-485D-ABD2-5DA8F0BF48F0}" type="slidenum">
+              <a:rPr lang="en-US" smtClean="0"/>
+              <a:t>‹#›</a:t>
+            </a:fld>
+            <a:endParaRPr lang="en-US"/>
+          </a:p>
+        </p:txBody>
+      </p:sp>
+    </p:spTree>
+    <p:extLst>
+      <p:ext uri="{BB962C8B-B14F-4D97-AF65-F5344CB8AC3E}">
+        <p14:creationId xmlns:p14="http://schemas.microsoft.com/office/powerpoint/2010/main" val="1257515965"/>
+      </p:ext>
+    </p:extLst>
+  </p:cSld>
+  <p:clrMapOvr>
+    <a:masterClrMapping/>
+  </p:clrMapOvr>
+</p:sldLayout>
+</file>
+
+<file path=ppt/slideLayouts/slideLayout16.xml><?xml version="1.0" encoding="utf-8"?>
 <p:sldLayout xmlns:a="http://schemas.openxmlformats.org/drawingml/2006/main" xmlns:r="http://schemas.openxmlformats.org/officeDocument/2006/relationships" xmlns:p="http://schemas.openxmlformats.org/presentationml/2006/main" type="vertTx" preserve="1">
   <p:cSld name="Title and Vertical Text">
     <p:spTree>
@@ -316,6 +3068,36 @@
           <a:chExt cx="0" cy="0"/>
         </a:xfrm>
       </p:grpSpPr>
+      <p:pic>
+        <p:nvPicPr>
+          <p:cNvPr id="8" name="Picture 7" descr="Droplets-HD-Content-R1d.png"/>
+          <p:cNvPicPr>
+            <a:picLocks noChangeAspect="1"/>
+          </p:cNvPicPr>
+          <p:nvPr/>
+        </p:nvPicPr>
+        <p:blipFill>
+          <a:blip r:embed="rId2">
+            <a:extLst>
+              <a:ext uri="{28A0092B-C50C-407E-A947-70E740481C1C}">
+                <a14:useLocalDpi xmlns:a14="http://schemas.microsoft.com/office/drawing/2010/main" val="0"/>
+              </a:ext>
+            </a:extLst>
+          </a:blip>
+          <a:stretch>
+            <a:fillRect/>
+          </a:stretch>
+        </p:blipFill>
+        <p:spPr>
+          <a:xfrm>
+            <a:off x="0" y="0"/>
+            <a:ext cx="12192000" cy="6858000"/>
+          </a:xfrm>
+          <a:prstGeom prst="rect">
+            <a:avLst/>
+          </a:prstGeom>
+        </p:spPr>
+      </p:pic>
       <p:sp>
         <p:nvSpPr>
           <p:cNvPr id="2" name="Title 1"/>
@@ -335,80 +3117,85 @@
               <a:rPr lang="en-US" smtClean="0"/>
               <a:t>Click to edit Master title style</a:t>
             </a:r>
-            <a:endParaRPr lang="en-US"/>
-          </a:p>
-        </p:txBody>
-      </p:sp>
-      <p:sp>
-        <p:nvSpPr>
-          <p:cNvPr id="3" name="Vertical Text Placeholder 2"/>
-          <p:cNvSpPr>
-            <a:spLocks noGrp="1"/>
-          </p:cNvSpPr>
-          <p:nvPr>
-            <p:ph type="body" orient="vert" idx="1"/>
+            <a:endParaRPr lang="en-US" dirty="0"/>
+          </a:p>
+        </p:txBody>
+      </p:sp>
+      <p:sp>
+        <p:nvSpPr>
+          <p:cNvPr id="11" name="Vertical Text Placeholder 2"/>
+          <p:cNvSpPr>
+            <a:spLocks noGrp="1"/>
+          </p:cNvSpPr>
+          <p:nvPr>
+            <p:ph type="body" orient="vert" sz="quarter" idx="13"/>
+          </p:nvPr>
+        </p:nvSpPr>
+        <p:spPr>
+          <a:xfrm>
+            <a:off x="913775" y="2367093"/>
+            <a:ext cx="10364452" cy="3424107"/>
+          </a:xfrm>
+        </p:spPr>
+        <p:txBody>
+          <a:bodyPr vert="eaVert"/>
+          <a:lstStyle/>
+          <a:p>
+            <a:pPr lvl="0"/>
+            <a:r>
+              <a:rPr lang="en-US" smtClean="0"/>
+              <a:t>Click to edit Master text styles</a:t>
+            </a:r>
+          </a:p>
+          <a:p>
+            <a:pPr lvl="1"/>
+            <a:r>
+              <a:rPr lang="en-US" smtClean="0"/>
+              <a:t>Second level</a:t>
+            </a:r>
+          </a:p>
+          <a:p>
+            <a:pPr lvl="2"/>
+            <a:r>
+              <a:rPr lang="en-US" smtClean="0"/>
+              <a:t>Third level</a:t>
+            </a:r>
+          </a:p>
+          <a:p>
+            <a:pPr lvl="3"/>
+            <a:r>
+              <a:rPr lang="en-US" smtClean="0"/>
+              <a:t>Fourth level</a:t>
+            </a:r>
+          </a:p>
+          <a:p>
+            <a:pPr lvl="4"/>
+            <a:r>
+              <a:rPr lang="en-US" smtClean="0"/>
+              <a:t>Fifth level</a:t>
+            </a:r>
+            <a:endParaRPr lang="en-US" dirty="0"/>
+          </a:p>
+        </p:txBody>
+      </p:sp>
+      <p:sp>
+        <p:nvSpPr>
+          <p:cNvPr id="4" name="Date Placeholder 3"/>
+          <p:cNvSpPr>
+            <a:spLocks noGrp="1"/>
+          </p:cNvSpPr>
+          <p:nvPr>
+            <p:ph type="dt" sz="half" idx="10"/>
           </p:nvPr>
         </p:nvSpPr>
         <p:spPr/>
         <p:txBody>
-          <a:bodyPr vert="eaVert"/>
-          <a:lstStyle/>
-          <a:p>
-            <a:pPr lvl="0"/>
-            <a:r>
-              <a:rPr lang="en-US" smtClean="0"/>
-              <a:t>Click to edit Master text styles</a:t>
-            </a:r>
-          </a:p>
-          <a:p>
-            <a:pPr lvl="1"/>
-            <a:r>
-              <a:rPr lang="en-US" smtClean="0"/>
-              <a:t>Second level</a:t>
-            </a:r>
-          </a:p>
-          <a:p>
-            <a:pPr lvl="2"/>
-            <a:r>
-              <a:rPr lang="en-US" smtClean="0"/>
-              <a:t>Third level</a:t>
-            </a:r>
-          </a:p>
-          <a:p>
-            <a:pPr lvl="3"/>
-            <a:r>
-              <a:rPr lang="en-US" smtClean="0"/>
-              <a:t>Fourth level</a:t>
-            </a:r>
-          </a:p>
-          <a:p>
-            <a:pPr lvl="4"/>
-            <a:r>
-              <a:rPr lang="en-US" smtClean="0"/>
-              <a:t>Fifth level</a:t>
-            </a:r>
-            <a:endParaRPr lang="en-US"/>
-          </a:p>
-        </p:txBody>
-      </p:sp>
-      <p:sp>
-        <p:nvSpPr>
-          <p:cNvPr id="4" name="Date Placeholder 3"/>
-          <p:cNvSpPr>
-            <a:spLocks noGrp="1"/>
-          </p:cNvSpPr>
-          <p:nvPr>
-            <p:ph type="dt" sz="half" idx="10"/>
-          </p:nvPr>
-        </p:nvSpPr>
-        <p:spPr/>
-        <p:txBody>
           <a:bodyPr/>
           <a:lstStyle/>
           <a:p>
             <a:fld id="{5C74CF76-B591-49A8-A990-0F7C4E14C2C0}" type="datetimeFigureOut">
               <a:rPr lang="en-US" smtClean="0"/>
-              <a:t>11/21/2014</a:t>
+              <a:t>11/23/2014</a:t>
             </a:fld>
             <a:endParaRPr lang="en-US"/>
           </a:p>
@@ -459,7 +3246,7 @@
     </p:spTree>
     <p:extLst>
       <p:ext uri="{BB962C8B-B14F-4D97-AF65-F5344CB8AC3E}">
-        <p14:creationId xmlns:p14="http://schemas.microsoft.com/office/powerpoint/2010/main" val="2085844466"/>
+        <p14:creationId xmlns:p14="http://schemas.microsoft.com/office/powerpoint/2010/main" val="599067315"/>
       </p:ext>
     </p:extLst>
   </p:cSld>
@@ -469,7 +3256,7 @@
 </p:sldLayout>
 </file>
 
-<file path=ppt/slideLayouts/slideLayout11.xml><?xml version="1.0" encoding="utf-8"?>
+<file path=ppt/slideLayouts/slideLayout17.xml><?xml version="1.0" encoding="utf-8"?>
 <p:sldLayout xmlns:a="http://schemas.openxmlformats.org/drawingml/2006/main" xmlns:r="http://schemas.openxmlformats.org/officeDocument/2006/relationships" xmlns:p="http://schemas.openxmlformats.org/presentationml/2006/main" type="vertTitleAndTx" preserve="1">
   <p:cSld name="Vertical Title and Text">
     <p:spTree>
@@ -486,6 +3273,36 @@
           <a:chExt cx="0" cy="0"/>
         </a:xfrm>
       </p:grpSpPr>
+      <p:pic>
+        <p:nvPicPr>
+          <p:cNvPr id="9" name="Picture 8" descr="Droplets-HD-Content-R1d.png"/>
+          <p:cNvPicPr>
+            <a:picLocks noChangeAspect="1"/>
+          </p:cNvPicPr>
+          <p:nvPr/>
+        </p:nvPicPr>
+        <p:blipFill>
+          <a:blip r:embed="rId2">
+            <a:extLst>
+              <a:ext uri="{28A0092B-C50C-407E-A947-70E740481C1C}">
+                <a14:useLocalDpi xmlns:a14="http://schemas.microsoft.com/office/drawing/2010/main" val="0"/>
+              </a:ext>
+            </a:extLst>
+          </a:blip>
+          <a:stretch>
+            <a:fillRect/>
+          </a:stretch>
+        </p:blipFill>
+        <p:spPr>
+          <a:xfrm>
+            <a:off x="0" y="0"/>
+            <a:ext cx="12192000" cy="6858000"/>
+          </a:xfrm>
+          <a:prstGeom prst="rect">
+            <a:avLst/>
+          </a:prstGeom>
+        </p:spPr>
+      </p:pic>
       <p:sp>
         <p:nvSpPr>
           <p:cNvPr id="2" name="Vertical Title 1"/>
@@ -498,36 +3315,40 @@
         </p:nvSpPr>
         <p:spPr>
           <a:xfrm>
-            <a:off x="8724900" y="365125"/>
-            <a:ext cx="2628900" cy="5811838"/>
+            <a:off x="8724900" y="609601"/>
+            <a:ext cx="2553326" cy="5181599"/>
           </a:xfrm>
         </p:spPr>
         <p:txBody>
           <a:bodyPr vert="eaVert"/>
-          <a:lstStyle/>
+          <a:lstStyle>
+            <a:lvl1pPr algn="l">
+              <a:defRPr/>
+            </a:lvl1pPr>
+          </a:lstStyle>
           <a:p>
             <a:r>
               <a:rPr lang="en-US" smtClean="0"/>
               <a:t>Click to edit Master title style</a:t>
             </a:r>
-            <a:endParaRPr lang="en-US"/>
-          </a:p>
-        </p:txBody>
-      </p:sp>
-      <p:sp>
-        <p:nvSpPr>
-          <p:cNvPr id="3" name="Vertical Text Placeholder 2"/>
-          <p:cNvSpPr>
-            <a:spLocks noGrp="1"/>
-          </p:cNvSpPr>
-          <p:nvPr>
-            <p:ph type="body" orient="vert" idx="1"/>
-          </p:nvPr>
-        </p:nvSpPr>
-        <p:spPr>
-          <a:xfrm>
-            <a:off x="838200" y="365125"/>
-            <a:ext cx="7734300" cy="5811838"/>
+            <a:endParaRPr lang="en-US" dirty="0"/>
+          </a:p>
+        </p:txBody>
+      </p:sp>
+      <p:sp>
+        <p:nvSpPr>
+          <p:cNvPr id="8" name="Vertical Text Placeholder 2"/>
+          <p:cNvSpPr>
+            <a:spLocks noGrp="1"/>
+          </p:cNvSpPr>
+          <p:nvPr>
+            <p:ph type="body" orient="vert" sz="quarter" idx="13"/>
+          </p:nvPr>
+        </p:nvSpPr>
+        <p:spPr>
+          <a:xfrm>
+            <a:off x="913775" y="609601"/>
+            <a:ext cx="7658724" cy="5181599"/>
           </a:xfrm>
         </p:spPr>
         <p:txBody>
@@ -567,7 +3388,7 @@
               <a:rPr lang="en-US" smtClean="0"/>
               <a:t>Fifth level</a:t>
             </a:r>
-            <a:endParaRPr lang="en-US"/>
+            <a:endParaRPr lang="en-US" dirty="0"/>
           </a:p>
         </p:txBody>
       </p:sp>
@@ -588,7 +3409,7 @@
           <a:p>
             <a:fld id="{5C74CF76-B591-49A8-A990-0F7C4E14C2C0}" type="datetimeFigureOut">
               <a:rPr lang="en-US" smtClean="0"/>
-              <a:t>11/21/2014</a:t>
+              <a:t>11/23/2014</a:t>
             </a:fld>
             <a:endParaRPr lang="en-US"/>
           </a:p>
@@ -639,7 +3460,7 @@
     </p:spTree>
     <p:extLst>
       <p:ext uri="{BB962C8B-B14F-4D97-AF65-F5344CB8AC3E}">
-        <p14:creationId xmlns:p14="http://schemas.microsoft.com/office/powerpoint/2010/main" val="24156072"/>
+        <p14:creationId xmlns:p14="http://schemas.microsoft.com/office/powerpoint/2010/main" val="4279105013"/>
       </p:ext>
     </p:extLst>
   </p:cSld>
@@ -666,6 +3487,36 @@
           <a:chExt cx="0" cy="0"/>
         </a:xfrm>
       </p:grpSpPr>
+      <p:pic>
+        <p:nvPicPr>
+          <p:cNvPr id="3" name="Picture 2" descr="Droplets-HD-Content-R1d.png"/>
+          <p:cNvPicPr>
+            <a:picLocks noChangeAspect="1"/>
+          </p:cNvPicPr>
+          <p:nvPr/>
+        </p:nvPicPr>
+        <p:blipFill>
+          <a:blip r:embed="rId2">
+            <a:extLst>
+              <a:ext uri="{28A0092B-C50C-407E-A947-70E740481C1C}">
+                <a14:useLocalDpi xmlns:a14="http://schemas.microsoft.com/office/drawing/2010/main" val="0"/>
+              </a:ext>
+            </a:extLst>
+          </a:blip>
+          <a:stretch>
+            <a:fillRect/>
+          </a:stretch>
+        </p:blipFill>
+        <p:spPr>
+          <a:xfrm>
+            <a:off x="0" y="0"/>
+            <a:ext cx="12192000" cy="6858000"/>
+          </a:xfrm>
+          <a:prstGeom prst="rect">
+            <a:avLst/>
+          </a:prstGeom>
+        </p:spPr>
+      </p:pic>
       <p:sp>
         <p:nvSpPr>
           <p:cNvPr id="2" name="Title 1"/>
@@ -685,18 +3536,75 @@
               <a:rPr lang="en-US" smtClean="0"/>
               <a:t>Click to edit Master title style</a:t>
             </a:r>
-            <a:endParaRPr lang="en-US"/>
-          </a:p>
-        </p:txBody>
-      </p:sp>
-      <p:sp>
-        <p:nvSpPr>
-          <p:cNvPr id="3" name="Content Placeholder 2"/>
-          <p:cNvSpPr>
-            <a:spLocks noGrp="1"/>
-          </p:cNvSpPr>
-          <p:nvPr>
-            <p:ph idx="1"/>
+            <a:endParaRPr lang="en-US" dirty="0"/>
+          </a:p>
+        </p:txBody>
+      </p:sp>
+      <p:sp>
+        <p:nvSpPr>
+          <p:cNvPr id="12" name="Content Placeholder 2"/>
+          <p:cNvSpPr>
+            <a:spLocks noGrp="1"/>
+          </p:cNvSpPr>
+          <p:nvPr>
+            <p:ph sz="quarter" idx="13"/>
+          </p:nvPr>
+        </p:nvSpPr>
+        <p:spPr>
+          <a:xfrm>
+            <a:off x="913774" y="2367092"/>
+            <a:ext cx="10363826" cy="3424107"/>
+          </a:xfrm>
+        </p:spPr>
+        <p:txBody>
+          <a:bodyPr/>
+          <a:lstStyle/>
+          <a:p>
+            <a:pPr lvl="0"/>
+            <a:r>
+              <a:rPr lang="en-US" smtClean="0"/>
+              <a:t>Click to edit Master text styles</a:t>
+            </a:r>
+          </a:p>
+          <a:p>
+            <a:pPr lvl="1"/>
+            <a:r>
+              <a:rPr lang="en-US" smtClean="0"/>
+              <a:t>Second level</a:t>
+            </a:r>
+          </a:p>
+          <a:p>
+            <a:pPr lvl="2"/>
+            <a:r>
+              <a:rPr lang="en-US" smtClean="0"/>
+              <a:t>Third level</a:t>
+            </a:r>
+          </a:p>
+          <a:p>
+            <a:pPr lvl="3"/>
+            <a:r>
+              <a:rPr lang="en-US" smtClean="0"/>
+              <a:t>Fourth level</a:t>
+            </a:r>
+          </a:p>
+          <a:p>
+            <a:pPr lvl="4"/>
+            <a:r>
+              <a:rPr lang="en-US" smtClean="0"/>
+              <a:t>Fifth level</a:t>
+            </a:r>
+            <a:endParaRPr lang="en-US" dirty="0"/>
+          </a:p>
+        </p:txBody>
+      </p:sp>
+      <p:sp>
+        <p:nvSpPr>
+          <p:cNvPr id="4" name="Date Placeholder 3"/>
+          <p:cNvSpPr>
+            <a:spLocks noGrp="1"/>
+          </p:cNvSpPr>
+          <p:nvPr>
+            <p:ph type="dt" sz="half" idx="10"/>
           </p:nvPr>
         </p:nvSpPr>
         <p:spPr/>
@@ -704,61 +3612,9 @@
           <a:bodyPr/>
           <a:lstStyle/>
           <a:p>
-            <a:pPr lvl="0"/>
-            <a:r>
-              <a:rPr lang="en-US" smtClean="0"/>
-              <a:t>Click to edit Master text styles</a:t>
-            </a:r>
-          </a:p>
-          <a:p>
-            <a:pPr lvl="1"/>
-            <a:r>
-              <a:rPr lang="en-US" smtClean="0"/>
-              <a:t>Second level</a:t>
-            </a:r>
-          </a:p>
-          <a:p>
-            <a:pPr lvl="2"/>
-            <a:r>
-              <a:rPr lang="en-US" smtClean="0"/>
-              <a:t>Third level</a:t>
-            </a:r>
-          </a:p>
-          <a:p>
-            <a:pPr lvl="3"/>
-            <a:r>
-              <a:rPr lang="en-US" smtClean="0"/>
-              <a:t>Fourth level</a:t>
-            </a:r>
-          </a:p>
-          <a:p>
-            <a:pPr lvl="4"/>
-            <a:r>
-              <a:rPr lang="en-US" smtClean="0"/>
-              <a:t>Fifth level</a:t>
-            </a:r>
-            <a:endParaRPr lang="en-US"/>
-          </a:p>
-        </p:txBody>
-      </p:sp>
-      <p:sp>
-        <p:nvSpPr>
-          <p:cNvPr id="4" name="Date Placeholder 3"/>
-          <p:cNvSpPr>
-            <a:spLocks noGrp="1"/>
-          </p:cNvSpPr>
-          <p:nvPr>
-            <p:ph type="dt" sz="half" idx="10"/>
-          </p:nvPr>
-        </p:nvSpPr>
-        <p:spPr/>
-        <p:txBody>
-          <a:bodyPr/>
-          <a:lstStyle/>
-          <a:p>
             <a:fld id="{5C74CF76-B591-49A8-A990-0F7C4E14C2C0}" type="datetimeFigureOut">
               <a:rPr lang="en-US" smtClean="0"/>
-              <a:t>11/21/2014</a:t>
+              <a:t>11/23/2014</a:t>
             </a:fld>
             <a:endParaRPr lang="en-US"/>
           </a:p>
@@ -809,7 +3665,7 @@
     </p:spTree>
     <p:extLst>
       <p:ext uri="{BB962C8B-B14F-4D97-AF65-F5344CB8AC3E}">
-        <p14:creationId xmlns:p14="http://schemas.microsoft.com/office/powerpoint/2010/main" val="913406550"/>
+        <p14:creationId xmlns:p14="http://schemas.microsoft.com/office/powerpoint/2010/main" val="65702324"/>
       </p:ext>
     </p:extLst>
   </p:cSld>
@@ -836,6 +3692,36 @@
           <a:chExt cx="0" cy="0"/>
         </a:xfrm>
       </p:grpSpPr>
+      <p:pic>
+        <p:nvPicPr>
+          <p:cNvPr id="9" name="Picture 8" descr="Droplets-HD-Content-R1d.png"/>
+          <p:cNvPicPr>
+            <a:picLocks noChangeAspect="1"/>
+          </p:cNvPicPr>
+          <p:nvPr/>
+        </p:nvPicPr>
+        <p:blipFill>
+          <a:blip r:embed="rId2">
+            <a:extLst>
+              <a:ext uri="{28A0092B-C50C-407E-A947-70E740481C1C}">
+                <a14:useLocalDpi xmlns:a14="http://schemas.microsoft.com/office/drawing/2010/main" val="0"/>
+              </a:ext>
+            </a:extLst>
+          </a:blip>
+          <a:stretch>
+            <a:fillRect/>
+          </a:stretch>
+        </p:blipFill>
+        <p:spPr>
+          <a:xfrm>
+            <a:off x="0" y="0"/>
+            <a:ext cx="12192000" cy="6858000"/>
+          </a:xfrm>
+          <a:prstGeom prst="rect">
+            <a:avLst/>
+          </a:prstGeom>
+        </p:spPr>
+      </p:pic>
       <p:sp>
         <p:nvSpPr>
           <p:cNvPr id="2" name="Title 1"/>
@@ -848,15 +3734,17 @@
         </p:nvSpPr>
         <p:spPr>
           <a:xfrm>
-            <a:off x="831850" y="1709738"/>
-            <a:ext cx="10515600" cy="2852737"/>
-          </a:xfrm>
-        </p:spPr>
-        <p:txBody>
-          <a:bodyPr anchor="b"/>
+            <a:off x="913774" y="828563"/>
+            <a:ext cx="10351752" cy="2736819"/>
+          </a:xfrm>
+        </p:spPr>
+        <p:txBody>
+          <a:bodyPr anchor="b">
+            <a:normAutofit/>
+          </a:bodyPr>
           <a:lstStyle>
             <a:lvl1pPr>
-              <a:defRPr sz="6000"/>
+              <a:defRPr sz="4000"/>
             </a:lvl1pPr>
           </a:lstStyle>
           <a:p>
@@ -864,7 +3752,7 @@
               <a:rPr lang="en-US" smtClean="0"/>
               <a:t>Click to edit Master title style</a:t>
             </a:r>
-            <a:endParaRPr lang="en-US"/>
+            <a:endParaRPr lang="en-US" dirty="0"/>
           </a:p>
         </p:txBody>
       </p:sp>
@@ -880,19 +3768,21 @@
         </p:nvSpPr>
         <p:spPr>
           <a:xfrm>
-            <a:off x="831850" y="4589463"/>
-            <a:ext cx="10515600" cy="1500187"/>
-          </a:xfrm>
-        </p:spPr>
-        <p:txBody>
-          <a:bodyPr/>
+            <a:off x="913774" y="3657457"/>
+            <a:ext cx="10351752" cy="1368183"/>
+          </a:xfrm>
+        </p:spPr>
+        <p:txBody>
+          <a:bodyPr>
+            <a:normAutofit/>
+          </a:bodyPr>
           <a:lstStyle>
-            <a:lvl1pPr marL="0" indent="0">
-              <a:buNone/>
-              <a:defRPr sz="2400">
+            <a:lvl1pPr marL="0" indent="0" algn="ctr">
+              <a:buNone/>
+              <a:defRPr sz="2000">
                 <a:solidFill>
-                  <a:schemeClr val="tx1">
-                    <a:tint val="75000"/>
+                  <a:schemeClr val="bg1">
+                    <a:lumMod val="50000"/>
                   </a:schemeClr>
                 </a:solidFill>
               </a:defRPr>
@@ -1004,7 +3894,7 @@
           <a:p>
             <a:fld id="{5C74CF76-B591-49A8-A990-0F7C4E14C2C0}" type="datetimeFigureOut">
               <a:rPr lang="en-US" smtClean="0"/>
-              <a:t>11/21/2014</a:t>
+              <a:t>11/23/2014</a:t>
             </a:fld>
             <a:endParaRPr lang="en-US"/>
           </a:p>
@@ -1055,7 +3945,7 @@
     </p:spTree>
     <p:extLst>
       <p:ext uri="{BB962C8B-B14F-4D97-AF65-F5344CB8AC3E}">
-        <p14:creationId xmlns:p14="http://schemas.microsoft.com/office/powerpoint/2010/main" val="1220895383"/>
+        <p14:creationId xmlns:p14="http://schemas.microsoft.com/office/powerpoint/2010/main" val="1796065915"/>
       </p:ext>
     </p:extLst>
   </p:cSld>
@@ -1082,9 +3972,39 @@
           <a:chExt cx="0" cy="0"/>
         </a:xfrm>
       </p:grpSpPr>
-      <p:sp>
-        <p:nvSpPr>
-          <p:cNvPr id="2" name="Title 1"/>
+      <p:pic>
+        <p:nvPicPr>
+          <p:cNvPr id="10" name="Picture 9" descr="Droplets-HD-Content-R1d.png"/>
+          <p:cNvPicPr>
+            <a:picLocks noChangeAspect="1"/>
+          </p:cNvPicPr>
+          <p:nvPr/>
+        </p:nvPicPr>
+        <p:blipFill>
+          <a:blip r:embed="rId2">
+            <a:extLst>
+              <a:ext uri="{28A0092B-C50C-407E-A947-70E740481C1C}">
+                <a14:useLocalDpi xmlns:a14="http://schemas.microsoft.com/office/drawing/2010/main" val="0"/>
+              </a:ext>
+            </a:extLst>
+          </a:blip>
+          <a:stretch>
+            <a:fillRect/>
+          </a:stretch>
+        </p:blipFill>
+        <p:spPr>
+          <a:xfrm>
+            <a:off x="0" y="0"/>
+            <a:ext cx="12192000" cy="6858000"/>
+          </a:xfrm>
+          <a:prstGeom prst="rect">
+            <a:avLst/>
+          </a:prstGeom>
+        </p:spPr>
+      </p:pic>
+      <p:sp>
+        <p:nvSpPr>
+          <p:cNvPr id="14" name="Title 1"/>
           <p:cNvSpPr>
             <a:spLocks noGrp="1"/>
           </p:cNvSpPr>
@@ -1092,151 +4012,156 @@
             <p:ph type="title"/>
           </p:nvPr>
         </p:nvSpPr>
+        <p:spPr>
+          <a:xfrm>
+            <a:off x="913775" y="618517"/>
+            <a:ext cx="10364451" cy="1596177"/>
+          </a:xfrm>
+        </p:spPr>
+        <p:txBody>
+          <a:bodyPr/>
+          <a:lstStyle/>
+          <a:p>
+            <a:r>
+              <a:rPr lang="en-US" smtClean="0"/>
+              <a:t>Click to edit Master title style</a:t>
+            </a:r>
+            <a:endParaRPr lang="en-US" dirty="0"/>
+          </a:p>
+        </p:txBody>
+      </p:sp>
+      <p:sp>
+        <p:nvSpPr>
+          <p:cNvPr id="12" name="Content Placeholder 2"/>
+          <p:cNvSpPr>
+            <a:spLocks noGrp="1"/>
+          </p:cNvSpPr>
+          <p:nvPr>
+            <p:ph sz="quarter" idx="13"/>
+          </p:nvPr>
+        </p:nvSpPr>
+        <p:spPr>
+          <a:xfrm>
+            <a:off x="913774" y="2367092"/>
+            <a:ext cx="5106026" cy="3424107"/>
+          </a:xfrm>
+        </p:spPr>
+        <p:txBody>
+          <a:bodyPr/>
+          <a:lstStyle/>
+          <a:p>
+            <a:pPr lvl="0"/>
+            <a:r>
+              <a:rPr lang="en-US" smtClean="0"/>
+              <a:t>Click to edit Master text styles</a:t>
+            </a:r>
+          </a:p>
+          <a:p>
+            <a:pPr lvl="1"/>
+            <a:r>
+              <a:rPr lang="en-US" smtClean="0"/>
+              <a:t>Second level</a:t>
+            </a:r>
+          </a:p>
+          <a:p>
+            <a:pPr lvl="2"/>
+            <a:r>
+              <a:rPr lang="en-US" smtClean="0"/>
+              <a:t>Third level</a:t>
+            </a:r>
+          </a:p>
+          <a:p>
+            <a:pPr lvl="3"/>
+            <a:r>
+              <a:rPr lang="en-US" smtClean="0"/>
+              <a:t>Fourth level</a:t>
+            </a:r>
+          </a:p>
+          <a:p>
+            <a:pPr lvl="4"/>
+            <a:r>
+              <a:rPr lang="en-US" smtClean="0"/>
+              <a:t>Fifth level</a:t>
+            </a:r>
+            <a:endParaRPr lang="en-US" dirty="0"/>
+          </a:p>
+        </p:txBody>
+      </p:sp>
+      <p:sp>
+        <p:nvSpPr>
+          <p:cNvPr id="13" name="Content Placeholder 3"/>
+          <p:cNvSpPr>
+            <a:spLocks noGrp="1"/>
+          </p:cNvSpPr>
+          <p:nvPr>
+            <p:ph sz="quarter" idx="14"/>
+          </p:nvPr>
+        </p:nvSpPr>
+        <p:spPr>
+          <a:xfrm>
+            <a:off x="6172200" y="2367092"/>
+            <a:ext cx="5105400" cy="3424107"/>
+          </a:xfrm>
+        </p:spPr>
+        <p:txBody>
+          <a:bodyPr/>
+          <a:lstStyle/>
+          <a:p>
+            <a:pPr lvl="0"/>
+            <a:r>
+              <a:rPr lang="en-US" smtClean="0"/>
+              <a:t>Click to edit Master text styles</a:t>
+            </a:r>
+          </a:p>
+          <a:p>
+            <a:pPr lvl="1"/>
+            <a:r>
+              <a:rPr lang="en-US" smtClean="0"/>
+              <a:t>Second level</a:t>
+            </a:r>
+          </a:p>
+          <a:p>
+            <a:pPr lvl="2"/>
+            <a:r>
+              <a:rPr lang="en-US" smtClean="0"/>
+              <a:t>Third level</a:t>
+            </a:r>
+          </a:p>
+          <a:p>
+            <a:pPr lvl="3"/>
+            <a:r>
+              <a:rPr lang="en-US" smtClean="0"/>
+              <a:t>Fourth level</a:t>
+            </a:r>
+          </a:p>
+          <a:p>
+            <a:pPr lvl="4"/>
+            <a:r>
+              <a:rPr lang="en-US" smtClean="0"/>
+              <a:t>Fifth level</a:t>
+            </a:r>
+            <a:endParaRPr lang="en-US" dirty="0"/>
+          </a:p>
+        </p:txBody>
+      </p:sp>
+      <p:sp>
+        <p:nvSpPr>
+          <p:cNvPr id="5" name="Date Placeholder 4"/>
+          <p:cNvSpPr>
+            <a:spLocks noGrp="1"/>
+          </p:cNvSpPr>
+          <p:nvPr>
+            <p:ph type="dt" sz="half" idx="10"/>
+          </p:nvPr>
+        </p:nvSpPr>
         <p:spPr/>
         <p:txBody>
           <a:bodyPr/>
           <a:lstStyle/>
           <a:p>
-            <a:r>
-              <a:rPr lang="en-US" smtClean="0"/>
-              <a:t>Click to edit Master title style</a:t>
-            </a:r>
-            <a:endParaRPr lang="en-US"/>
-          </a:p>
-        </p:txBody>
-      </p:sp>
-      <p:sp>
-        <p:nvSpPr>
-          <p:cNvPr id="3" name="Content Placeholder 2"/>
-          <p:cNvSpPr>
-            <a:spLocks noGrp="1"/>
-          </p:cNvSpPr>
-          <p:nvPr>
-            <p:ph sz="half" idx="1"/>
-          </p:nvPr>
-        </p:nvSpPr>
-        <p:spPr>
-          <a:xfrm>
-            <a:off x="838200" y="1825625"/>
-            <a:ext cx="5181600" cy="4351338"/>
-          </a:xfrm>
-        </p:spPr>
-        <p:txBody>
-          <a:bodyPr/>
-          <a:lstStyle/>
-          <a:p>
-            <a:pPr lvl="0"/>
-            <a:r>
-              <a:rPr lang="en-US" smtClean="0"/>
-              <a:t>Click to edit Master text styles</a:t>
-            </a:r>
-          </a:p>
-          <a:p>
-            <a:pPr lvl="1"/>
-            <a:r>
-              <a:rPr lang="en-US" smtClean="0"/>
-              <a:t>Second level</a:t>
-            </a:r>
-          </a:p>
-          <a:p>
-            <a:pPr lvl="2"/>
-            <a:r>
-              <a:rPr lang="en-US" smtClean="0"/>
-              <a:t>Third level</a:t>
-            </a:r>
-          </a:p>
-          <a:p>
-            <a:pPr lvl="3"/>
-            <a:r>
-              <a:rPr lang="en-US" smtClean="0"/>
-              <a:t>Fourth level</a:t>
-            </a:r>
-          </a:p>
-          <a:p>
-            <a:pPr lvl="4"/>
-            <a:r>
-              <a:rPr lang="en-US" smtClean="0"/>
-              <a:t>Fifth level</a:t>
-            </a:r>
-            <a:endParaRPr lang="en-US"/>
-          </a:p>
-        </p:txBody>
-      </p:sp>
-      <p:sp>
-        <p:nvSpPr>
-          <p:cNvPr id="4" name="Content Placeholder 3"/>
-          <p:cNvSpPr>
-            <a:spLocks noGrp="1"/>
-          </p:cNvSpPr>
-          <p:nvPr>
-            <p:ph sz="half" idx="2"/>
-          </p:nvPr>
-        </p:nvSpPr>
-        <p:spPr>
-          <a:xfrm>
-            <a:off x="6172200" y="1825625"/>
-            <a:ext cx="5181600" cy="4351338"/>
-          </a:xfrm>
-        </p:spPr>
-        <p:txBody>
-          <a:bodyPr/>
-          <a:lstStyle/>
-          <a:p>
-            <a:pPr lvl="0"/>
-            <a:r>
-              <a:rPr lang="en-US" smtClean="0"/>
-              <a:t>Click to edit Master text styles</a:t>
-            </a:r>
-          </a:p>
-          <a:p>
-            <a:pPr lvl="1"/>
-            <a:r>
-              <a:rPr lang="en-US" smtClean="0"/>
-              <a:t>Second level</a:t>
-            </a:r>
-          </a:p>
-          <a:p>
-            <a:pPr lvl="2"/>
-            <a:r>
-              <a:rPr lang="en-US" smtClean="0"/>
-              <a:t>Third level</a:t>
-            </a:r>
-          </a:p>
-          <a:p>
-            <a:pPr lvl="3"/>
-            <a:r>
-              <a:rPr lang="en-US" smtClean="0"/>
-              <a:t>Fourth level</a:t>
-            </a:r>
-          </a:p>
-          <a:p>
-            <a:pPr lvl="4"/>
-            <a:r>
-              <a:rPr lang="en-US" smtClean="0"/>
-              <a:t>Fifth level</a:t>
-            </a:r>
-            <a:endParaRPr lang="en-US"/>
-          </a:p>
-        </p:txBody>
-      </p:sp>
-      <p:sp>
-        <p:nvSpPr>
-          <p:cNvPr id="5" name="Date Placeholder 4"/>
-          <p:cNvSpPr>
-            <a:spLocks noGrp="1"/>
-          </p:cNvSpPr>
-          <p:nvPr>
-            <p:ph type="dt" sz="half" idx="10"/>
-          </p:nvPr>
-        </p:nvSpPr>
-        <p:spPr/>
-        <p:txBody>
-          <a:bodyPr/>
-          <a:lstStyle/>
-          <a:p>
             <a:fld id="{5C74CF76-B591-49A8-A990-0F7C4E14C2C0}" type="datetimeFigureOut">
               <a:rPr lang="en-US" smtClean="0"/>
-              <a:t>11/21/2014</a:t>
+              <a:t>11/23/2014</a:t>
             </a:fld>
             <a:endParaRPr lang="en-US"/>
           </a:p>
@@ -1287,7 +4212,7 @@
     </p:spTree>
     <p:extLst>
       <p:ext uri="{BB962C8B-B14F-4D97-AF65-F5344CB8AC3E}">
-        <p14:creationId xmlns:p14="http://schemas.microsoft.com/office/powerpoint/2010/main" val="4207782738"/>
+        <p14:creationId xmlns:p14="http://schemas.microsoft.com/office/powerpoint/2010/main" val="754905107"/>
       </p:ext>
     </p:extLst>
   </p:cSld>
@@ -1314,9 +4239,39 @@
           <a:chExt cx="0" cy="0"/>
         </a:xfrm>
       </p:grpSpPr>
-      <p:sp>
-        <p:nvSpPr>
-          <p:cNvPr id="2" name="Title 1"/>
+      <p:pic>
+        <p:nvPicPr>
+          <p:cNvPr id="15" name="Picture 14" descr="Droplets-HD-Content-R1d.png"/>
+          <p:cNvPicPr>
+            <a:picLocks noChangeAspect="1"/>
+          </p:cNvPicPr>
+          <p:nvPr/>
+        </p:nvPicPr>
+        <p:blipFill>
+          <a:blip r:embed="rId2">
+            <a:extLst>
+              <a:ext uri="{28A0092B-C50C-407E-A947-70E740481C1C}">
+                <a14:useLocalDpi xmlns:a14="http://schemas.microsoft.com/office/drawing/2010/main" val="0"/>
+              </a:ext>
+            </a:extLst>
+          </a:blip>
+          <a:stretch>
+            <a:fillRect/>
+          </a:stretch>
+        </p:blipFill>
+        <p:spPr>
+          <a:xfrm>
+            <a:off x="0" y="0"/>
+            <a:ext cx="12192000" cy="6858000"/>
+          </a:xfrm>
+          <a:prstGeom prst="rect">
+            <a:avLst/>
+          </a:prstGeom>
+        </p:spPr>
+      </p:pic>
+      <p:sp>
+        <p:nvSpPr>
+          <p:cNvPr id="14" name="Title 1"/>
           <p:cNvSpPr>
             <a:spLocks noGrp="1"/>
           </p:cNvSpPr>
@@ -1326,8 +4281,8 @@
         </p:nvSpPr>
         <p:spPr>
           <a:xfrm>
-            <a:off x="839788" y="365125"/>
-            <a:ext cx="10515600" cy="1325563"/>
+            <a:off x="913775" y="618517"/>
+            <a:ext cx="10364451" cy="1596177"/>
           </a:xfrm>
         </p:spPr>
         <p:txBody>
@@ -1338,7 +4293,7 @@
               <a:rPr lang="en-US" smtClean="0"/>
               <a:t>Click to edit Master title style</a:t>
             </a:r>
-            <a:endParaRPr lang="en-US"/>
+            <a:endParaRPr lang="en-US" dirty="0"/>
           </a:p>
         </p:txBody>
       </p:sp>
@@ -1354,16 +4309,25 @@
         </p:nvSpPr>
         <p:spPr>
           <a:xfrm>
-            <a:off x="839788" y="1681163"/>
-            <a:ext cx="5157787" cy="823912"/>
-          </a:xfrm>
-        </p:spPr>
-        <p:txBody>
-          <a:bodyPr anchor="b"/>
+            <a:off x="1146328" y="2371018"/>
+            <a:ext cx="4873474" cy="679994"/>
+          </a:xfrm>
+        </p:spPr>
+        <p:txBody>
+          <a:bodyPr anchor="b">
+            <a:noAutofit/>
+          </a:bodyPr>
           <a:lstStyle>
             <a:lvl1pPr marL="0" indent="0">
-              <a:buNone/>
-              <a:defRPr sz="2400" b="1"/>
+              <a:lnSpc>
+                <a:spcPct val="85000"/>
+              </a:lnSpc>
+              <a:buNone/>
+              <a:defRPr sz="2600" b="0">
+                <a:solidFill>
+                  <a:schemeClr val="tx1"/>
+                </a:solidFill>
+              </a:defRPr>
             </a:lvl1pPr>
             <a:lvl2pPr marL="457200" indent="0">
               <a:buNone/>
@@ -1409,18 +4373,18 @@
       </p:sp>
       <p:sp>
         <p:nvSpPr>
-          <p:cNvPr id="4" name="Content Placeholder 3"/>
-          <p:cNvSpPr>
-            <a:spLocks noGrp="1"/>
-          </p:cNvSpPr>
-          <p:nvPr>
-            <p:ph sz="half" idx="2"/>
-          </p:nvPr>
-        </p:nvSpPr>
-        <p:spPr>
-          <a:xfrm>
-            <a:off x="839788" y="2505075"/>
-            <a:ext cx="5157787" cy="3684588"/>
+          <p:cNvPr id="12" name="Content Placeholder 3"/>
+          <p:cNvSpPr>
+            <a:spLocks noGrp="1"/>
+          </p:cNvSpPr>
+          <p:nvPr>
+            <p:ph sz="quarter" idx="13"/>
+          </p:nvPr>
+        </p:nvSpPr>
+        <p:spPr>
+          <a:xfrm>
+            <a:off x="913774" y="3051012"/>
+            <a:ext cx="5106027" cy="2740187"/>
           </a:xfrm>
         </p:spPr>
         <p:txBody>
@@ -1460,7 +4424,7 @@
               <a:rPr lang="en-US" smtClean="0"/>
               <a:t>Fifth level</a:t>
             </a:r>
-            <a:endParaRPr lang="en-US"/>
+            <a:endParaRPr lang="en-US" dirty="0"/>
           </a:p>
         </p:txBody>
       </p:sp>
@@ -1476,16 +4440,25 @@
         </p:nvSpPr>
         <p:spPr>
           <a:xfrm>
-            <a:off x="6172200" y="1681163"/>
-            <a:ext cx="5183188" cy="823912"/>
-          </a:xfrm>
-        </p:spPr>
-        <p:txBody>
-          <a:bodyPr anchor="b"/>
+            <a:off x="6396423" y="2371018"/>
+            <a:ext cx="4881804" cy="679994"/>
+          </a:xfrm>
+        </p:spPr>
+        <p:txBody>
+          <a:bodyPr anchor="b">
+            <a:noAutofit/>
+          </a:bodyPr>
           <a:lstStyle>
             <a:lvl1pPr marL="0" indent="0">
-              <a:buNone/>
-              <a:defRPr sz="2400" b="1"/>
+              <a:lnSpc>
+                <a:spcPct val="85000"/>
+              </a:lnSpc>
+              <a:buNone/>
+              <a:defRPr sz="2600" b="0">
+                <a:solidFill>
+                  <a:schemeClr val="tx1"/>
+                </a:solidFill>
+              </a:defRPr>
             </a:lvl1pPr>
             <a:lvl2pPr marL="457200" indent="0">
               <a:buNone/>
@@ -1531,18 +4504,18 @@
       </p:sp>
       <p:sp>
         <p:nvSpPr>
-          <p:cNvPr id="6" name="Content Placeholder 5"/>
-          <p:cNvSpPr>
-            <a:spLocks noGrp="1"/>
-          </p:cNvSpPr>
-          <p:nvPr>
-            <p:ph sz="quarter" idx="4"/>
-          </p:nvPr>
-        </p:nvSpPr>
-        <p:spPr>
-          <a:xfrm>
-            <a:off x="6172200" y="2505075"/>
-            <a:ext cx="5183188" cy="3684588"/>
+          <p:cNvPr id="13" name="Content Placeholder 5"/>
+          <p:cNvSpPr>
+            <a:spLocks noGrp="1"/>
+          </p:cNvSpPr>
+          <p:nvPr>
+            <p:ph sz="quarter" idx="14"/>
+          </p:nvPr>
+        </p:nvSpPr>
+        <p:spPr>
+          <a:xfrm>
+            <a:off x="6172200" y="3051012"/>
+            <a:ext cx="5105401" cy="2740187"/>
           </a:xfrm>
         </p:spPr>
         <p:txBody>
@@ -1582,7 +4555,7 @@
               <a:rPr lang="en-US" smtClean="0"/>
               <a:t>Fifth level</a:t>
             </a:r>
-            <a:endParaRPr lang="en-US"/>
+            <a:endParaRPr lang="en-US" dirty="0"/>
           </a:p>
         </p:txBody>
       </p:sp>
@@ -1603,7 +4576,7 @@
           <a:p>
             <a:fld id="{5C74CF76-B591-49A8-A990-0F7C4E14C2C0}" type="datetimeFigureOut">
               <a:rPr lang="en-US" smtClean="0"/>
-              <a:t>11/21/2014</a:t>
+              <a:t>11/23/2014</a:t>
             </a:fld>
             <a:endParaRPr lang="en-US"/>
           </a:p>
@@ -1654,7 +4627,7 @@
     </p:spTree>
     <p:extLst>
       <p:ext uri="{BB962C8B-B14F-4D97-AF65-F5344CB8AC3E}">
-        <p14:creationId xmlns:p14="http://schemas.microsoft.com/office/powerpoint/2010/main" val="2404596890"/>
+        <p14:creationId xmlns:p14="http://schemas.microsoft.com/office/powerpoint/2010/main" val="1249697363"/>
       </p:ext>
     </p:extLst>
   </p:cSld>
@@ -1681,6 +4654,36 @@
           <a:chExt cx="0" cy="0"/>
         </a:xfrm>
       </p:grpSpPr>
+      <p:pic>
+        <p:nvPicPr>
+          <p:cNvPr id="8" name="Picture 7" descr="Droplets-HD-Content-R1d.png"/>
+          <p:cNvPicPr>
+            <a:picLocks noChangeAspect="1"/>
+          </p:cNvPicPr>
+          <p:nvPr/>
+        </p:nvPicPr>
+        <p:blipFill>
+          <a:blip r:embed="rId2">
+            <a:extLst>
+              <a:ext uri="{28A0092B-C50C-407E-A947-70E740481C1C}">
+                <a14:useLocalDpi xmlns:a14="http://schemas.microsoft.com/office/drawing/2010/main" val="0"/>
+              </a:ext>
+            </a:extLst>
+          </a:blip>
+          <a:stretch>
+            <a:fillRect/>
+          </a:stretch>
+        </p:blipFill>
+        <p:spPr>
+          <a:xfrm>
+            <a:off x="0" y="0"/>
+            <a:ext cx="12192000" cy="6858000"/>
+          </a:xfrm>
+          <a:prstGeom prst="rect">
+            <a:avLst/>
+          </a:prstGeom>
+        </p:spPr>
+      </p:pic>
       <p:sp>
         <p:nvSpPr>
           <p:cNvPr id="2" name="Title 1"/>
@@ -1700,7 +4703,7 @@
               <a:rPr lang="en-US" smtClean="0"/>
               <a:t>Click to edit Master title style</a:t>
             </a:r>
-            <a:endParaRPr lang="en-US"/>
+            <a:endParaRPr lang="en-US" dirty="0"/>
           </a:p>
         </p:txBody>
       </p:sp>
@@ -1721,7 +4724,7 @@
           <a:p>
             <a:fld id="{5C74CF76-B591-49A8-A990-0F7C4E14C2C0}" type="datetimeFigureOut">
               <a:rPr lang="en-US" smtClean="0"/>
-              <a:t>11/21/2014</a:t>
+              <a:t>11/23/2014</a:t>
             </a:fld>
             <a:endParaRPr lang="en-US"/>
           </a:p>
@@ -1772,7 +4775,7 @@
     </p:spTree>
     <p:extLst>
       <p:ext uri="{BB962C8B-B14F-4D97-AF65-F5344CB8AC3E}">
-        <p14:creationId xmlns:p14="http://schemas.microsoft.com/office/powerpoint/2010/main" val="3220590471"/>
+        <p14:creationId xmlns:p14="http://schemas.microsoft.com/office/powerpoint/2010/main" val="3354476435"/>
       </p:ext>
     </p:extLst>
   </p:cSld>
@@ -1799,6 +4802,36 @@
           <a:chExt cx="0" cy="0"/>
         </a:xfrm>
       </p:grpSpPr>
+      <p:pic>
+        <p:nvPicPr>
+          <p:cNvPr id="7" name="Picture 6" descr="Droplets-HD-Content-R1d.png"/>
+          <p:cNvPicPr>
+            <a:picLocks noChangeAspect="1"/>
+          </p:cNvPicPr>
+          <p:nvPr/>
+        </p:nvPicPr>
+        <p:blipFill>
+          <a:blip r:embed="rId2">
+            <a:extLst>
+              <a:ext uri="{28A0092B-C50C-407E-A947-70E740481C1C}">
+                <a14:useLocalDpi xmlns:a14="http://schemas.microsoft.com/office/drawing/2010/main" val="0"/>
+              </a:ext>
+            </a:extLst>
+          </a:blip>
+          <a:stretch>
+            <a:fillRect/>
+          </a:stretch>
+        </p:blipFill>
+        <p:spPr>
+          <a:xfrm>
+            <a:off x="0" y="0"/>
+            <a:ext cx="12192000" cy="6858000"/>
+          </a:xfrm>
+          <a:prstGeom prst="rect">
+            <a:avLst/>
+          </a:prstGeom>
+        </p:spPr>
+      </p:pic>
       <p:sp>
         <p:nvSpPr>
           <p:cNvPr id="2" name="Date Placeholder 1"/>
@@ -1816,7 +4849,7 @@
           <a:p>
             <a:fld id="{5C74CF76-B591-49A8-A990-0F7C4E14C2C0}" type="datetimeFigureOut">
               <a:rPr lang="en-US" smtClean="0"/>
-              <a:t>11/21/2014</a:t>
+              <a:t>11/23/2014</a:t>
             </a:fld>
             <a:endParaRPr lang="en-US"/>
           </a:p>
@@ -1867,7 +4900,7 @@
     </p:spTree>
     <p:extLst>
       <p:ext uri="{BB962C8B-B14F-4D97-AF65-F5344CB8AC3E}">
-        <p14:creationId xmlns:p14="http://schemas.microsoft.com/office/powerpoint/2010/main" val="308143912"/>
+        <p14:creationId xmlns:p14="http://schemas.microsoft.com/office/powerpoint/2010/main" val="658906486"/>
       </p:ext>
     </p:extLst>
   </p:cSld>
@@ -1894,6 +4927,36 @@
           <a:chExt cx="0" cy="0"/>
         </a:xfrm>
       </p:grpSpPr>
+      <p:pic>
+        <p:nvPicPr>
+          <p:cNvPr id="11" name="Picture 10" descr="Droplets-HD-Content-R1d.png"/>
+          <p:cNvPicPr>
+            <a:picLocks noChangeAspect="1"/>
+          </p:cNvPicPr>
+          <p:nvPr/>
+        </p:nvPicPr>
+        <p:blipFill>
+          <a:blip r:embed="rId2">
+            <a:extLst>
+              <a:ext uri="{28A0092B-C50C-407E-A947-70E740481C1C}">
+                <a14:useLocalDpi xmlns:a14="http://schemas.microsoft.com/office/drawing/2010/main" val="0"/>
+              </a:ext>
+            </a:extLst>
+          </a:blip>
+          <a:stretch>
+            <a:fillRect/>
+          </a:stretch>
+        </p:blipFill>
+        <p:spPr>
+          <a:xfrm>
+            <a:off x="0" y="0"/>
+            <a:ext cx="12192000" cy="6858000"/>
+          </a:xfrm>
+          <a:prstGeom prst="rect">
+            <a:avLst/>
+          </a:prstGeom>
+        </p:spPr>
+      </p:pic>
       <p:sp>
         <p:nvSpPr>
           <p:cNvPr id="2" name="Title 1"/>
@@ -1906,14 +4969,14 @@
         </p:nvSpPr>
         <p:spPr>
           <a:xfrm>
-            <a:off x="839788" y="457200"/>
-            <a:ext cx="3932237" cy="1600200"/>
+            <a:off x="913775" y="609600"/>
+            <a:ext cx="3935688" cy="2023252"/>
           </a:xfrm>
         </p:spPr>
         <p:txBody>
           <a:bodyPr anchor="b"/>
           <a:lstStyle>
-            <a:lvl1pPr>
+            <a:lvl1pPr algn="ctr">
               <a:defRPr sz="3200"/>
             </a:lvl1pPr>
           </a:lstStyle>
@@ -1922,115 +4985,87 @@
               <a:rPr lang="en-US" smtClean="0"/>
               <a:t>Click to edit Master title style</a:t>
             </a:r>
-            <a:endParaRPr lang="en-US"/>
-          </a:p>
-        </p:txBody>
-      </p:sp>
-      <p:sp>
-        <p:nvSpPr>
-          <p:cNvPr id="3" name="Content Placeholder 2"/>
-          <p:cNvSpPr>
-            <a:spLocks noGrp="1"/>
-          </p:cNvSpPr>
-          <p:nvPr>
-            <p:ph idx="1"/>
-          </p:nvPr>
-        </p:nvSpPr>
-        <p:spPr>
-          <a:xfrm>
-            <a:off x="5183188" y="987425"/>
-            <a:ext cx="6172200" cy="4873625"/>
+            <a:endParaRPr lang="en-US" dirty="0"/>
+          </a:p>
+        </p:txBody>
+      </p:sp>
+      <p:sp>
+        <p:nvSpPr>
+          <p:cNvPr id="10" name="Content Placeholder 2"/>
+          <p:cNvSpPr>
+            <a:spLocks noGrp="1"/>
+          </p:cNvSpPr>
+          <p:nvPr>
+            <p:ph sz="quarter" idx="13"/>
+          </p:nvPr>
+        </p:nvSpPr>
+        <p:spPr>
+          <a:xfrm>
+            <a:off x="5078062" y="609600"/>
+            <a:ext cx="6200163" cy="5181599"/>
+          </a:xfrm>
+        </p:spPr>
+        <p:txBody>
+          <a:bodyPr/>
+          <a:lstStyle/>
+          <a:p>
+            <a:pPr lvl="0"/>
+            <a:r>
+              <a:rPr lang="en-US" smtClean="0"/>
+              <a:t>Click to edit Master text styles</a:t>
+            </a:r>
+          </a:p>
+          <a:p>
+            <a:pPr lvl="1"/>
+            <a:r>
+              <a:rPr lang="en-US" smtClean="0"/>
+              <a:t>Second level</a:t>
+            </a:r>
+          </a:p>
+          <a:p>
+            <a:pPr lvl="2"/>
+            <a:r>
+              <a:rPr lang="en-US" smtClean="0"/>
+              <a:t>Third level</a:t>
+            </a:r>
+          </a:p>
+          <a:p>
+            <a:pPr lvl="3"/>
+            <a:r>
+              <a:rPr lang="en-US" smtClean="0"/>
+              <a:t>Fourth level</a:t>
+            </a:r>
+          </a:p>
+          <a:p>
+            <a:pPr lvl="4"/>
+            <a:r>
+              <a:rPr lang="en-US" smtClean="0"/>
+              <a:t>Fifth level</a:t>
+            </a:r>
+            <a:endParaRPr lang="en-US" dirty="0"/>
+          </a:p>
+        </p:txBody>
+      </p:sp>
+      <p:sp>
+        <p:nvSpPr>
+          <p:cNvPr id="4" name="Text Placeholder 3"/>
+          <p:cNvSpPr>
+            <a:spLocks noGrp="1"/>
+          </p:cNvSpPr>
+          <p:nvPr>
+            <p:ph type="body" sz="half" idx="2"/>
+          </p:nvPr>
+        </p:nvSpPr>
+        <p:spPr>
+          <a:xfrm>
+            <a:off x="913774" y="2632852"/>
+            <a:ext cx="3935689" cy="3158348"/>
           </a:xfrm>
         </p:spPr>
         <p:txBody>
           <a:bodyPr/>
           <a:lstStyle>
-            <a:lvl1pPr>
-              <a:defRPr sz="3200"/>
-            </a:lvl1pPr>
-            <a:lvl2pPr>
-              <a:defRPr sz="2800"/>
-            </a:lvl2pPr>
-            <a:lvl3pPr>
-              <a:defRPr sz="2400"/>
-            </a:lvl3pPr>
-            <a:lvl4pPr>
-              <a:defRPr sz="2000"/>
-            </a:lvl4pPr>
-            <a:lvl5pPr>
-              <a:defRPr sz="2000"/>
-            </a:lvl5pPr>
-            <a:lvl6pPr>
-              <a:defRPr sz="2000"/>
-            </a:lvl6pPr>
-            <a:lvl7pPr>
-              <a:defRPr sz="2000"/>
-            </a:lvl7pPr>
-            <a:lvl8pPr>
-              <a:defRPr sz="2000"/>
-            </a:lvl8pPr>
-            <a:lvl9pPr>
-              <a:defRPr sz="2000"/>
-            </a:lvl9pPr>
-          </a:lstStyle>
-          <a:p>
-            <a:pPr lvl="0"/>
-            <a:r>
-              <a:rPr lang="en-US" smtClean="0"/>
-              <a:t>Click to edit Master text styles</a:t>
-            </a:r>
-          </a:p>
-          <a:p>
-            <a:pPr lvl="1"/>
-            <a:r>
-              <a:rPr lang="en-US" smtClean="0"/>
-              <a:t>Second level</a:t>
-            </a:r>
-          </a:p>
-          <a:p>
-            <a:pPr lvl="2"/>
-            <a:r>
-              <a:rPr lang="en-US" smtClean="0"/>
-              <a:t>Third level</a:t>
-            </a:r>
-          </a:p>
-          <a:p>
-            <a:pPr lvl="3"/>
-            <a:r>
-              <a:rPr lang="en-US" smtClean="0"/>
-              <a:t>Fourth level</a:t>
-            </a:r>
-          </a:p>
-          <a:p>
-            <a:pPr lvl="4"/>
-            <a:r>
-              <a:rPr lang="en-US" smtClean="0"/>
-              <a:t>Fifth level</a:t>
-            </a:r>
-            <a:endParaRPr lang="en-US"/>
-          </a:p>
-        </p:txBody>
-      </p:sp>
-      <p:sp>
-        <p:nvSpPr>
-          <p:cNvPr id="4" name="Text Placeholder 3"/>
-          <p:cNvSpPr>
-            <a:spLocks noGrp="1"/>
-          </p:cNvSpPr>
-          <p:nvPr>
-            <p:ph type="body" sz="half" idx="2"/>
-          </p:nvPr>
-        </p:nvSpPr>
-        <p:spPr>
-          <a:xfrm>
-            <a:off x="839788" y="2057400"/>
-            <a:ext cx="3932237" cy="3811588"/>
-          </a:xfrm>
-        </p:spPr>
-        <p:txBody>
-          <a:bodyPr/>
-          <a:lstStyle>
-            <a:lvl1pPr marL="0" indent="0">
+            <a:lvl1pPr marL="0" indent="0" algn="ctr">
               <a:buNone/>
               <a:defRPr sz="1600"/>
             </a:lvl1pPr>
@@ -2093,7 +5128,7 @@
           <a:p>
             <a:fld id="{5C74CF76-B591-49A8-A990-0F7C4E14C2C0}" type="datetimeFigureOut">
               <a:rPr lang="en-US" smtClean="0"/>
-              <a:t>11/21/2014</a:t>
+              <a:t>11/23/2014</a:t>
             </a:fld>
             <a:endParaRPr lang="en-US"/>
           </a:p>
@@ -2144,7 +5179,7 @@
     </p:spTree>
     <p:extLst>
       <p:ext uri="{BB962C8B-B14F-4D97-AF65-F5344CB8AC3E}">
-        <p14:creationId xmlns:p14="http://schemas.microsoft.com/office/powerpoint/2010/main" val="1073353572"/>
+        <p14:creationId xmlns:p14="http://schemas.microsoft.com/office/powerpoint/2010/main" val="3215430603"/>
       </p:ext>
     </p:extLst>
   </p:cSld>
@@ -2171,6 +5206,36 @@
           <a:chExt cx="0" cy="0"/>
         </a:xfrm>
       </p:grpSpPr>
+      <p:pic>
+        <p:nvPicPr>
+          <p:cNvPr id="10" name="Picture 9" descr="Droplets-HD-Content-R1d.png"/>
+          <p:cNvPicPr>
+            <a:picLocks noChangeAspect="1"/>
+          </p:cNvPicPr>
+          <p:nvPr/>
+        </p:nvPicPr>
+        <p:blipFill>
+          <a:blip r:embed="rId2">
+            <a:extLst>
+              <a:ext uri="{28A0092B-C50C-407E-A947-70E740481C1C}">
+                <a14:useLocalDpi xmlns:a14="http://schemas.microsoft.com/office/drawing/2010/main" val="0"/>
+              </a:ext>
+            </a:extLst>
+          </a:blip>
+          <a:stretch>
+            <a:fillRect/>
+          </a:stretch>
+        </p:blipFill>
+        <p:spPr>
+          <a:xfrm>
+            <a:off x="0" y="0"/>
+            <a:ext cx="12192000" cy="6858000"/>
+          </a:xfrm>
+          <a:prstGeom prst="rect">
+            <a:avLst/>
+          </a:prstGeom>
+        </p:spPr>
+      </p:pic>
       <p:sp>
         <p:nvSpPr>
           <p:cNvPr id="2" name="Title 1"/>
@@ -2183,14 +5248,14 @@
         </p:nvSpPr>
         <p:spPr>
           <a:xfrm>
-            <a:off x="839788" y="457200"/>
-            <a:ext cx="3932237" cy="1600200"/>
+            <a:off x="913774" y="609600"/>
+            <a:ext cx="5934969" cy="2023254"/>
           </a:xfrm>
         </p:spPr>
         <p:txBody>
           <a:bodyPr anchor="b"/>
           <a:lstStyle>
-            <a:lvl1pPr>
+            <a:lvl1pPr algn="ctr">
               <a:defRPr sz="3200"/>
             </a:lvl1pPr>
           </a:lstStyle>
@@ -2199,7 +5264,7 @@
               <a:rPr lang="en-US" smtClean="0"/>
               <a:t>Click to edit Master title style</a:t>
             </a:r>
-            <a:endParaRPr lang="en-US"/>
+            <a:endParaRPr lang="en-US" dirty="0"/>
           </a:p>
         </p:txBody>
       </p:sp>
@@ -2207,7 +5272,7 @@
         <p:nvSpPr>
           <p:cNvPr id="3" name="Picture Placeholder 2"/>
           <p:cNvSpPr>
-            <a:spLocks noGrp="1"/>
+            <a:spLocks noGrp="1" noChangeAspect="1"/>
           </p:cNvSpPr>
           <p:nvPr>
             <p:ph type="pic" idx="1"/>
@@ -2215,12 +5280,37 @@
         </p:nvSpPr>
         <p:spPr>
           <a:xfrm>
-            <a:off x="5183188" y="987425"/>
-            <a:ext cx="6172200" cy="4873625"/>
-          </a:xfrm>
-        </p:spPr>
-        <p:txBody>
-          <a:bodyPr/>
+            <a:off x="7424803" y="609601"/>
+            <a:ext cx="3255358" cy="5181600"/>
+          </a:xfrm>
+          <a:prstGeom prst="roundRect">
+            <a:avLst>
+              <a:gd name="adj" fmla="val 4943"/>
+            </a:avLst>
+          </a:prstGeom>
+          <a:noFill/>
+          <a:ln w="82550" cap="sq">
+            <a:solidFill>
+              <a:srgbClr val="EAEAEA"/>
+            </a:solidFill>
+            <a:miter lim="800000"/>
+          </a:ln>
+          <a:effectLst/>
+          <a:scene3d>
+            <a:camera prst="orthographicFront"/>
+            <a:lightRig rig="threePt" dir="t">
+              <a:rot lat="0" lon="0" rev="2700000"/>
+            </a:lightRig>
+          </a:scene3d>
+          <a:sp3d contourW="6350">
+            <a:bevelT h="38100"/>
+            <a:contourClr>
+              <a:srgbClr val="C0C0C0"/>
+            </a:contourClr>
+          </a:sp3d>
+        </p:spPr>
+        <p:txBody>
+          <a:bodyPr anchor="t"/>
           <a:lstStyle>
             <a:lvl1pPr marL="0" indent="0">
               <a:buNone/>
@@ -2260,7 +5350,11 @@
             </a:lvl9pPr>
           </a:lstStyle>
           <a:p>
-            <a:endParaRPr lang="en-US"/>
+            <a:r>
+              <a:rPr lang="en-US" smtClean="0"/>
+              <a:t>Click icon to add picture</a:t>
+            </a:r>
+            <a:endParaRPr lang="en-US" dirty="0"/>
           </a:p>
         </p:txBody>
       </p:sp>
@@ -2276,14 +5370,14 @@
         </p:nvSpPr>
         <p:spPr>
           <a:xfrm>
-            <a:off x="839788" y="2057400"/>
-            <a:ext cx="3932237" cy="3811588"/>
+            <a:off x="913794" y="2632852"/>
+            <a:ext cx="5934949" cy="3158347"/>
           </a:xfrm>
         </p:spPr>
         <p:txBody>
           <a:bodyPr/>
           <a:lstStyle>
-            <a:lvl1pPr marL="0" indent="0">
+            <a:lvl1pPr marL="0" indent="0" algn="ctr">
               <a:buNone/>
               <a:defRPr sz="1600"/>
             </a:lvl1pPr>
@@ -2346,7 +5440,7 @@
           <a:p>
             <a:fld id="{5C74CF76-B591-49A8-A990-0F7C4E14C2C0}" type="datetimeFigureOut">
               <a:rPr lang="en-US" smtClean="0"/>
-              <a:t>11/21/2014</a:t>
+              <a:t>11/23/2014</a:t>
             </a:fld>
             <a:endParaRPr lang="en-US"/>
           </a:p>
@@ -2397,7 +5491,7 @@
     </p:spTree>
     <p:extLst>
       <p:ext uri="{BB962C8B-B14F-4D97-AF65-F5344CB8AC3E}">
-        <p14:creationId xmlns:p14="http://schemas.microsoft.com/office/powerpoint/2010/main" val="291821427"/>
+        <p14:creationId xmlns:p14="http://schemas.microsoft.com/office/powerpoint/2010/main" val="2760179283"/>
       </p:ext>
     </p:extLst>
   </p:cSld>
@@ -2411,7 +5505,7 @@
 <p:sldMaster xmlns:a="http://schemas.openxmlformats.org/drawingml/2006/main" xmlns:r="http://schemas.openxmlformats.org/officeDocument/2006/relationships" xmlns:p="http://schemas.openxmlformats.org/presentationml/2006/main">
   <p:cSld>
     <p:bg>
-      <p:bgRef idx="1001">
+      <p:bgRef idx="1002">
         <a:schemeClr val="bg1"/>
       </p:bgRef>
     </p:bg>
@@ -2429,24 +5523,66 @@
           <a:chExt cx="0" cy="0"/>
         </a:xfrm>
       </p:grpSpPr>
-      <p:sp>
-        <p:nvSpPr>
-          <p:cNvPr id="2" name="Title Placeholder 1"/>
-          <p:cNvSpPr>
-            <a:spLocks noGrp="1"/>
-          </p:cNvSpPr>
-          <p:nvPr>
-            <p:ph type="title"/>
-          </p:nvPr>
-        </p:nvSpPr>
-        <p:spPr>
-          <a:xfrm>
-            <a:off x="838200" y="365125"/>
-            <a:ext cx="10515600" cy="1325563"/>
+      <p:pic>
+        <p:nvPicPr>
+          <p:cNvPr id="1026" name="Picture 2" descr="\\DROBO-FS\QuickDrops\JB\PPTX NG\Droplets\LightingOverlay.png"/>
+          <p:cNvPicPr>
+            <a:picLocks noChangeAspect="1" noChangeArrowheads="1"/>
+          </p:cNvPicPr>
+          <p:nvPr/>
+        </p:nvPicPr>
+        <p:blipFill>
+          <a:blip r:embed="rId19">
+            <a:alphaModFix/>
+            <a:extLst>
+              <a:ext uri="{28A0092B-C50C-407E-A947-70E740481C1C}">
+                <a14:useLocalDpi xmlns:a14="http://schemas.microsoft.com/office/drawing/2010/main" val="0"/>
+              </a:ext>
+            </a:extLst>
+          </a:blip>
+          <a:srcRect/>
+          <a:stretch>
+            <a:fillRect/>
+          </a:stretch>
+        </p:blipFill>
+        <p:spPr bwMode="auto">
+          <a:xfrm>
+            <a:off x="0" y="-1"/>
+            <a:ext cx="12192003" cy="6858001"/>
           </a:xfrm>
           <a:prstGeom prst="rect">
             <a:avLst/>
           </a:prstGeom>
+          <a:noFill/>
+          <a:extLst>
+            <a:ext uri="{909E8E84-426E-40DD-AFC4-6F175D3DCCD1}">
+              <a14:hiddenFill xmlns:a14="http://schemas.microsoft.com/office/drawing/2010/main">
+                <a:solidFill>
+                  <a:srgbClr val="FFFFFF"/>
+                </a:solidFill>
+              </a14:hiddenFill>
+            </a:ext>
+          </a:extLst>
+        </p:spPr>
+      </p:pic>
+      <p:sp>
+        <p:nvSpPr>
+          <p:cNvPr id="2" name="Title Placeholder 1"/>
+          <p:cNvSpPr>
+            <a:spLocks noGrp="1"/>
+          </p:cNvSpPr>
+          <p:nvPr>
+            <p:ph type="title"/>
+          </p:nvPr>
+        </p:nvSpPr>
+        <p:spPr>
+          <a:xfrm>
+            <a:off x="913775" y="618517"/>
+            <a:ext cx="10364451" cy="1596177"/>
+          </a:xfrm>
+          <a:prstGeom prst="rect">
+            <a:avLst/>
+          </a:prstGeom>
         </p:spPr>
         <p:txBody>
           <a:bodyPr vert="horz" lIns="91440" tIns="45720" rIns="91440" bIns="45720" rtlCol="0" anchor="ctr">
@@ -2458,7 +5594,7 @@
               <a:rPr lang="en-US" smtClean="0"/>
               <a:t>Click to edit Master title style</a:t>
             </a:r>
-            <a:endParaRPr lang="en-US"/>
+            <a:endParaRPr lang="en-US" dirty="0"/>
           </a:p>
         </p:txBody>
       </p:sp>
@@ -2474,8 +5610,8 @@
         </p:nvSpPr>
         <p:spPr>
           <a:xfrm>
-            <a:off x="838200" y="1825625"/>
-            <a:ext cx="10515600" cy="4351338"/>
+            <a:off x="913775" y="2367093"/>
+            <a:ext cx="10364452" cy="3424107"/>
           </a:xfrm>
           <a:prstGeom prst="rect">
             <a:avLst/>
@@ -2520,7 +5656,7 @@
               <a:rPr lang="en-US" smtClean="0"/>
               <a:t>Fifth level</a:t>
             </a:r>
-            <a:endParaRPr lang="en-US"/>
+            <a:endParaRPr lang="en-US" dirty="0"/>
           </a:p>
         </p:txBody>
       </p:sp>
@@ -2536,7 +5672,7 @@
         </p:nvSpPr>
         <p:spPr>
           <a:xfrm>
-            <a:off x="838200" y="6356350"/>
+            <a:off x="7678737" y="5883275"/>
             <a:ext cx="2743200" cy="365125"/>
           </a:xfrm>
           <a:prstGeom prst="rect">
@@ -2546,12 +5682,10 @@
         <p:txBody>
           <a:bodyPr vert="horz" lIns="91440" tIns="45720" rIns="91440" bIns="45720" rtlCol="0" anchor="ctr"/>
           <a:lstStyle>
-            <a:lvl1pPr algn="l">
-              <a:defRPr sz="1200">
+            <a:lvl1pPr algn="r">
+              <a:defRPr sz="1000">
                 <a:solidFill>
-                  <a:schemeClr val="tx1">
-                    <a:tint val="75000"/>
-                  </a:schemeClr>
+                  <a:schemeClr val="tx1"/>
                 </a:solidFill>
               </a:defRPr>
             </a:lvl1pPr>
@@ -2559,7 +5693,7 @@
           <a:p>
             <a:fld id="{5C74CF76-B591-49A8-A990-0F7C4E14C2C0}" type="datetimeFigureOut">
               <a:rPr lang="en-US" smtClean="0"/>
-              <a:t>11/21/2014</a:t>
+              <a:t>11/23/2014</a:t>
             </a:fld>
             <a:endParaRPr lang="en-US"/>
           </a:p>
@@ -2577,8 +5711,8 @@
         </p:nvSpPr>
         <p:spPr>
           <a:xfrm>
-            <a:off x="4038600" y="6356350"/>
-            <a:ext cx="4114800" cy="365125"/>
+            <a:off x="913774" y="5883275"/>
+            <a:ext cx="6672887" cy="365125"/>
           </a:xfrm>
           <a:prstGeom prst="rect">
             <a:avLst/>
@@ -2587,12 +5721,10 @@
         <p:txBody>
           <a:bodyPr vert="horz" lIns="91440" tIns="45720" rIns="91440" bIns="45720" rtlCol="0" anchor="ctr"/>
           <a:lstStyle>
-            <a:lvl1pPr algn="ctr">
-              <a:defRPr sz="1200">
+            <a:lvl1pPr algn="l">
+              <a:defRPr sz="1000">
                 <a:solidFill>
-                  <a:schemeClr val="tx1">
-                    <a:tint val="75000"/>
-                  </a:schemeClr>
+                  <a:schemeClr val="tx1"/>
                 </a:solidFill>
               </a:defRPr>
             </a:lvl1pPr>
@@ -2614,8 +5746,8 @@
         </p:nvSpPr>
         <p:spPr>
           <a:xfrm>
-            <a:off x="8610600" y="6356350"/>
-            <a:ext cx="2743200" cy="365125"/>
+            <a:off x="10514011" y="5883275"/>
+            <a:ext cx="764215" cy="365125"/>
           </a:xfrm>
           <a:prstGeom prst="rect">
             <a:avLst/>
@@ -2625,11 +5757,9 @@
           <a:bodyPr vert="horz" lIns="91440" tIns="45720" rIns="91440" bIns="45720" rtlCol="0" anchor="ctr"/>
           <a:lstStyle>
             <a:lvl1pPr algn="r">
-              <a:defRPr sz="1200">
+              <a:defRPr sz="1000">
                 <a:solidFill>
-                  <a:schemeClr val="tx1">
-                    <a:tint val="75000"/>
-                  </a:schemeClr>
+                  <a:schemeClr val="tx1"/>
                 </a:solidFill>
               </a:defRPr>
             </a:lvl1pPr>
@@ -2646,27 +5776,33 @@
     </p:spTree>
     <p:extLst>
       <p:ext uri="{BB962C8B-B14F-4D97-AF65-F5344CB8AC3E}">
-        <p14:creationId xmlns:p14="http://schemas.microsoft.com/office/powerpoint/2010/main" val="2388524265"/>
+        <p14:creationId xmlns:p14="http://schemas.microsoft.com/office/powerpoint/2010/main" val="3771360911"/>
       </p:ext>
     </p:extLst>
   </p:cSld>
   <p:clrMap bg1="lt1" tx1="dk1" bg2="lt2" tx2="dk2" accent1="accent1" accent2="accent2" accent3="accent3" accent4="accent4" accent5="accent5" accent6="accent6" hlink="hlink" folHlink="folHlink"/>
   <p:sldLayoutIdLst>
-    <p:sldLayoutId id="2147483649" r:id="rId1"/>
-    <p:sldLayoutId id="2147483650" r:id="rId2"/>
-    <p:sldLayoutId id="2147483651" r:id="rId3"/>
-    <p:sldLayoutId id="2147483652" r:id="rId4"/>
-    <p:sldLayoutId id="2147483653" r:id="rId5"/>
-    <p:sldLayoutId id="2147483654" r:id="rId6"/>
-    <p:sldLayoutId id="2147483655" r:id="rId7"/>
-    <p:sldLayoutId id="2147483656" r:id="rId8"/>
-    <p:sldLayoutId id="2147483657" r:id="rId9"/>
-    <p:sldLayoutId id="2147483658" r:id="rId10"/>
-    <p:sldLayoutId id="2147483659" r:id="rId11"/>
+    <p:sldLayoutId id="2147483661" r:id="rId1"/>
+    <p:sldLayoutId id="2147483662" r:id="rId2"/>
+    <p:sldLayoutId id="2147483663" r:id="rId3"/>
+    <p:sldLayoutId id="2147483664" r:id="rId4"/>
+    <p:sldLayoutId id="2147483665" r:id="rId5"/>
+    <p:sldLayoutId id="2147483666" r:id="rId6"/>
+    <p:sldLayoutId id="2147483667" r:id="rId7"/>
+    <p:sldLayoutId id="2147483668" r:id="rId8"/>
+    <p:sldLayoutId id="2147483669" r:id="rId9"/>
+    <p:sldLayoutId id="2147483670" r:id="rId10"/>
+    <p:sldLayoutId id="2147483671" r:id="rId11"/>
+    <p:sldLayoutId id="2147483672" r:id="rId12"/>
+    <p:sldLayoutId id="2147483673" r:id="rId13"/>
+    <p:sldLayoutId id="2147483674" r:id="rId14"/>
+    <p:sldLayoutId id="2147483675" r:id="rId15"/>
+    <p:sldLayoutId id="2147483676" r:id="rId16"/>
+    <p:sldLayoutId id="2147483677" r:id="rId17"/>
   </p:sldLayoutIdLst>
   <p:txStyles>
     <p:titleStyle>
-      <a:lvl1pPr algn="l" defTabSz="914400" rtl="0" eaLnBrk="1" latinLnBrk="0" hangingPunct="1">
+      <a:lvl1pPr algn="ctr" defTabSz="914400" rtl="0" eaLnBrk="1" latinLnBrk="0" hangingPunct="1">
         <a:lnSpc>
           <a:spcPct val="90000"/>
         </a:lnSpc>
@@ -2674,10 +5810,11 @@
           <a:spcPct val="0"/>
         </a:spcBef>
         <a:buNone/>
-        <a:defRPr sz="4400" kern="1200">
+        <a:defRPr sz="3600" kern="1200" cap="all" baseline="0">
           <a:solidFill>
             <a:schemeClr val="tx1"/>
           </a:solidFill>
+          <a:effectLst/>
           <a:latin typeface="+mj-lt"/>
           <a:ea typeface="+mj-ea"/>
           <a:cs typeface="+mj-cs"/>
@@ -2687,17 +5824,21 @@
     <p:bodyStyle>
       <a:lvl1pPr marL="228600" indent="-228600" algn="l" defTabSz="914400" rtl="0" eaLnBrk="1" latinLnBrk="0" hangingPunct="1">
         <a:lnSpc>
-          <a:spcPct val="90000"/>
+          <a:spcPct val="120000"/>
         </a:lnSpc>
         <a:spcBef>
           <a:spcPts val="1000"/>
         </a:spcBef>
+        <a:buClr>
+          <a:schemeClr val="tx1"/>
+        </a:buClr>
         <a:buFont typeface="Arial" panose="020B0604020202020204" pitchFamily="34" charset="0"/>
         <a:buChar char="•"/>
-        <a:defRPr sz="2800" kern="1200">
+        <a:defRPr sz="2000" kern="1200" cap="all" baseline="0">
           <a:solidFill>
             <a:schemeClr val="tx1"/>
           </a:solidFill>
+          <a:effectLst/>
           <a:latin typeface="+mn-lt"/>
           <a:ea typeface="+mn-ea"/>
           <a:cs typeface="+mn-cs"/>
@@ -2705,17 +5846,21 @@
       </a:lvl1pPr>
       <a:lvl2pPr marL="685800" indent="-228600" algn="l" defTabSz="914400" rtl="0" eaLnBrk="1" latinLnBrk="0" hangingPunct="1">
         <a:lnSpc>
-          <a:spcPct val="90000"/>
+          <a:spcPct val="120000"/>
         </a:lnSpc>
         <a:spcBef>
           <a:spcPts val="500"/>
         </a:spcBef>
+        <a:buClr>
+          <a:schemeClr val="tx1"/>
+        </a:buClr>
         <a:buFont typeface="Arial" panose="020B0604020202020204" pitchFamily="34" charset="0"/>
         <a:buChar char="•"/>
-        <a:defRPr sz="2400" kern="1200">
+        <a:defRPr sz="1800" kern="1200" cap="all" baseline="0">
           <a:solidFill>
             <a:schemeClr val="tx1"/>
           </a:solidFill>
+          <a:effectLst/>
           <a:latin typeface="+mn-lt"/>
           <a:ea typeface="+mn-ea"/>
           <a:cs typeface="+mn-cs"/>
@@ -2723,17 +5868,21 @@
       </a:lvl2pPr>
       <a:lvl3pPr marL="1143000" indent="-228600" algn="l" defTabSz="914400" rtl="0" eaLnBrk="1" latinLnBrk="0" hangingPunct="1">
         <a:lnSpc>
-          <a:spcPct val="90000"/>
+          <a:spcPct val="120000"/>
         </a:lnSpc>
         <a:spcBef>
           <a:spcPts val="500"/>
         </a:spcBef>
+        <a:buClr>
+          <a:schemeClr val="tx1"/>
+        </a:buClr>
         <a:buFont typeface="Arial" panose="020B0604020202020204" pitchFamily="34" charset="0"/>
         <a:buChar char="•"/>
-        <a:defRPr sz="2000" kern="1200">
+        <a:defRPr sz="1600" kern="1200" cap="all" baseline="0">
           <a:solidFill>
             <a:schemeClr val="tx1"/>
           </a:solidFill>
+          <a:effectLst/>
           <a:latin typeface="+mn-lt"/>
           <a:ea typeface="+mn-ea"/>
           <a:cs typeface="+mn-cs"/>
@@ -2741,17 +5890,21 @@
       </a:lvl3pPr>
       <a:lvl4pPr marL="1600200" indent="-228600" algn="l" defTabSz="914400" rtl="0" eaLnBrk="1" latinLnBrk="0" hangingPunct="1">
         <a:lnSpc>
-          <a:spcPct val="90000"/>
+          <a:spcPct val="120000"/>
         </a:lnSpc>
         <a:spcBef>
           <a:spcPts val="500"/>
         </a:spcBef>
+        <a:buClr>
+          <a:schemeClr val="tx1"/>
+        </a:buClr>
         <a:buFont typeface="Arial" panose="020B0604020202020204" pitchFamily="34" charset="0"/>
         <a:buChar char="•"/>
-        <a:defRPr sz="1800" kern="1200">
+        <a:defRPr sz="1400" kern="1200" cap="all" baseline="0">
           <a:solidFill>
             <a:schemeClr val="tx1"/>
           </a:solidFill>
+          <a:effectLst/>
           <a:latin typeface="+mn-lt"/>
           <a:ea typeface="+mn-ea"/>
           <a:cs typeface="+mn-cs"/>
@@ -2759,17 +5912,21 @@
       </a:lvl4pPr>
       <a:lvl5pPr marL="2057400" indent="-228600" algn="l" defTabSz="914400" rtl="0" eaLnBrk="1" latinLnBrk="0" hangingPunct="1">
         <a:lnSpc>
-          <a:spcPct val="90000"/>
+          <a:spcPct val="120000"/>
         </a:lnSpc>
         <a:spcBef>
           <a:spcPts val="500"/>
         </a:spcBef>
+        <a:buClr>
+          <a:schemeClr val="tx1"/>
+        </a:buClr>
         <a:buFont typeface="Arial" panose="020B0604020202020204" pitchFamily="34" charset="0"/>
         <a:buChar char="•"/>
-        <a:defRPr sz="1800" kern="1200">
+        <a:defRPr sz="1400" kern="1200" cap="all" baseline="0">
           <a:solidFill>
             <a:schemeClr val="tx1"/>
           </a:solidFill>
+          <a:effectLst/>
           <a:latin typeface="+mn-lt"/>
           <a:ea typeface="+mn-ea"/>
           <a:cs typeface="+mn-cs"/>
@@ -2777,17 +5934,21 @@
       </a:lvl5pPr>
       <a:lvl6pPr marL="2514600" indent="-228600" algn="l" defTabSz="914400" rtl="0" eaLnBrk="1" latinLnBrk="0" hangingPunct="1">
         <a:lnSpc>
-          <a:spcPct val="90000"/>
+          <a:spcPct val="120000"/>
         </a:lnSpc>
         <a:spcBef>
           <a:spcPts val="500"/>
         </a:spcBef>
+        <a:buClr>
+          <a:schemeClr val="tx1"/>
+        </a:buClr>
         <a:buFont typeface="Arial" panose="020B0604020202020204" pitchFamily="34" charset="0"/>
         <a:buChar char="•"/>
-        <a:defRPr sz="1800" kern="1200">
+        <a:defRPr sz="1400" kern="1200" cap="all" baseline="0">
           <a:solidFill>
             <a:schemeClr val="tx1"/>
           </a:solidFill>
+          <a:effectLst/>
           <a:latin typeface="+mn-lt"/>
           <a:ea typeface="+mn-ea"/>
           <a:cs typeface="+mn-cs"/>
@@ -2795,17 +5956,21 @@
       </a:lvl6pPr>
       <a:lvl7pPr marL="2971800" indent="-228600" algn="l" defTabSz="914400" rtl="0" eaLnBrk="1" latinLnBrk="0" hangingPunct="1">
         <a:lnSpc>
-          <a:spcPct val="90000"/>
+          <a:spcPct val="120000"/>
         </a:lnSpc>
         <a:spcBef>
           <a:spcPts val="500"/>
         </a:spcBef>
+        <a:buClr>
+          <a:schemeClr val="tx1"/>
+        </a:buClr>
         <a:buFont typeface="Arial" panose="020B0604020202020204" pitchFamily="34" charset="0"/>
         <a:buChar char="•"/>
-        <a:defRPr sz="1800" kern="1200">
+        <a:defRPr sz="1400" kern="1200" cap="all" baseline="0">
           <a:solidFill>
             <a:schemeClr val="tx1"/>
           </a:solidFill>
+          <a:effectLst/>
           <a:latin typeface="+mn-lt"/>
           <a:ea typeface="+mn-ea"/>
           <a:cs typeface="+mn-cs"/>
@@ -2813,17 +5978,21 @@
       </a:lvl7pPr>
       <a:lvl8pPr marL="3429000" indent="-228600" algn="l" defTabSz="914400" rtl="0" eaLnBrk="1" latinLnBrk="0" hangingPunct="1">
         <a:lnSpc>
-          <a:spcPct val="90000"/>
+          <a:spcPct val="120000"/>
         </a:lnSpc>
         <a:spcBef>
           <a:spcPts val="500"/>
         </a:spcBef>
+        <a:buClr>
+          <a:schemeClr val="tx1"/>
+        </a:buClr>
         <a:buFont typeface="Arial" panose="020B0604020202020204" pitchFamily="34" charset="0"/>
         <a:buChar char="•"/>
-        <a:defRPr sz="1800" kern="1200">
+        <a:defRPr sz="1400" kern="1200" cap="all" baseline="0">
           <a:solidFill>
             <a:schemeClr val="tx1"/>
           </a:solidFill>
+          <a:effectLst/>
           <a:latin typeface="+mn-lt"/>
           <a:ea typeface="+mn-ea"/>
           <a:cs typeface="+mn-cs"/>
@@ -2831,17 +6000,21 @@
       </a:lvl8pPr>
       <a:lvl9pPr marL="3886200" indent="-228600" algn="l" defTabSz="914400" rtl="0" eaLnBrk="1" latinLnBrk="0" hangingPunct="1">
         <a:lnSpc>
-          <a:spcPct val="90000"/>
+          <a:spcPct val="120000"/>
         </a:lnSpc>
         <a:spcBef>
           <a:spcPts val="500"/>
         </a:spcBef>
+        <a:buClr>
+          <a:schemeClr val="tx1"/>
+        </a:buClr>
         <a:buFont typeface="Arial" panose="020B0604020202020204" pitchFamily="34" charset="0"/>
         <a:buChar char="•"/>
-        <a:defRPr sz="1800" kern="1200">
+        <a:defRPr sz="1400" kern="1200" cap="all" baseline="0">
           <a:solidFill>
             <a:schemeClr val="tx1"/>
           </a:solidFill>
+          <a:effectLst/>
           <a:latin typeface="+mn-lt"/>
           <a:ea typeface="+mn-ea"/>
           <a:cs typeface="+mn-cs"/>
@@ -2980,8 +6153,16 @@
           <a:lstStyle/>
           <a:p>
             <a:r>
-              <a:rPr lang="en-US" dirty="0" err="1" smtClean="0"/>
-              <a:t>fasdf</a:t>
+              <a:rPr lang="bg-BG" dirty="0" err="1" smtClean="0"/>
+              <a:t>ОСнови</a:t>
+            </a:r>
+            <a:r>
+              <a:rPr lang="bg-BG" dirty="0" smtClean="0"/>
+              <a:t> на езика </a:t>
+            </a:r>
+            <a:r>
+              <a:rPr lang="en-US" dirty="0" smtClean="0"/>
+              <a:t>PHP</a:t>
             </a:r>
             <a:endParaRPr lang="en-US" dirty="0"/>
           </a:p>
@@ -2997,11 +6178,20 @@
             <p:ph type="subTitle" idx="1"/>
           </p:nvPr>
         </p:nvSpPr>
-        <p:spPr/>
-        <p:txBody>
-          <a:bodyPr/>
-          <a:lstStyle/>
-          <a:p>
+        <p:spPr>
+          <a:xfrm>
+            <a:off x="6120714" y="3886200"/>
+            <a:ext cx="4320274" cy="1371599"/>
+          </a:xfrm>
+        </p:spPr>
+        <p:txBody>
+          <a:bodyPr/>
+          <a:lstStyle/>
+          <a:p>
+            <a:r>
+              <a:rPr lang="bg-BG" dirty="0" smtClean="0"/>
+              <a:t>ЧАСТ ВТОРА</a:t>
+            </a:r>
             <a:endParaRPr lang="en-US" dirty="0"/>
           </a:p>
         </p:txBody>
@@ -3027,9 +6217,9 @@
 </file>
 
 <file path=ppt/theme/theme1.xml><?xml version="1.0" encoding="utf-8"?>
-<a:theme xmlns:a="http://schemas.openxmlformats.org/drawingml/2006/main" name="Office Theme">
+<a:theme xmlns:a="http://schemas.openxmlformats.org/drawingml/2006/main" name="Droplet">
   <a:themeElements>
-    <a:clrScheme name="Office">
+    <a:clrScheme name="Droplet">
       <a:dk1>
         <a:sysClr val="windowText" lastClr="000000"/>
       </a:dk1>
@@ -3037,39 +6227,39 @@
         <a:sysClr val="window" lastClr="FFFFFF"/>
       </a:lt1>
       <a:dk2>
-        <a:srgbClr val="44546A"/>
+        <a:srgbClr val="355071"/>
       </a:dk2>
       <a:lt2>
-        <a:srgbClr val="E7E6E6"/>
+        <a:srgbClr val="AABED7"/>
       </a:lt2>
       <a:accent1>
-        <a:srgbClr val="5B9BD5"/>
+        <a:srgbClr val="2FA3EE"/>
       </a:accent1>
       <a:accent2>
-        <a:srgbClr val="ED7D31"/>
+        <a:srgbClr val="4BCAAD"/>
       </a:accent2>
       <a:accent3>
-        <a:srgbClr val="A5A5A5"/>
+        <a:srgbClr val="86C157"/>
       </a:accent3>
       <a:accent4>
-        <a:srgbClr val="FFC000"/>
+        <a:srgbClr val="D99C3F"/>
       </a:accent4>
       <a:accent5>
-        <a:srgbClr val="4472C4"/>
+        <a:srgbClr val="CE6633"/>
       </a:accent5>
       <a:accent6>
-        <a:srgbClr val="70AD47"/>
+        <a:srgbClr val="A35DD1"/>
       </a:accent6>
       <a:hlink>
-        <a:srgbClr val="0563C1"/>
+        <a:srgbClr val="56BCFE"/>
       </a:hlink>
       <a:folHlink>
-        <a:srgbClr val="954F72"/>
+        <a:srgbClr val="97C5E3"/>
       </a:folHlink>
     </a:clrScheme>
-    <a:fontScheme name="Office">
+    <a:fontScheme name="Droplet">
       <a:majorFont>
-        <a:latin typeface="Calibri Light" panose="020F0302020204030204"/>
+        <a:latin typeface="Tw Cen MT" panose="020B0602020104020603"/>
         <a:ea typeface=""/>
         <a:cs typeface=""/>
         <a:font script="Jpan" typeface="ＭＳ Ｐゴシック"/>
@@ -3104,7 +6294,7 @@
         <a:font script="Geor" typeface="Sylfaen"/>
       </a:majorFont>
       <a:minorFont>
-        <a:latin typeface="Calibri" panose="020F0502020204030204"/>
+        <a:latin typeface="Tw Cen MT" panose="020B0602020104020603"/>
         <a:ea typeface=""/>
         <a:cs typeface=""/>
         <a:font script="Jpan" typeface="ＭＳ Ｐゴシック"/>
@@ -3139,8 +6329,103 @@
         <a:font script="Geor" typeface="Sylfaen"/>
       </a:minorFont>
     </a:fontScheme>
-    <a:fmtScheme name="Office">
+    <a:fmtScheme name="Droplet">
       <a:fillStyleLst>
+        <a:solidFill>
+          <a:schemeClr val="phClr"/>
+        </a:solidFill>
+        <a:solidFill>
+          <a:schemeClr val="phClr">
+            <a:tint val="69000"/>
+            <a:satMod val="105000"/>
+            <a:lumMod val="110000"/>
+          </a:schemeClr>
+        </a:solidFill>
+        <a:gradFill rotWithShape="1">
+          <a:gsLst>
+            <a:gs pos="0">
+              <a:schemeClr val="phClr">
+                <a:tint val="94000"/>
+                <a:satMod val="100000"/>
+                <a:lumMod val="108000"/>
+              </a:schemeClr>
+            </a:gs>
+            <a:gs pos="50000">
+              <a:schemeClr val="phClr">
+                <a:tint val="98000"/>
+                <a:shade val="100000"/>
+                <a:satMod val="100000"/>
+                <a:lumMod val="100000"/>
+              </a:schemeClr>
+            </a:gs>
+            <a:gs pos="100000">
+              <a:schemeClr val="phClr">
+                <a:shade val="72000"/>
+                <a:satMod val="120000"/>
+                <a:lumMod val="100000"/>
+              </a:schemeClr>
+            </a:gs>
+          </a:gsLst>
+          <a:lin ang="5400000" scaled="0"/>
+        </a:gradFill>
+      </a:fillStyleLst>
+      <a:lnStyleLst>
+        <a:ln w="9525" cap="flat" cmpd="sng" algn="ctr">
+          <a:solidFill>
+            <a:schemeClr val="phClr">
+              <a:shade val="60000"/>
+            </a:schemeClr>
+          </a:solidFill>
+          <a:prstDash val="solid"/>
+        </a:ln>
+        <a:ln w="15875" cap="flat" cmpd="sng" algn="ctr">
+          <a:solidFill>
+            <a:schemeClr val="phClr"/>
+          </a:solidFill>
+          <a:prstDash val="solid"/>
+        </a:ln>
+        <a:ln w="22225" cap="flat" cmpd="sng" algn="ctr">
+          <a:solidFill>
+            <a:schemeClr val="phClr"/>
+          </a:solidFill>
+          <a:prstDash val="solid"/>
+        </a:ln>
+      </a:lnStyleLst>
+      <a:effectStyleLst>
+        <a:effectStyle>
+          <a:effectLst/>
+        </a:effectStyle>
+        <a:effectStyle>
+          <a:effectLst>
+            <a:outerShdw blurRad="50800" dist="25400" dir="5400000" rotWithShape="0">
+              <a:srgbClr val="000000">
+                <a:alpha val="28000"/>
+              </a:srgbClr>
+            </a:outerShdw>
+          </a:effectLst>
+        </a:effectStyle>
+        <a:effectStyle>
+          <a:effectLst>
+            <a:outerShdw blurRad="63500" dist="25400" dir="5400000" algn="ctr" rotWithShape="0">
+              <a:srgbClr val="000000">
+                <a:alpha val="69000"/>
+              </a:srgbClr>
+            </a:outerShdw>
+          </a:effectLst>
+          <a:scene3d>
+            <a:camera prst="orthographicFront">
+              <a:rot lat="0" lon="0" rev="0"/>
+            </a:camera>
+            <a:lightRig rig="balanced" dir="t">
+              <a:rot lat="0" lon="0" rev="1200000"/>
+            </a:lightRig>
+          </a:scene3d>
+          <a:sp3d prstMaterial="plastic">
+            <a:bevelT w="25400" h="25400"/>
+          </a:sp3d>
+        </a:effectStyle>
+      </a:effectStyleLst>
+      <a:bgFillStyleLst>
         <a:solidFill>
           <a:schemeClr val="phClr"/>
         </a:solidFill>
@@ -3148,23 +6433,14 @@
           <a:gsLst>
             <a:gs pos="0">
               <a:schemeClr val="phClr">
+                <a:tint val="90000"/>
                 <a:lumMod val="110000"/>
-                <a:satMod val="105000"/>
-                <a:tint val="67000"/>
-              </a:schemeClr>
-            </a:gs>
-            <a:gs pos="50000">
-              <a:schemeClr val="phClr">
-                <a:lumMod val="105000"/>
-                <a:satMod val="103000"/>
-                <a:tint val="73000"/>
               </a:schemeClr>
             </a:gs>
             <a:gs pos="100000">
               <a:schemeClr val="phClr">
-                <a:lumMod val="105000"/>
-                <a:satMod val="109000"/>
-                <a:tint val="81000"/>
+                <a:shade val="64000"/>
+                <a:lumMod val="88000"/>
               </a:schemeClr>
             </a:gs>
           </a:gsLst>
@@ -3174,101 +6450,18 @@
           <a:gsLst>
             <a:gs pos="0">
               <a:schemeClr val="phClr">
-                <a:satMod val="103000"/>
-                <a:lumMod val="102000"/>
-                <a:tint val="94000"/>
-              </a:schemeClr>
-            </a:gs>
-            <a:gs pos="50000">
-              <a:schemeClr val="phClr">
-                <a:satMod val="110000"/>
-                <a:lumMod val="100000"/>
+                <a:tint val="84000"/>
                 <a:shade val="100000"/>
+                <a:hueMod val="130000"/>
+                <a:satMod val="150000"/>
+                <a:lumMod val="112000"/>
               </a:schemeClr>
             </a:gs>
             <a:gs pos="100000">
               <a:schemeClr val="phClr">
-                <a:lumMod val="99000"/>
-                <a:satMod val="120000"/>
-                <a:shade val="78000"/>
-              </a:schemeClr>
-            </a:gs>
-          </a:gsLst>
-          <a:lin ang="5400000" scaled="0"/>
-        </a:gradFill>
-      </a:fillStyleLst>
-      <a:lnStyleLst>
-        <a:ln w="6350" cap="flat" cmpd="sng" algn="ctr">
-          <a:solidFill>
-            <a:schemeClr val="phClr"/>
-          </a:solidFill>
-          <a:prstDash val="solid"/>
-          <a:miter lim="800000"/>
-        </a:ln>
-        <a:ln w="12700" cap="flat" cmpd="sng" algn="ctr">
-          <a:solidFill>
-            <a:schemeClr val="phClr"/>
-          </a:solidFill>
-          <a:prstDash val="solid"/>
-          <a:miter lim="800000"/>
-        </a:ln>
-        <a:ln w="19050" cap="flat" cmpd="sng" algn="ctr">
-          <a:solidFill>
-            <a:schemeClr val="phClr"/>
-          </a:solidFill>
-          <a:prstDash val="solid"/>
-          <a:miter lim="800000"/>
-        </a:ln>
-      </a:lnStyleLst>
-      <a:effectStyleLst>
-        <a:effectStyle>
-          <a:effectLst/>
-        </a:effectStyle>
-        <a:effectStyle>
-          <a:effectLst/>
-        </a:effectStyle>
-        <a:effectStyle>
-          <a:effectLst>
-            <a:outerShdw blurRad="57150" dist="19050" dir="5400000" algn="ctr" rotWithShape="0">
-              <a:srgbClr val="000000">
-                <a:alpha val="63000"/>
-              </a:srgbClr>
-            </a:outerShdw>
-          </a:effectLst>
-        </a:effectStyle>
-      </a:effectStyleLst>
-      <a:bgFillStyleLst>
-        <a:solidFill>
-          <a:schemeClr val="phClr"/>
-        </a:solidFill>
-        <a:solidFill>
-          <a:schemeClr val="phClr">
-            <a:tint val="95000"/>
-            <a:satMod val="170000"/>
-          </a:schemeClr>
-        </a:solidFill>
-        <a:gradFill rotWithShape="1">
-          <a:gsLst>
-            <a:gs pos="0">
-              <a:schemeClr val="phClr">
-                <a:tint val="93000"/>
-                <a:satMod val="150000"/>
-                <a:shade val="98000"/>
-                <a:lumMod val="102000"/>
-              </a:schemeClr>
-            </a:gs>
-            <a:gs pos="50000">
-              <a:schemeClr val="phClr">
-                <a:tint val="98000"/>
-                <a:satMod val="130000"/>
-                <a:shade val="90000"/>
-                <a:lumMod val="103000"/>
-              </a:schemeClr>
-            </a:gs>
-            <a:gs pos="100000">
-              <a:schemeClr val="phClr">
-                <a:shade val="63000"/>
-                <a:satMod val="120000"/>
+                <a:shade val="92000"/>
+                <a:satMod val="140000"/>
+                <a:lumMod val="110000"/>
               </a:schemeClr>
             </a:gs>
           </a:gsLst>
@@ -3281,7 +6474,7 @@
   <a:extraClrSchemeLst/>
   <a:extLst>
     <a:ext uri="{05A4C25C-085E-4340-85A3-A5531E510DB2}">
-      <thm15:themeFamily xmlns:thm15="http://schemas.microsoft.com/office/thememl/2012/main" name="Office Theme" id="{62F939B6-93AF-4DB8-9C6B-D6C7DFDC589F}" vid="{4A3C46E8-61CC-4603-A589-7422A47A8E4A}"/>
+      <thm15:themeFamily xmlns:thm15="http://schemas.microsoft.com/office/thememl/2012/main" name="Droplet" id="{8984A317-299A-4E50-B45D-BFC9EDE2337A}" vid="{A633B6A3-9E7F-4C10-9C98-2517A3134361}"/>
     </a:ext>
   </a:extLst>
 </a:theme>

--- a/05.php-basics-2.pptx
+++ b/05.php-basics-2.pptx
@@ -6,6 +6,28 @@
   </p:sldMasterIdLst>
   <p:sldIdLst>
     <p:sldId id="256" r:id="rId2"/>
+    <p:sldId id="257" r:id="rId3"/>
+    <p:sldId id="261" r:id="rId4"/>
+    <p:sldId id="279" r:id="rId5"/>
+    <p:sldId id="280" r:id="rId6"/>
+    <p:sldId id="258" r:id="rId7"/>
+    <p:sldId id="259" r:id="rId8"/>
+    <p:sldId id="260" r:id="rId9"/>
+    <p:sldId id="262" r:id="rId10"/>
+    <p:sldId id="263" r:id="rId11"/>
+    <p:sldId id="264" r:id="rId12"/>
+    <p:sldId id="265" r:id="rId13"/>
+    <p:sldId id="266" r:id="rId14"/>
+    <p:sldId id="267" r:id="rId15"/>
+    <p:sldId id="268" r:id="rId16"/>
+    <p:sldId id="269" r:id="rId17"/>
+    <p:sldId id="270" r:id="rId18"/>
+    <p:sldId id="271" r:id="rId19"/>
+    <p:sldId id="274" r:id="rId20"/>
+    <p:sldId id="272" r:id="rId21"/>
+    <p:sldId id="273" r:id="rId22"/>
+    <p:sldId id="277" r:id="rId23"/>
+    <p:sldId id="278" r:id="rId24"/>
   </p:sldIdLst>
   <p:sldSz cx="12192000" cy="6858000"/>
   <p:notesSz cx="6858000" cy="9144000"/>
@@ -6216,6 +6238,2540 @@
 </p:sld>
 </file>
 
+<file path=ppt/slides/slide10.xml><?xml version="1.0" encoding="utf-8"?>
+<p:sld xmlns:a="http://schemas.openxmlformats.org/drawingml/2006/main" xmlns:r="http://schemas.openxmlformats.org/officeDocument/2006/relationships" xmlns:p="http://schemas.openxmlformats.org/presentationml/2006/main">
+  <p:cSld>
+    <p:spTree>
+      <p:nvGrpSpPr>
+        <p:cNvPr id="1" name=""/>
+        <p:cNvGrpSpPr/>
+        <p:nvPr/>
+      </p:nvGrpSpPr>
+      <p:grpSpPr>
+        <a:xfrm>
+          <a:off x="0" y="0"/>
+          <a:ext cx="0" cy="0"/>
+          <a:chOff x="0" y="0"/>
+          <a:chExt cx="0" cy="0"/>
+        </a:xfrm>
+      </p:grpSpPr>
+      <p:sp>
+        <p:nvSpPr>
+          <p:cNvPr id="2" name="Title 1"/>
+          <p:cNvSpPr>
+            <a:spLocks noGrp="1"/>
+          </p:cNvSpPr>
+          <p:nvPr>
+            <p:ph type="title"/>
+          </p:nvPr>
+        </p:nvSpPr>
+        <p:spPr/>
+        <p:txBody>
+          <a:bodyPr/>
+          <a:lstStyle/>
+          <a:p>
+            <a:r>
+              <a:rPr lang="bg-BG" dirty="0"/>
+              <a:t>Цикъла </a:t>
+            </a:r>
+            <a:r>
+              <a:rPr lang="en-US" dirty="0"/>
+              <a:t>DO{..} while()</a:t>
+            </a:r>
+          </a:p>
+        </p:txBody>
+      </p:sp>
+      <p:pic>
+        <p:nvPicPr>
+          <p:cNvPr id="3074" name="Picture 2" descr="https://media2.wnyc.org/i/620/372/c/80/photologue/photos/train_loop.jpg"/>
+          <p:cNvPicPr>
+            <a:picLocks noChangeAspect="1" noChangeArrowheads="1"/>
+          </p:cNvPicPr>
+          <p:nvPr/>
+        </p:nvPicPr>
+        <p:blipFill>
+          <a:blip r:embed="rId2">
+            <a:extLst>
+              <a:ext uri="{28A0092B-C50C-407E-A947-70E740481C1C}">
+                <a14:useLocalDpi xmlns:a14="http://schemas.microsoft.com/office/drawing/2010/main" val="0"/>
+              </a:ext>
+            </a:extLst>
+          </a:blip>
+          <a:srcRect/>
+          <a:stretch>
+            <a:fillRect/>
+          </a:stretch>
+        </p:blipFill>
+        <p:spPr bwMode="auto">
+          <a:xfrm>
+            <a:off x="2718014" y="2214694"/>
+            <a:ext cx="6755971" cy="4053583"/>
+          </a:xfrm>
+          <a:prstGeom prst="rect">
+            <a:avLst/>
+          </a:prstGeom>
+          <a:noFill/>
+          <a:extLst>
+            <a:ext uri="{909E8E84-426E-40DD-AFC4-6F175D3DCCD1}">
+              <a14:hiddenFill xmlns:a14="http://schemas.microsoft.com/office/drawing/2010/main">
+                <a:solidFill>
+                  <a:srgbClr val="FFFFFF"/>
+                </a:solidFill>
+              </a14:hiddenFill>
+            </a:ext>
+          </a:extLst>
+        </p:spPr>
+      </p:pic>
+    </p:spTree>
+    <p:extLst>
+      <p:ext uri="{BB962C8B-B14F-4D97-AF65-F5344CB8AC3E}">
+        <p14:creationId xmlns:p14="http://schemas.microsoft.com/office/powerpoint/2010/main" val="1423690186"/>
+      </p:ext>
+    </p:extLst>
+  </p:cSld>
+  <p:clrMapOvr>
+    <a:masterClrMapping/>
+  </p:clrMapOvr>
+</p:sld>
+</file>
+
+<file path=ppt/slides/slide11.xml><?xml version="1.0" encoding="utf-8"?>
+<p:sld xmlns:a="http://schemas.openxmlformats.org/drawingml/2006/main" xmlns:r="http://schemas.openxmlformats.org/officeDocument/2006/relationships" xmlns:p="http://schemas.openxmlformats.org/presentationml/2006/main">
+  <p:cSld>
+    <p:spTree>
+      <p:nvGrpSpPr>
+        <p:cNvPr id="1" name=""/>
+        <p:cNvGrpSpPr/>
+        <p:nvPr/>
+      </p:nvGrpSpPr>
+      <p:grpSpPr>
+        <a:xfrm>
+          <a:off x="0" y="0"/>
+          <a:ext cx="0" cy="0"/>
+          <a:chOff x="0" y="0"/>
+          <a:chExt cx="0" cy="0"/>
+        </a:xfrm>
+      </p:grpSpPr>
+      <p:sp>
+        <p:nvSpPr>
+          <p:cNvPr id="2" name="Title 1"/>
+          <p:cNvSpPr>
+            <a:spLocks noGrp="1"/>
+          </p:cNvSpPr>
+          <p:nvPr>
+            <p:ph type="title"/>
+          </p:nvPr>
+        </p:nvSpPr>
+        <p:spPr/>
+        <p:txBody>
+          <a:bodyPr/>
+          <a:lstStyle/>
+          <a:p>
+            <a:r>
+              <a:rPr lang="bg-BG" dirty="0" err="1" smtClean="0"/>
+              <a:t>ЦИкълът</a:t>
+            </a:r>
+            <a:r>
+              <a:rPr lang="bg-BG" dirty="0" smtClean="0"/>
+              <a:t> </a:t>
+            </a:r>
+            <a:r>
+              <a:rPr lang="en-US" dirty="0" smtClean="0"/>
+              <a:t>for</a:t>
+            </a:r>
+            <a:endParaRPr lang="en-US" dirty="0"/>
+          </a:p>
+        </p:txBody>
+      </p:sp>
+      <p:sp>
+        <p:nvSpPr>
+          <p:cNvPr id="3" name="Content Placeholder 2"/>
+          <p:cNvSpPr>
+            <a:spLocks noGrp="1"/>
+          </p:cNvSpPr>
+          <p:nvPr>
+            <p:ph sz="quarter" idx="13"/>
+          </p:nvPr>
+        </p:nvSpPr>
+        <p:spPr/>
+        <p:txBody>
+          <a:bodyPr/>
+          <a:lstStyle/>
+          <a:p>
+            <a:r>
+              <a:rPr lang="bg-BG" dirty="0" smtClean="0"/>
+              <a:t>Цикълът </a:t>
+            </a:r>
+            <a:r>
+              <a:rPr lang="en-US" dirty="0" smtClean="0"/>
+              <a:t>for </a:t>
+            </a:r>
+            <a:r>
+              <a:rPr lang="bg-BG" dirty="0" smtClean="0"/>
+              <a:t>се състои от 4 части:</a:t>
+            </a:r>
+          </a:p>
+          <a:p>
+            <a:pPr marL="0" indent="0">
+              <a:buNone/>
+            </a:pPr>
+            <a:r>
+              <a:rPr lang="bg-BG" dirty="0" smtClean="0"/>
+              <a:t>1) инициализация;</a:t>
+            </a:r>
+            <a:r>
+              <a:rPr lang="en-US" dirty="0" smtClean="0"/>
+              <a:t> //</a:t>
+            </a:r>
+            <a:r>
+              <a:rPr lang="bg-BG" dirty="0" smtClean="0"/>
+              <a:t>не е задължителна</a:t>
+            </a:r>
+          </a:p>
+          <a:p>
+            <a:pPr marL="0" indent="0">
+              <a:buNone/>
+            </a:pPr>
+            <a:r>
+              <a:rPr lang="bg-BG" dirty="0" smtClean="0"/>
+              <a:t>2) Проверка на условието </a:t>
+            </a:r>
+            <a:r>
+              <a:rPr lang="en-US" dirty="0"/>
+              <a:t>//</a:t>
+            </a:r>
+            <a:r>
+              <a:rPr lang="bg-BG" dirty="0"/>
+              <a:t>не е задължителна</a:t>
+            </a:r>
+            <a:endParaRPr lang="bg-BG" dirty="0" smtClean="0"/>
+          </a:p>
+          <a:p>
+            <a:pPr marL="0" indent="0">
+              <a:buNone/>
+            </a:pPr>
+            <a:r>
+              <a:rPr lang="bg-BG" dirty="0" smtClean="0"/>
+              <a:t>3) </a:t>
+            </a:r>
+            <a:r>
+              <a:rPr lang="bg-BG" dirty="0" err="1" smtClean="0"/>
+              <a:t>Помяна</a:t>
+            </a:r>
+            <a:r>
+              <a:rPr lang="bg-BG" dirty="0" smtClean="0"/>
+              <a:t> </a:t>
+            </a:r>
+            <a:r>
+              <a:rPr lang="en-US" dirty="0"/>
+              <a:t>//</a:t>
+            </a:r>
+            <a:r>
+              <a:rPr lang="bg-BG" dirty="0"/>
+              <a:t>не е задължителна</a:t>
+            </a:r>
+            <a:endParaRPr lang="bg-BG" dirty="0" smtClean="0"/>
+          </a:p>
+          <a:p>
+            <a:pPr marL="0" indent="0">
+              <a:buNone/>
+            </a:pPr>
+            <a:r>
+              <a:rPr lang="bg-BG" dirty="0" smtClean="0"/>
+              <a:t>4) Тяло на цикълът </a:t>
+            </a:r>
+            <a:r>
+              <a:rPr lang="en-US" dirty="0" smtClean="0"/>
+              <a:t>//</a:t>
+            </a:r>
+            <a:r>
+              <a:rPr lang="bg-BG" dirty="0" smtClean="0"/>
+              <a:t> </a:t>
+            </a:r>
+            <a:r>
+              <a:rPr lang="bg-BG" dirty="0"/>
+              <a:t>задължителна</a:t>
+            </a:r>
+            <a:endParaRPr lang="en-US" dirty="0" smtClean="0"/>
+          </a:p>
+        </p:txBody>
+      </p:sp>
+    </p:spTree>
+    <p:extLst>
+      <p:ext uri="{BB962C8B-B14F-4D97-AF65-F5344CB8AC3E}">
+        <p14:creationId xmlns:p14="http://schemas.microsoft.com/office/powerpoint/2010/main" val="2752655038"/>
+      </p:ext>
+    </p:extLst>
+  </p:cSld>
+  <p:clrMapOvr>
+    <a:masterClrMapping/>
+  </p:clrMapOvr>
+</p:sld>
+</file>
+
+<file path=ppt/slides/slide12.xml><?xml version="1.0" encoding="utf-8"?>
+<p:sld xmlns:a="http://schemas.openxmlformats.org/drawingml/2006/main" xmlns:r="http://schemas.openxmlformats.org/officeDocument/2006/relationships" xmlns:p="http://schemas.openxmlformats.org/presentationml/2006/main">
+  <p:cSld>
+    <p:spTree>
+      <p:nvGrpSpPr>
+        <p:cNvPr id="1" name=""/>
+        <p:cNvGrpSpPr/>
+        <p:nvPr/>
+      </p:nvGrpSpPr>
+      <p:grpSpPr>
+        <a:xfrm>
+          <a:off x="0" y="0"/>
+          <a:ext cx="0" cy="0"/>
+          <a:chOff x="0" y="0"/>
+          <a:chExt cx="0" cy="0"/>
+        </a:xfrm>
+      </p:grpSpPr>
+      <p:sp>
+        <p:nvSpPr>
+          <p:cNvPr id="2" name="Title 1"/>
+          <p:cNvSpPr>
+            <a:spLocks noGrp="1"/>
+          </p:cNvSpPr>
+          <p:nvPr>
+            <p:ph type="title"/>
+          </p:nvPr>
+        </p:nvSpPr>
+        <p:spPr/>
+        <p:txBody>
+          <a:bodyPr/>
+          <a:lstStyle/>
+          <a:p>
+            <a:r>
+              <a:rPr lang="bg-BG" dirty="0" smtClean="0"/>
+              <a:t>ЦИКЪЛЪТ </a:t>
+            </a:r>
+            <a:r>
+              <a:rPr lang="en-US" dirty="0" smtClean="0"/>
+              <a:t>FOR </a:t>
+            </a:r>
+            <a:r>
+              <a:rPr lang="bg-BG" dirty="0" smtClean="0"/>
+              <a:t>ДЕМО</a:t>
+            </a:r>
+            <a:endParaRPr lang="en-US" dirty="0"/>
+          </a:p>
+        </p:txBody>
+      </p:sp>
+      <p:pic>
+        <p:nvPicPr>
+          <p:cNvPr id="4100" name="Picture 4" descr="http://events.hooplanow.com/system/places_images/7100/original/Loop_Logo_on_White.png?1335292834"/>
+          <p:cNvPicPr>
+            <a:picLocks noChangeAspect="1" noChangeArrowheads="1"/>
+          </p:cNvPicPr>
+          <p:nvPr/>
+        </p:nvPicPr>
+        <p:blipFill>
+          <a:blip r:embed="rId2">
+            <a:extLst>
+              <a:ext uri="{28A0092B-C50C-407E-A947-70E740481C1C}">
+                <a14:useLocalDpi xmlns:a14="http://schemas.microsoft.com/office/drawing/2010/main" val="0"/>
+              </a:ext>
+            </a:extLst>
+          </a:blip>
+          <a:srcRect/>
+          <a:stretch>
+            <a:fillRect/>
+          </a:stretch>
+        </p:blipFill>
+        <p:spPr bwMode="auto">
+          <a:xfrm>
+            <a:off x="2043112" y="2404848"/>
+            <a:ext cx="8105775" cy="3152775"/>
+          </a:xfrm>
+          <a:prstGeom prst="rect">
+            <a:avLst/>
+          </a:prstGeom>
+          <a:noFill/>
+          <a:extLst>
+            <a:ext uri="{909E8E84-426E-40DD-AFC4-6F175D3DCCD1}">
+              <a14:hiddenFill xmlns:a14="http://schemas.microsoft.com/office/drawing/2010/main">
+                <a:solidFill>
+                  <a:srgbClr val="FFFFFF"/>
+                </a:solidFill>
+              </a14:hiddenFill>
+            </a:ext>
+          </a:extLst>
+        </p:spPr>
+      </p:pic>
+    </p:spTree>
+    <p:extLst>
+      <p:ext uri="{BB962C8B-B14F-4D97-AF65-F5344CB8AC3E}">
+        <p14:creationId xmlns:p14="http://schemas.microsoft.com/office/powerpoint/2010/main" val="113360330"/>
+      </p:ext>
+    </p:extLst>
+  </p:cSld>
+  <p:clrMapOvr>
+    <a:masterClrMapping/>
+  </p:clrMapOvr>
+</p:sld>
+</file>
+
+<file path=ppt/slides/slide13.xml><?xml version="1.0" encoding="utf-8"?>
+<p:sld xmlns:a="http://schemas.openxmlformats.org/drawingml/2006/main" xmlns:r="http://schemas.openxmlformats.org/officeDocument/2006/relationships" xmlns:p="http://schemas.openxmlformats.org/presentationml/2006/main">
+  <p:cSld>
+    <p:spTree>
+      <p:nvGrpSpPr>
+        <p:cNvPr id="1" name=""/>
+        <p:cNvGrpSpPr/>
+        <p:nvPr/>
+      </p:nvGrpSpPr>
+      <p:grpSpPr>
+        <a:xfrm>
+          <a:off x="0" y="0"/>
+          <a:ext cx="0" cy="0"/>
+          <a:chOff x="0" y="0"/>
+          <a:chExt cx="0" cy="0"/>
+        </a:xfrm>
+      </p:grpSpPr>
+      <p:sp>
+        <p:nvSpPr>
+          <p:cNvPr id="2" name="Title 1"/>
+          <p:cNvSpPr>
+            <a:spLocks noGrp="1"/>
+          </p:cNvSpPr>
+          <p:nvPr>
+            <p:ph type="title"/>
+          </p:nvPr>
+        </p:nvSpPr>
+        <p:spPr/>
+        <p:txBody>
+          <a:bodyPr/>
+          <a:lstStyle/>
+          <a:p>
+            <a:r>
+              <a:rPr lang="bg-BG" dirty="0" smtClean="0"/>
+              <a:t>ПРЕКЪСВАНЕ НА ИЗПЪЛНЕНИЕТО С </a:t>
+            </a:r>
+            <a:r>
+              <a:rPr lang="en-US" dirty="0" smtClean="0"/>
+              <a:t>BREAK</a:t>
+            </a:r>
+            <a:endParaRPr lang="en-US" dirty="0"/>
+          </a:p>
+        </p:txBody>
+      </p:sp>
+      <p:sp>
+        <p:nvSpPr>
+          <p:cNvPr id="3" name="Content Placeholder 2"/>
+          <p:cNvSpPr>
+            <a:spLocks noGrp="1"/>
+          </p:cNvSpPr>
+          <p:nvPr>
+            <p:ph sz="quarter" idx="13"/>
+          </p:nvPr>
+        </p:nvSpPr>
+        <p:spPr/>
+        <p:txBody>
+          <a:bodyPr/>
+          <a:lstStyle/>
+          <a:p>
+            <a:r>
+              <a:rPr lang="bg-BG" dirty="0" smtClean="0"/>
+              <a:t>Оператор </a:t>
+            </a:r>
+            <a:r>
+              <a:rPr lang="en-US" dirty="0" smtClean="0"/>
+              <a:t>BREAK </a:t>
+            </a:r>
+            <a:r>
+              <a:rPr lang="bg-BG" dirty="0" smtClean="0"/>
+              <a:t>ПРЕКЪСВА ИЗПЪЛНЕНИЕТО НЕЗАВИСИМО ОТ УСЛОВИТО НА ЦИКЪЛА</a:t>
+            </a:r>
+          </a:p>
+          <a:p>
+            <a:r>
+              <a:rPr lang="bg-BG" dirty="0" smtClean="0"/>
+              <a:t>ВАЖИ ЗА ВСИЧКИ ТИПОВЕ ЦИКЛИ</a:t>
+            </a:r>
+          </a:p>
+          <a:p>
+            <a:r>
+              <a:rPr lang="bg-BG" dirty="0" smtClean="0"/>
+              <a:t>КОДЪТ В ЦИКЪЛА СЛЕД </a:t>
+            </a:r>
+            <a:r>
+              <a:rPr lang="en-US" dirty="0" smtClean="0"/>
+              <a:t>BREAK </a:t>
+            </a:r>
+            <a:r>
+              <a:rPr lang="bg-BG" dirty="0" smtClean="0"/>
+              <a:t>НЕ СЕ ИЗПЪЛНЯВА </a:t>
+            </a:r>
+          </a:p>
+          <a:p>
+            <a:r>
+              <a:rPr lang="bg-BG" dirty="0" smtClean="0"/>
+              <a:t>ИЗПОЛЗВАЙТЕ </a:t>
+            </a:r>
+            <a:r>
+              <a:rPr lang="en-US" dirty="0" smtClean="0"/>
+              <a:t>BREAK </a:t>
+            </a:r>
+            <a:r>
+              <a:rPr lang="bg-BG" dirty="0" smtClean="0"/>
+              <a:t>САМО КОГАТО Е НАЛОЖИТЕЛНО</a:t>
+            </a:r>
+            <a:endParaRPr lang="en-US" dirty="0"/>
+          </a:p>
+        </p:txBody>
+      </p:sp>
+    </p:spTree>
+    <p:extLst>
+      <p:ext uri="{BB962C8B-B14F-4D97-AF65-F5344CB8AC3E}">
+        <p14:creationId xmlns:p14="http://schemas.microsoft.com/office/powerpoint/2010/main" val="4215090376"/>
+      </p:ext>
+    </p:extLst>
+  </p:cSld>
+  <p:clrMapOvr>
+    <a:masterClrMapping/>
+  </p:clrMapOvr>
+</p:sld>
+</file>
+
+<file path=ppt/slides/slide14.xml><?xml version="1.0" encoding="utf-8"?>
+<p:sld xmlns:a="http://schemas.openxmlformats.org/drawingml/2006/main" xmlns:r="http://schemas.openxmlformats.org/officeDocument/2006/relationships" xmlns:p="http://schemas.openxmlformats.org/presentationml/2006/main">
+  <p:cSld>
+    <p:spTree>
+      <p:nvGrpSpPr>
+        <p:cNvPr id="1" name=""/>
+        <p:cNvGrpSpPr/>
+        <p:nvPr/>
+      </p:nvGrpSpPr>
+      <p:grpSpPr>
+        <a:xfrm>
+          <a:off x="0" y="0"/>
+          <a:ext cx="0" cy="0"/>
+          <a:chOff x="0" y="0"/>
+          <a:chExt cx="0" cy="0"/>
+        </a:xfrm>
+      </p:grpSpPr>
+      <p:sp>
+        <p:nvSpPr>
+          <p:cNvPr id="2" name="Title 1"/>
+          <p:cNvSpPr>
+            <a:spLocks noGrp="1"/>
+          </p:cNvSpPr>
+          <p:nvPr>
+            <p:ph type="title"/>
+          </p:nvPr>
+        </p:nvSpPr>
+        <p:spPr/>
+        <p:txBody>
+          <a:bodyPr/>
+          <a:lstStyle/>
+          <a:p>
+            <a:r>
+              <a:rPr lang="bg-BG" dirty="0"/>
+              <a:t>ПРЕКЪСВАНЕ НА ИЗПЪЛНЕНИЕТО С </a:t>
+            </a:r>
+            <a:r>
+              <a:rPr lang="en-US" dirty="0" smtClean="0"/>
+              <a:t>BREAK </a:t>
+            </a:r>
+            <a:r>
+              <a:rPr lang="bg-BG" dirty="0" smtClean="0"/>
+              <a:t>ДЕМО</a:t>
+            </a:r>
+            <a:endParaRPr lang="en-US" dirty="0"/>
+          </a:p>
+        </p:txBody>
+      </p:sp>
+      <p:pic>
+        <p:nvPicPr>
+          <p:cNvPr id="5122" name="Picture 2" descr="http://4.bp.blogspot.com/-leMLNLY3vDg/TWFm8I1gl5I/AAAAAAAABFI/ABXMNWXvrJk/s400/Team%252BNo%252BBreak.jpg"/>
+          <p:cNvPicPr>
+            <a:picLocks noChangeAspect="1" noChangeArrowheads="1"/>
+          </p:cNvPicPr>
+          <p:nvPr/>
+        </p:nvPicPr>
+        <p:blipFill>
+          <a:blip r:embed="rId2">
+            <a:extLst>
+              <a:ext uri="{28A0092B-C50C-407E-A947-70E740481C1C}">
+                <a14:useLocalDpi xmlns:a14="http://schemas.microsoft.com/office/drawing/2010/main" val="0"/>
+              </a:ext>
+            </a:extLst>
+          </a:blip>
+          <a:srcRect/>
+          <a:stretch>
+            <a:fillRect/>
+          </a:stretch>
+        </p:blipFill>
+        <p:spPr bwMode="auto">
+          <a:xfrm>
+            <a:off x="3937622" y="2002524"/>
+            <a:ext cx="4316756" cy="4233970"/>
+          </a:xfrm>
+          <a:prstGeom prst="rect">
+            <a:avLst/>
+          </a:prstGeom>
+          <a:noFill/>
+          <a:extLst>
+            <a:ext uri="{909E8E84-426E-40DD-AFC4-6F175D3DCCD1}">
+              <a14:hiddenFill xmlns:a14="http://schemas.microsoft.com/office/drawing/2010/main">
+                <a:solidFill>
+                  <a:srgbClr val="FFFFFF"/>
+                </a:solidFill>
+              </a14:hiddenFill>
+            </a:ext>
+          </a:extLst>
+        </p:spPr>
+      </p:pic>
+    </p:spTree>
+    <p:extLst>
+      <p:ext uri="{BB962C8B-B14F-4D97-AF65-F5344CB8AC3E}">
+        <p14:creationId xmlns:p14="http://schemas.microsoft.com/office/powerpoint/2010/main" val="435813816"/>
+      </p:ext>
+    </p:extLst>
+  </p:cSld>
+  <p:clrMapOvr>
+    <a:masterClrMapping/>
+  </p:clrMapOvr>
+</p:sld>
+</file>
+
+<file path=ppt/slides/slide15.xml><?xml version="1.0" encoding="utf-8"?>
+<p:sld xmlns:a="http://schemas.openxmlformats.org/drawingml/2006/main" xmlns:r="http://schemas.openxmlformats.org/officeDocument/2006/relationships" xmlns:p="http://schemas.openxmlformats.org/presentationml/2006/main">
+  <p:cSld>
+    <p:spTree>
+      <p:nvGrpSpPr>
+        <p:cNvPr id="1" name=""/>
+        <p:cNvGrpSpPr/>
+        <p:nvPr/>
+      </p:nvGrpSpPr>
+      <p:grpSpPr>
+        <a:xfrm>
+          <a:off x="0" y="0"/>
+          <a:ext cx="0" cy="0"/>
+          <a:chOff x="0" y="0"/>
+          <a:chExt cx="0" cy="0"/>
+        </a:xfrm>
+      </p:grpSpPr>
+      <p:sp>
+        <p:nvSpPr>
+          <p:cNvPr id="2" name="Title 1"/>
+          <p:cNvSpPr>
+            <a:spLocks noGrp="1"/>
+          </p:cNvSpPr>
+          <p:nvPr>
+            <p:ph type="title"/>
+          </p:nvPr>
+        </p:nvSpPr>
+        <p:spPr/>
+        <p:txBody>
+          <a:bodyPr/>
+          <a:lstStyle/>
+          <a:p>
+            <a:r>
+              <a:rPr lang="bg-BG" dirty="0" smtClean="0"/>
+              <a:t>Операторът </a:t>
+            </a:r>
+            <a:r>
+              <a:rPr lang="en-US" dirty="0" err="1" smtClean="0"/>
+              <a:t>CONtinue</a:t>
+            </a:r>
+            <a:endParaRPr lang="en-US" dirty="0"/>
+          </a:p>
+        </p:txBody>
+      </p:sp>
+      <p:sp>
+        <p:nvSpPr>
+          <p:cNvPr id="3" name="Content Placeholder 2"/>
+          <p:cNvSpPr>
+            <a:spLocks noGrp="1"/>
+          </p:cNvSpPr>
+          <p:nvPr>
+            <p:ph sz="quarter" idx="13"/>
+          </p:nvPr>
+        </p:nvSpPr>
+        <p:spPr/>
+        <p:txBody>
+          <a:bodyPr/>
+          <a:lstStyle/>
+          <a:p>
+            <a:r>
+              <a:rPr lang="bg-BG" dirty="0" smtClean="0"/>
+              <a:t>Предизвиква нова итерация</a:t>
+            </a:r>
+          </a:p>
+          <a:p>
+            <a:r>
+              <a:rPr lang="bg-BG" dirty="0" smtClean="0"/>
+              <a:t>Кода под цикълът не се изпълнява</a:t>
+            </a:r>
+          </a:p>
+          <a:p>
+            <a:r>
+              <a:rPr lang="bg-BG" dirty="0" smtClean="0"/>
+              <a:t>За разлика от оператора </a:t>
+            </a:r>
+            <a:r>
+              <a:rPr lang="en-US" dirty="0" smtClean="0"/>
+              <a:t>break</a:t>
+            </a:r>
+            <a:r>
+              <a:rPr lang="bg-BG" dirty="0"/>
+              <a:t> </a:t>
+            </a:r>
+            <a:r>
+              <a:rPr lang="bg-BG" dirty="0" smtClean="0"/>
+              <a:t>при </a:t>
+            </a:r>
+            <a:r>
+              <a:rPr lang="en-US" dirty="0" smtClean="0"/>
+              <a:t>continue </a:t>
+            </a:r>
+            <a:r>
+              <a:rPr lang="bg-BG" dirty="0" smtClean="0"/>
+              <a:t>цикълът продължава да се изпълнява</a:t>
+            </a:r>
+            <a:endParaRPr lang="en-US" dirty="0"/>
+          </a:p>
+        </p:txBody>
+      </p:sp>
+    </p:spTree>
+    <p:extLst>
+      <p:ext uri="{BB962C8B-B14F-4D97-AF65-F5344CB8AC3E}">
+        <p14:creationId xmlns:p14="http://schemas.microsoft.com/office/powerpoint/2010/main" val="1289998483"/>
+      </p:ext>
+    </p:extLst>
+  </p:cSld>
+  <p:clrMapOvr>
+    <a:masterClrMapping/>
+  </p:clrMapOvr>
+</p:sld>
+</file>
+
+<file path=ppt/slides/slide16.xml><?xml version="1.0" encoding="utf-8"?>
+<p:sld xmlns:a="http://schemas.openxmlformats.org/drawingml/2006/main" xmlns:r="http://schemas.openxmlformats.org/officeDocument/2006/relationships" xmlns:p="http://schemas.openxmlformats.org/presentationml/2006/main">
+  <p:cSld>
+    <p:spTree>
+      <p:nvGrpSpPr>
+        <p:cNvPr id="1" name=""/>
+        <p:cNvGrpSpPr/>
+        <p:nvPr/>
+      </p:nvGrpSpPr>
+      <p:grpSpPr>
+        <a:xfrm>
+          <a:off x="0" y="0"/>
+          <a:ext cx="0" cy="0"/>
+          <a:chOff x="0" y="0"/>
+          <a:chExt cx="0" cy="0"/>
+        </a:xfrm>
+      </p:grpSpPr>
+      <p:sp>
+        <p:nvSpPr>
+          <p:cNvPr id="2" name="Title 1"/>
+          <p:cNvSpPr>
+            <a:spLocks noGrp="1"/>
+          </p:cNvSpPr>
+          <p:nvPr>
+            <p:ph type="title"/>
+          </p:nvPr>
+        </p:nvSpPr>
+        <p:spPr/>
+        <p:txBody>
+          <a:bodyPr/>
+          <a:lstStyle/>
+          <a:p>
+            <a:r>
+              <a:rPr lang="bg-BG" dirty="0"/>
+              <a:t>Операторът </a:t>
+            </a:r>
+            <a:r>
+              <a:rPr lang="en-US" dirty="0" err="1" smtClean="0"/>
+              <a:t>CONtinue</a:t>
+            </a:r>
+            <a:r>
+              <a:rPr lang="en-US" dirty="0" smtClean="0"/>
+              <a:t> </a:t>
+            </a:r>
+            <a:r>
+              <a:rPr lang="bg-BG" dirty="0" smtClean="0"/>
+              <a:t>ДЕМО</a:t>
+            </a:r>
+            <a:endParaRPr lang="en-US" dirty="0"/>
+          </a:p>
+        </p:txBody>
+      </p:sp>
+      <p:pic>
+        <p:nvPicPr>
+          <p:cNvPr id="6146" name="Picture 2" descr="http://uraniuminvestingnews.com/files/2010/08/uranium-prices-continue-to-climb2.jpg"/>
+          <p:cNvPicPr>
+            <a:picLocks noChangeAspect="1" noChangeArrowheads="1"/>
+          </p:cNvPicPr>
+          <p:nvPr/>
+        </p:nvPicPr>
+        <p:blipFill>
+          <a:blip r:embed="rId2">
+            <a:extLst>
+              <a:ext uri="{28A0092B-C50C-407E-A947-70E740481C1C}">
+                <a14:useLocalDpi xmlns:a14="http://schemas.microsoft.com/office/drawing/2010/main" val="0"/>
+              </a:ext>
+            </a:extLst>
+          </a:blip>
+          <a:srcRect/>
+          <a:stretch>
+            <a:fillRect/>
+          </a:stretch>
+        </p:blipFill>
+        <p:spPr bwMode="auto">
+          <a:xfrm>
+            <a:off x="3191690" y="2581830"/>
+            <a:ext cx="5808619" cy="3934873"/>
+          </a:xfrm>
+          <a:prstGeom prst="rect">
+            <a:avLst/>
+          </a:prstGeom>
+          <a:noFill/>
+          <a:extLst>
+            <a:ext uri="{909E8E84-426E-40DD-AFC4-6F175D3DCCD1}">
+              <a14:hiddenFill xmlns:a14="http://schemas.microsoft.com/office/drawing/2010/main">
+                <a:solidFill>
+                  <a:srgbClr val="FFFFFF"/>
+                </a:solidFill>
+              </a14:hiddenFill>
+            </a:ext>
+          </a:extLst>
+        </p:spPr>
+      </p:pic>
+    </p:spTree>
+    <p:extLst>
+      <p:ext uri="{BB962C8B-B14F-4D97-AF65-F5344CB8AC3E}">
+        <p14:creationId xmlns:p14="http://schemas.microsoft.com/office/powerpoint/2010/main" val="2332070482"/>
+      </p:ext>
+    </p:extLst>
+  </p:cSld>
+  <p:clrMapOvr>
+    <a:masterClrMapping/>
+  </p:clrMapOvr>
+</p:sld>
+</file>
+
+<file path=ppt/slides/slide17.xml><?xml version="1.0" encoding="utf-8"?>
+<p:sld xmlns:a="http://schemas.openxmlformats.org/drawingml/2006/main" xmlns:r="http://schemas.openxmlformats.org/officeDocument/2006/relationships" xmlns:p="http://schemas.openxmlformats.org/presentationml/2006/main">
+  <p:cSld>
+    <p:spTree>
+      <p:nvGrpSpPr>
+        <p:cNvPr id="1" name=""/>
+        <p:cNvGrpSpPr/>
+        <p:nvPr/>
+      </p:nvGrpSpPr>
+      <p:grpSpPr>
+        <a:xfrm>
+          <a:off x="0" y="0"/>
+          <a:ext cx="0" cy="0"/>
+          <a:chOff x="0" y="0"/>
+          <a:chExt cx="0" cy="0"/>
+        </a:xfrm>
+      </p:grpSpPr>
+      <p:sp>
+        <p:nvSpPr>
+          <p:cNvPr id="2" name="Title 1"/>
+          <p:cNvSpPr>
+            <a:spLocks noGrp="1"/>
+          </p:cNvSpPr>
+          <p:nvPr>
+            <p:ph type="title"/>
+          </p:nvPr>
+        </p:nvSpPr>
+        <p:spPr/>
+        <p:txBody>
+          <a:bodyPr/>
+          <a:lstStyle/>
+          <a:p>
+            <a:r>
+              <a:rPr lang="bg-BG" dirty="0" smtClean="0"/>
+              <a:t>задача</a:t>
+            </a:r>
+            <a:endParaRPr lang="en-US" dirty="0"/>
+          </a:p>
+        </p:txBody>
+      </p:sp>
+      <p:sp>
+        <p:nvSpPr>
+          <p:cNvPr id="3" name="Content Placeholder 2"/>
+          <p:cNvSpPr>
+            <a:spLocks noGrp="1"/>
+          </p:cNvSpPr>
+          <p:nvPr>
+            <p:ph sz="quarter" idx="13"/>
+          </p:nvPr>
+        </p:nvSpPr>
+        <p:spPr/>
+        <p:txBody>
+          <a:bodyPr/>
+          <a:lstStyle/>
+          <a:p>
+            <a:pPr marL="0" indent="0">
+              <a:buNone/>
+            </a:pPr>
+            <a:r>
+              <a:rPr lang="bg-BG" dirty="0" smtClean="0"/>
+              <a:t>С помощта на </a:t>
+            </a:r>
+            <a:r>
+              <a:rPr lang="en-US" dirty="0" err="1" smtClean="0"/>
+              <a:t>php</a:t>
+            </a:r>
+            <a:r>
+              <a:rPr lang="bg-BG" dirty="0" smtClean="0"/>
+              <a:t>, </a:t>
+            </a:r>
+            <a:r>
+              <a:rPr lang="en-US" dirty="0" smtClean="0"/>
+              <a:t>html </a:t>
+            </a:r>
+            <a:r>
+              <a:rPr lang="bg-BG" dirty="0" smtClean="0"/>
+              <a:t>и </a:t>
+            </a:r>
+            <a:r>
+              <a:rPr lang="en-US" dirty="0" err="1" smtClean="0"/>
+              <a:t>css</a:t>
+            </a:r>
+            <a:r>
+              <a:rPr lang="en-US" dirty="0" smtClean="0"/>
+              <a:t> </a:t>
+            </a:r>
+            <a:r>
+              <a:rPr lang="bg-BG" dirty="0" smtClean="0"/>
+              <a:t>направете страница която изписва всички числа от 0 до 100 на нов ред. </a:t>
+            </a:r>
+            <a:endParaRPr lang="bg-BG" dirty="0"/>
+          </a:p>
+          <a:p>
+            <a:r>
+              <a:rPr lang="bg-BG" dirty="0" smtClean="0"/>
+              <a:t>Ако числото е четно цветът на фона трябва да е син</a:t>
+            </a:r>
+          </a:p>
+          <a:p>
+            <a:r>
+              <a:rPr lang="bg-BG" dirty="0" smtClean="0"/>
+              <a:t>Ако числото е нечетно цветът на фона трябва да е зелен</a:t>
+            </a:r>
+          </a:p>
+          <a:p>
+            <a:r>
+              <a:rPr lang="bg-BG" dirty="0" smtClean="0"/>
+              <a:t>Ако числото се дели на 7 без </a:t>
+            </a:r>
+            <a:r>
+              <a:rPr lang="bg-BG" dirty="0" err="1" smtClean="0"/>
+              <a:t>остатът</a:t>
+            </a:r>
+            <a:r>
+              <a:rPr lang="bg-BG" dirty="0"/>
+              <a:t> </a:t>
+            </a:r>
+            <a:r>
+              <a:rPr lang="bg-BG" dirty="0" smtClean="0"/>
+              <a:t>изпишете на същия ред </a:t>
+            </a:r>
+            <a:r>
+              <a:rPr lang="en-US" dirty="0" smtClean="0"/>
+              <a:t>bingo!</a:t>
+            </a:r>
+            <a:endParaRPr lang="en-US" dirty="0"/>
+          </a:p>
+        </p:txBody>
+      </p:sp>
+    </p:spTree>
+    <p:extLst>
+      <p:ext uri="{BB962C8B-B14F-4D97-AF65-F5344CB8AC3E}">
+        <p14:creationId xmlns:p14="http://schemas.microsoft.com/office/powerpoint/2010/main" val="3766010396"/>
+      </p:ext>
+    </p:extLst>
+  </p:cSld>
+  <p:clrMapOvr>
+    <a:masterClrMapping/>
+  </p:clrMapOvr>
+</p:sld>
+</file>
+
+<file path=ppt/slides/slide18.xml><?xml version="1.0" encoding="utf-8"?>
+<p:sld xmlns:a="http://schemas.openxmlformats.org/drawingml/2006/main" xmlns:r="http://schemas.openxmlformats.org/officeDocument/2006/relationships" xmlns:p="http://schemas.openxmlformats.org/presentationml/2006/main">
+  <p:cSld>
+    <p:spTree>
+      <p:nvGrpSpPr>
+        <p:cNvPr id="1" name=""/>
+        <p:cNvGrpSpPr/>
+        <p:nvPr/>
+      </p:nvGrpSpPr>
+      <p:grpSpPr>
+        <a:xfrm>
+          <a:off x="0" y="0"/>
+          <a:ext cx="0" cy="0"/>
+          <a:chOff x="0" y="0"/>
+          <a:chExt cx="0" cy="0"/>
+        </a:xfrm>
+      </p:grpSpPr>
+      <p:sp>
+        <p:nvSpPr>
+          <p:cNvPr id="2" name="Title 1"/>
+          <p:cNvSpPr>
+            <a:spLocks noGrp="1"/>
+          </p:cNvSpPr>
+          <p:nvPr>
+            <p:ph type="title"/>
+          </p:nvPr>
+        </p:nvSpPr>
+        <p:spPr/>
+        <p:txBody>
+          <a:bodyPr/>
+          <a:lstStyle/>
+          <a:p>
+            <a:r>
+              <a:rPr lang="en-US" dirty="0" smtClean="0"/>
+              <a:t>PHP </a:t>
+            </a:r>
+            <a:r>
+              <a:rPr lang="bg-BG" dirty="0" smtClean="0"/>
+              <a:t>константи</a:t>
+            </a:r>
+            <a:endParaRPr lang="en-US" dirty="0"/>
+          </a:p>
+        </p:txBody>
+      </p:sp>
+      <p:sp>
+        <p:nvSpPr>
+          <p:cNvPr id="3" name="Content Placeholder 2"/>
+          <p:cNvSpPr>
+            <a:spLocks noGrp="1"/>
+          </p:cNvSpPr>
+          <p:nvPr>
+            <p:ph sz="quarter" idx="13"/>
+          </p:nvPr>
+        </p:nvSpPr>
+        <p:spPr/>
+        <p:txBody>
+          <a:bodyPr/>
+          <a:lstStyle/>
+          <a:p>
+            <a:r>
+              <a:rPr lang="bg-BG" dirty="0" smtClean="0"/>
+              <a:t>Представлява идентификатор с име и стойност</a:t>
+            </a:r>
+          </a:p>
+          <a:p>
+            <a:r>
+              <a:rPr lang="bg-BG" dirty="0" smtClean="0"/>
+              <a:t>Стойността не може да се променя по време на изпълнение на скрипта</a:t>
+            </a:r>
+          </a:p>
+          <a:p>
+            <a:r>
+              <a:rPr lang="bg-BG" dirty="0" smtClean="0"/>
+              <a:t>Добра практика е константите винаги да са с главни букви</a:t>
+            </a:r>
+          </a:p>
+          <a:p>
+            <a:r>
+              <a:rPr lang="bg-BG" dirty="0" smtClean="0"/>
+              <a:t>Дефинират се с помощта на </a:t>
+            </a:r>
+            <a:r>
+              <a:rPr lang="bg-BG" dirty="0" err="1" smtClean="0"/>
+              <a:t>фукцията</a:t>
+            </a:r>
+            <a:r>
+              <a:rPr lang="bg-BG" dirty="0" smtClean="0"/>
+              <a:t> </a:t>
+            </a:r>
+            <a:r>
+              <a:rPr lang="en-US" dirty="0" smtClean="0"/>
+              <a:t>define</a:t>
+            </a:r>
+          </a:p>
+          <a:p>
+            <a:r>
+              <a:rPr lang="bg-BG" dirty="0" smtClean="0"/>
+              <a:t>Достъпват се без знак долар $</a:t>
+            </a:r>
+          </a:p>
+        </p:txBody>
+      </p:sp>
+    </p:spTree>
+    <p:extLst>
+      <p:ext uri="{BB962C8B-B14F-4D97-AF65-F5344CB8AC3E}">
+        <p14:creationId xmlns:p14="http://schemas.microsoft.com/office/powerpoint/2010/main" val="3548527986"/>
+      </p:ext>
+    </p:extLst>
+  </p:cSld>
+  <p:clrMapOvr>
+    <a:masterClrMapping/>
+  </p:clrMapOvr>
+</p:sld>
+</file>
+
+<file path=ppt/slides/slide19.xml><?xml version="1.0" encoding="utf-8"?>
+<p:sld xmlns:a="http://schemas.openxmlformats.org/drawingml/2006/main" xmlns:r="http://schemas.openxmlformats.org/officeDocument/2006/relationships" xmlns:p="http://schemas.openxmlformats.org/presentationml/2006/main">
+  <p:cSld>
+    <p:spTree>
+      <p:nvGrpSpPr>
+        <p:cNvPr id="1" name=""/>
+        <p:cNvGrpSpPr/>
+        <p:nvPr/>
+      </p:nvGrpSpPr>
+      <p:grpSpPr>
+        <a:xfrm>
+          <a:off x="0" y="0"/>
+          <a:ext cx="0" cy="0"/>
+          <a:chOff x="0" y="0"/>
+          <a:chExt cx="0" cy="0"/>
+        </a:xfrm>
+      </p:grpSpPr>
+      <p:sp>
+        <p:nvSpPr>
+          <p:cNvPr id="2" name="Title 1"/>
+          <p:cNvSpPr>
+            <a:spLocks noGrp="1"/>
+          </p:cNvSpPr>
+          <p:nvPr>
+            <p:ph type="title"/>
+          </p:nvPr>
+        </p:nvSpPr>
+        <p:spPr/>
+        <p:txBody>
+          <a:bodyPr/>
+          <a:lstStyle/>
+          <a:p>
+            <a:r>
+              <a:rPr lang="en-US" dirty="0"/>
+              <a:t>PHP </a:t>
+            </a:r>
+            <a:r>
+              <a:rPr lang="bg-BG" dirty="0"/>
+              <a:t>константи</a:t>
+            </a:r>
+            <a:endParaRPr lang="en-US" dirty="0"/>
+          </a:p>
+        </p:txBody>
+      </p:sp>
+      <p:pic>
+        <p:nvPicPr>
+          <p:cNvPr id="8194" name="Picture 2" descr="http://www.zentut.com/wp-content/uploads/2013/02/php-constant.jpg"/>
+          <p:cNvPicPr>
+            <a:picLocks noChangeAspect="1" noChangeArrowheads="1"/>
+          </p:cNvPicPr>
+          <p:nvPr/>
+        </p:nvPicPr>
+        <p:blipFill>
+          <a:blip r:embed="rId2">
+            <a:extLst>
+              <a:ext uri="{28A0092B-C50C-407E-A947-70E740481C1C}">
+                <a14:useLocalDpi xmlns:a14="http://schemas.microsoft.com/office/drawing/2010/main" val="0"/>
+              </a:ext>
+            </a:extLst>
+          </a:blip>
+          <a:srcRect/>
+          <a:stretch>
+            <a:fillRect/>
+          </a:stretch>
+        </p:blipFill>
+        <p:spPr bwMode="auto">
+          <a:xfrm>
+            <a:off x="2891009" y="2214694"/>
+            <a:ext cx="6409982" cy="3656401"/>
+          </a:xfrm>
+          <a:prstGeom prst="rect">
+            <a:avLst/>
+          </a:prstGeom>
+          <a:noFill/>
+          <a:extLst>
+            <a:ext uri="{909E8E84-426E-40DD-AFC4-6F175D3DCCD1}">
+              <a14:hiddenFill xmlns:a14="http://schemas.microsoft.com/office/drawing/2010/main">
+                <a:solidFill>
+                  <a:srgbClr val="FFFFFF"/>
+                </a:solidFill>
+              </a14:hiddenFill>
+            </a:ext>
+          </a:extLst>
+        </p:spPr>
+      </p:pic>
+    </p:spTree>
+    <p:extLst>
+      <p:ext uri="{BB962C8B-B14F-4D97-AF65-F5344CB8AC3E}">
+        <p14:creationId xmlns:p14="http://schemas.microsoft.com/office/powerpoint/2010/main" val="757757618"/>
+      </p:ext>
+    </p:extLst>
+  </p:cSld>
+  <p:clrMapOvr>
+    <a:masterClrMapping/>
+  </p:clrMapOvr>
+</p:sld>
+</file>
+
+<file path=ppt/slides/slide2.xml><?xml version="1.0" encoding="utf-8"?>
+<p:sld xmlns:a="http://schemas.openxmlformats.org/drawingml/2006/main" xmlns:r="http://schemas.openxmlformats.org/officeDocument/2006/relationships" xmlns:p="http://schemas.openxmlformats.org/presentationml/2006/main">
+  <p:cSld>
+    <p:spTree>
+      <p:nvGrpSpPr>
+        <p:cNvPr id="1" name=""/>
+        <p:cNvGrpSpPr/>
+        <p:nvPr/>
+      </p:nvGrpSpPr>
+      <p:grpSpPr>
+        <a:xfrm>
+          <a:off x="0" y="0"/>
+          <a:ext cx="0" cy="0"/>
+          <a:chOff x="0" y="0"/>
+          <a:chExt cx="0" cy="0"/>
+        </a:xfrm>
+      </p:grpSpPr>
+      <p:sp>
+        <p:nvSpPr>
+          <p:cNvPr id="2" name="Title 1"/>
+          <p:cNvSpPr>
+            <a:spLocks noGrp="1"/>
+          </p:cNvSpPr>
+          <p:nvPr>
+            <p:ph type="title"/>
+          </p:nvPr>
+        </p:nvSpPr>
+        <p:spPr/>
+        <p:txBody>
+          <a:bodyPr/>
+          <a:lstStyle/>
+          <a:p>
+            <a:r>
+              <a:rPr lang="bg-BG" dirty="0" smtClean="0"/>
+              <a:t>Още за стринговете</a:t>
+            </a:r>
+            <a:endParaRPr lang="en-US" dirty="0"/>
+          </a:p>
+        </p:txBody>
+      </p:sp>
+      <p:sp>
+        <p:nvSpPr>
+          <p:cNvPr id="3" name="Content Placeholder 2"/>
+          <p:cNvSpPr>
+            <a:spLocks noGrp="1"/>
+          </p:cNvSpPr>
+          <p:nvPr>
+            <p:ph sz="quarter" idx="13"/>
+          </p:nvPr>
+        </p:nvSpPr>
+        <p:spPr/>
+        <p:txBody>
+          <a:bodyPr/>
+          <a:lstStyle/>
+          <a:p>
+            <a:r>
+              <a:rPr lang="bg-BG" dirty="0" smtClean="0"/>
+              <a:t>Разлика между стрингове с единични кавички и стрингове с двойни кавички</a:t>
+            </a:r>
+            <a:endParaRPr lang="en-US" dirty="0" smtClean="0"/>
+          </a:p>
+          <a:p>
+            <a:r>
+              <a:rPr lang="bg-BG" dirty="0" smtClean="0"/>
+              <a:t>Показване на специални символи (екранирани знаци)</a:t>
+            </a:r>
+            <a:endParaRPr lang="en-US" dirty="0" smtClean="0"/>
+          </a:p>
+          <a:p>
+            <a:r>
+              <a:rPr lang="bg-BG" dirty="0" smtClean="0"/>
+              <a:t>Функциите </a:t>
+            </a:r>
+            <a:r>
+              <a:rPr lang="en-US" dirty="0" err="1" smtClean="0"/>
+              <a:t>strlen</a:t>
+            </a:r>
+            <a:r>
+              <a:rPr lang="en-US" dirty="0"/>
+              <a:t>, </a:t>
+            </a:r>
+            <a:r>
+              <a:rPr lang="en-US" dirty="0" err="1"/>
+              <a:t>mb_strlen</a:t>
+            </a:r>
+            <a:endParaRPr lang="en-US" dirty="0" smtClean="0"/>
+          </a:p>
+          <a:p>
+            <a:r>
+              <a:rPr lang="bg-BG" dirty="0" smtClean="0"/>
+              <a:t>Препоръки при използване на стрингове</a:t>
+            </a:r>
+          </a:p>
+        </p:txBody>
+      </p:sp>
+    </p:spTree>
+    <p:extLst>
+      <p:ext uri="{BB962C8B-B14F-4D97-AF65-F5344CB8AC3E}">
+        <p14:creationId xmlns:p14="http://schemas.microsoft.com/office/powerpoint/2010/main" val="1197870614"/>
+      </p:ext>
+    </p:extLst>
+  </p:cSld>
+  <p:clrMapOvr>
+    <a:masterClrMapping/>
+  </p:clrMapOvr>
+</p:sld>
+</file>
+
+<file path=ppt/slides/slide20.xml><?xml version="1.0" encoding="utf-8"?>
+<p:sld xmlns:a="http://schemas.openxmlformats.org/drawingml/2006/main" xmlns:r="http://schemas.openxmlformats.org/officeDocument/2006/relationships" xmlns:p="http://schemas.openxmlformats.org/presentationml/2006/main">
+  <p:cSld>
+    <p:spTree>
+      <p:nvGrpSpPr>
+        <p:cNvPr id="1" name=""/>
+        <p:cNvGrpSpPr/>
+        <p:nvPr/>
+      </p:nvGrpSpPr>
+      <p:grpSpPr>
+        <a:xfrm>
+          <a:off x="0" y="0"/>
+          <a:ext cx="0" cy="0"/>
+          <a:chOff x="0" y="0"/>
+          <a:chExt cx="0" cy="0"/>
+        </a:xfrm>
+      </p:grpSpPr>
+      <p:sp>
+        <p:nvSpPr>
+          <p:cNvPr id="2" name="Title 1"/>
+          <p:cNvSpPr>
+            <a:spLocks noGrp="1"/>
+          </p:cNvSpPr>
+          <p:nvPr>
+            <p:ph type="title"/>
+          </p:nvPr>
+        </p:nvSpPr>
+        <p:spPr/>
+        <p:txBody>
+          <a:bodyPr/>
+          <a:lstStyle/>
+          <a:p>
+            <a:r>
+              <a:rPr lang="en-US" dirty="0" smtClean="0"/>
+              <a:t>PHP </a:t>
+            </a:r>
+            <a:r>
+              <a:rPr lang="bg-BG" dirty="0" smtClean="0"/>
+              <a:t>ЗАРЕЖДАНЕ НА ФАЙЛОВЕ</a:t>
+            </a:r>
+            <a:endParaRPr lang="en-US" dirty="0"/>
+          </a:p>
+        </p:txBody>
+      </p:sp>
+      <p:sp>
+        <p:nvSpPr>
+          <p:cNvPr id="3" name="Content Placeholder 2"/>
+          <p:cNvSpPr>
+            <a:spLocks noGrp="1"/>
+          </p:cNvSpPr>
+          <p:nvPr>
+            <p:ph sz="quarter" idx="13"/>
+          </p:nvPr>
+        </p:nvSpPr>
+        <p:spPr/>
+        <p:txBody>
+          <a:bodyPr/>
+          <a:lstStyle/>
+          <a:p>
+            <a:r>
+              <a:rPr lang="bg-BG" dirty="0" smtClean="0"/>
+              <a:t>В ЕДИН </a:t>
+            </a:r>
+            <a:r>
+              <a:rPr lang="en-US" dirty="0" smtClean="0"/>
+              <a:t>PHP </a:t>
+            </a:r>
+            <a:r>
+              <a:rPr lang="bg-BG" dirty="0" smtClean="0"/>
+              <a:t>ФАЙЛ МОЖЕ ДА ЗАРЕЖДАТЕ ДРУГИ </a:t>
+            </a:r>
+            <a:r>
+              <a:rPr lang="en-US" dirty="0" smtClean="0"/>
+              <a:t>PHP </a:t>
+            </a:r>
+            <a:r>
+              <a:rPr lang="bg-BG" dirty="0" smtClean="0"/>
+              <a:t>ФАЙЛОВЕ</a:t>
+            </a:r>
+            <a:endParaRPr lang="en-US" dirty="0" smtClean="0"/>
+          </a:p>
+          <a:p>
+            <a:r>
+              <a:rPr lang="bg-BG" dirty="0" smtClean="0"/>
+              <a:t>Зареждането на файлове става с операторите </a:t>
+            </a:r>
+            <a:r>
+              <a:rPr lang="en-US" dirty="0" smtClean="0"/>
+              <a:t>include </a:t>
+            </a:r>
+            <a:r>
+              <a:rPr lang="bg-BG" dirty="0" smtClean="0"/>
+              <a:t>и </a:t>
+            </a:r>
+            <a:r>
+              <a:rPr lang="en-US" dirty="0" smtClean="0"/>
+              <a:t>require</a:t>
+            </a:r>
+          </a:p>
+          <a:p>
+            <a:r>
+              <a:rPr lang="en-US" dirty="0" smtClean="0"/>
+              <a:t>Include – </a:t>
+            </a:r>
+            <a:r>
+              <a:rPr lang="bg-BG" dirty="0" smtClean="0"/>
+              <a:t>при липса на файла се изписва </a:t>
+            </a:r>
+            <a:r>
+              <a:rPr lang="bg-BG" dirty="0" err="1" smtClean="0"/>
+              <a:t>предупреждание</a:t>
+            </a:r>
+            <a:endParaRPr lang="bg-BG" dirty="0" smtClean="0"/>
+          </a:p>
+          <a:p>
+            <a:r>
+              <a:rPr lang="en-US" dirty="0" smtClean="0"/>
+              <a:t>Require – </a:t>
+            </a:r>
+            <a:r>
+              <a:rPr lang="bg-BG" dirty="0" smtClean="0"/>
+              <a:t>при липса на файл възниква грешка и кода спира да се </a:t>
+            </a:r>
+            <a:r>
+              <a:rPr lang="bg-BG" dirty="0" err="1" smtClean="0"/>
+              <a:t>изпънява</a:t>
+            </a:r>
+            <a:endParaRPr lang="bg-BG" dirty="0"/>
+          </a:p>
+          <a:p>
+            <a:r>
+              <a:rPr lang="en-US" dirty="0" err="1" smtClean="0"/>
+              <a:t>Require_once</a:t>
+            </a:r>
+            <a:r>
+              <a:rPr lang="bg-BG" dirty="0" smtClean="0"/>
+              <a:t>, </a:t>
+            </a:r>
+            <a:r>
+              <a:rPr lang="en-US" dirty="0" err="1" smtClean="0"/>
+              <a:t>include_once</a:t>
+            </a:r>
+            <a:r>
+              <a:rPr lang="en-US" dirty="0" smtClean="0"/>
+              <a:t> – </a:t>
+            </a:r>
+            <a:r>
+              <a:rPr lang="bg-BG" dirty="0" err="1" smtClean="0"/>
+              <a:t>еквивалент</a:t>
+            </a:r>
+            <a:r>
+              <a:rPr lang="bg-BG" dirty="0" err="1"/>
+              <a:t>И</a:t>
+            </a:r>
+            <a:r>
+              <a:rPr lang="bg-BG" dirty="0" smtClean="0"/>
+              <a:t> на </a:t>
+            </a:r>
+            <a:r>
+              <a:rPr lang="en-US" dirty="0" smtClean="0"/>
+              <a:t>require </a:t>
+            </a:r>
+            <a:r>
+              <a:rPr lang="bg-BG" dirty="0" smtClean="0"/>
+              <a:t>и </a:t>
+            </a:r>
+            <a:r>
+              <a:rPr lang="en-US" dirty="0" smtClean="0"/>
+              <a:t>include, </a:t>
+            </a:r>
+            <a:r>
+              <a:rPr lang="bg-BG" dirty="0" smtClean="0"/>
+              <a:t>но те позволяват да се зарежда определен файл повече от 1 път</a:t>
+            </a:r>
+            <a:endParaRPr lang="en-US" dirty="0"/>
+          </a:p>
+        </p:txBody>
+      </p:sp>
+    </p:spTree>
+    <p:extLst>
+      <p:ext uri="{BB962C8B-B14F-4D97-AF65-F5344CB8AC3E}">
+        <p14:creationId xmlns:p14="http://schemas.microsoft.com/office/powerpoint/2010/main" val="4026966402"/>
+      </p:ext>
+    </p:extLst>
+  </p:cSld>
+  <p:clrMapOvr>
+    <a:masterClrMapping/>
+  </p:clrMapOvr>
+</p:sld>
+</file>
+
+<file path=ppt/slides/slide21.xml><?xml version="1.0" encoding="utf-8"?>
+<p:sld xmlns:a="http://schemas.openxmlformats.org/drawingml/2006/main" xmlns:r="http://schemas.openxmlformats.org/officeDocument/2006/relationships" xmlns:p="http://schemas.openxmlformats.org/presentationml/2006/main">
+  <p:cSld>
+    <p:spTree>
+      <p:nvGrpSpPr>
+        <p:cNvPr id="1" name=""/>
+        <p:cNvGrpSpPr/>
+        <p:nvPr/>
+      </p:nvGrpSpPr>
+      <p:grpSpPr>
+        <a:xfrm>
+          <a:off x="0" y="0"/>
+          <a:ext cx="0" cy="0"/>
+          <a:chOff x="0" y="0"/>
+          <a:chExt cx="0" cy="0"/>
+        </a:xfrm>
+      </p:grpSpPr>
+      <p:sp>
+        <p:nvSpPr>
+          <p:cNvPr id="2" name="Title 1"/>
+          <p:cNvSpPr>
+            <a:spLocks noGrp="1"/>
+          </p:cNvSpPr>
+          <p:nvPr>
+            <p:ph type="title"/>
+          </p:nvPr>
+        </p:nvSpPr>
+        <p:spPr/>
+        <p:txBody>
+          <a:bodyPr/>
+          <a:lstStyle/>
+          <a:p>
+            <a:r>
+              <a:rPr lang="en-US" dirty="0"/>
+              <a:t>PHP </a:t>
+            </a:r>
+            <a:r>
+              <a:rPr lang="bg-BG" dirty="0"/>
+              <a:t>ЗАРЕЖДАНЕ НА </a:t>
+            </a:r>
+            <a:r>
+              <a:rPr lang="bg-BG" dirty="0" smtClean="0"/>
+              <a:t>ФАЙЛОВЕ</a:t>
+            </a:r>
+            <a:r>
+              <a:rPr lang="en-US" dirty="0" smtClean="0"/>
+              <a:t> </a:t>
+            </a:r>
+            <a:r>
+              <a:rPr lang="bg-BG" dirty="0" smtClean="0"/>
+              <a:t>демо</a:t>
+            </a:r>
+            <a:endParaRPr lang="en-US" dirty="0"/>
+          </a:p>
+        </p:txBody>
+      </p:sp>
+      <p:pic>
+        <p:nvPicPr>
+          <p:cNvPr id="7170" name="Picture 2" descr="http://www.siteground.com/img/knox/tutorials/uploaded_images/images/vbulletin/image1.jpg"/>
+          <p:cNvPicPr>
+            <a:picLocks noChangeAspect="1" noChangeArrowheads="1"/>
+          </p:cNvPicPr>
+          <p:nvPr/>
+        </p:nvPicPr>
+        <p:blipFill>
+          <a:blip r:embed="rId2">
+            <a:extLst>
+              <a:ext uri="{28A0092B-C50C-407E-A947-70E740481C1C}">
+                <a14:useLocalDpi xmlns:a14="http://schemas.microsoft.com/office/drawing/2010/main" val="0"/>
+              </a:ext>
+            </a:extLst>
+          </a:blip>
+          <a:srcRect/>
+          <a:stretch>
+            <a:fillRect/>
+          </a:stretch>
+        </p:blipFill>
+        <p:spPr bwMode="auto">
+          <a:xfrm>
+            <a:off x="2289647" y="2014151"/>
+            <a:ext cx="7612706" cy="4078235"/>
+          </a:xfrm>
+          <a:prstGeom prst="rect">
+            <a:avLst/>
+          </a:prstGeom>
+          <a:noFill/>
+          <a:extLst>
+            <a:ext uri="{909E8E84-426E-40DD-AFC4-6F175D3DCCD1}">
+              <a14:hiddenFill xmlns:a14="http://schemas.microsoft.com/office/drawing/2010/main">
+                <a:solidFill>
+                  <a:srgbClr val="FFFFFF"/>
+                </a:solidFill>
+              </a14:hiddenFill>
+            </a:ext>
+          </a:extLst>
+        </p:spPr>
+      </p:pic>
+    </p:spTree>
+    <p:extLst>
+      <p:ext uri="{BB962C8B-B14F-4D97-AF65-F5344CB8AC3E}">
+        <p14:creationId xmlns:p14="http://schemas.microsoft.com/office/powerpoint/2010/main" val="2999045102"/>
+      </p:ext>
+    </p:extLst>
+  </p:cSld>
+  <p:clrMapOvr>
+    <a:masterClrMapping/>
+  </p:clrMapOvr>
+</p:sld>
+</file>
+
+<file path=ppt/slides/slide22.xml><?xml version="1.0" encoding="utf-8"?>
+<p:sld xmlns:a="http://schemas.openxmlformats.org/drawingml/2006/main" xmlns:r="http://schemas.openxmlformats.org/officeDocument/2006/relationships" xmlns:p="http://schemas.openxmlformats.org/presentationml/2006/main">
+  <p:cSld>
+    <p:spTree>
+      <p:nvGrpSpPr>
+        <p:cNvPr id="1" name=""/>
+        <p:cNvGrpSpPr/>
+        <p:nvPr/>
+      </p:nvGrpSpPr>
+      <p:grpSpPr>
+        <a:xfrm>
+          <a:off x="0" y="0"/>
+          <a:ext cx="0" cy="0"/>
+          <a:chOff x="0" y="0"/>
+          <a:chExt cx="0" cy="0"/>
+        </a:xfrm>
+      </p:grpSpPr>
+      <p:sp>
+        <p:nvSpPr>
+          <p:cNvPr id="2" name="Title 1"/>
+          <p:cNvSpPr>
+            <a:spLocks noGrp="1"/>
+          </p:cNvSpPr>
+          <p:nvPr>
+            <p:ph type="title"/>
+          </p:nvPr>
+        </p:nvSpPr>
+        <p:spPr/>
+        <p:txBody>
+          <a:bodyPr/>
+          <a:lstStyle/>
+          <a:p>
+            <a:r>
+              <a:rPr lang="bg-BG" dirty="0" smtClean="0"/>
+              <a:t>задача</a:t>
+            </a:r>
+            <a:endParaRPr lang="en-US" dirty="0"/>
+          </a:p>
+        </p:txBody>
+      </p:sp>
+      <p:sp>
+        <p:nvSpPr>
+          <p:cNvPr id="3" name="Content Placeholder 2"/>
+          <p:cNvSpPr>
+            <a:spLocks noGrp="1"/>
+          </p:cNvSpPr>
+          <p:nvPr>
+            <p:ph sz="quarter" idx="13"/>
+          </p:nvPr>
+        </p:nvSpPr>
+        <p:spPr/>
+        <p:txBody>
+          <a:bodyPr/>
+          <a:lstStyle/>
+          <a:p>
+            <a:r>
+              <a:rPr lang="bg-BG" dirty="0" smtClean="0"/>
+              <a:t>Дефинирайте 2 константи с им</a:t>
+            </a:r>
+            <a:r>
+              <a:rPr lang="en-US" dirty="0" err="1" smtClean="0"/>
+              <a:t>ena</a:t>
+            </a:r>
+            <a:r>
+              <a:rPr lang="en-US" smtClean="0"/>
+              <a:t> COLS </a:t>
+            </a:r>
+            <a:r>
+              <a:rPr lang="bg-BG" dirty="0" smtClean="0"/>
+              <a:t>и </a:t>
+            </a:r>
+            <a:r>
+              <a:rPr lang="en-US" dirty="0" smtClean="0"/>
+              <a:t>ROWS </a:t>
+            </a:r>
+            <a:r>
+              <a:rPr lang="bg-BG" dirty="0" smtClean="0"/>
+              <a:t>със стойности съответно 4 и 5. С помощта на два вложени </a:t>
+            </a:r>
+            <a:r>
+              <a:rPr lang="en-US" dirty="0" smtClean="0"/>
+              <a:t>for </a:t>
+            </a:r>
+            <a:r>
+              <a:rPr lang="bg-BG" dirty="0" smtClean="0"/>
+              <a:t>цикъла генерирайте таблица като за брой на редовете използвайте константа </a:t>
+            </a:r>
+            <a:r>
+              <a:rPr lang="en-US" dirty="0" smtClean="0"/>
+              <a:t>rows </a:t>
+            </a:r>
+            <a:r>
+              <a:rPr lang="bg-BG" dirty="0" smtClean="0"/>
+              <a:t>а за брой на колоните използвайте </a:t>
+            </a:r>
+            <a:r>
+              <a:rPr lang="en-US" dirty="0" smtClean="0"/>
+              <a:t>cols. </a:t>
+            </a:r>
+            <a:r>
+              <a:rPr lang="bg-BG" dirty="0" smtClean="0"/>
+              <a:t>В всяка клетка изпишете номера на реда и номера на колоната разделени със запетая</a:t>
+            </a:r>
+            <a:endParaRPr lang="en-US" dirty="0"/>
+          </a:p>
+        </p:txBody>
+      </p:sp>
+    </p:spTree>
+    <p:extLst>
+      <p:ext uri="{BB962C8B-B14F-4D97-AF65-F5344CB8AC3E}">
+        <p14:creationId xmlns:p14="http://schemas.microsoft.com/office/powerpoint/2010/main" val="3426750872"/>
+      </p:ext>
+    </p:extLst>
+  </p:cSld>
+  <p:clrMapOvr>
+    <a:masterClrMapping/>
+  </p:clrMapOvr>
+</p:sld>
+</file>
+
+<file path=ppt/slides/slide23.xml><?xml version="1.0" encoding="utf-8"?>
+<p:sld xmlns:a="http://schemas.openxmlformats.org/drawingml/2006/main" xmlns:r="http://schemas.openxmlformats.org/officeDocument/2006/relationships" xmlns:p="http://schemas.openxmlformats.org/presentationml/2006/main">
+  <p:cSld>
+    <p:spTree>
+      <p:nvGrpSpPr>
+        <p:cNvPr id="1" name=""/>
+        <p:cNvGrpSpPr/>
+        <p:nvPr/>
+      </p:nvGrpSpPr>
+      <p:grpSpPr>
+        <a:xfrm>
+          <a:off x="0" y="0"/>
+          <a:ext cx="0" cy="0"/>
+          <a:chOff x="0" y="0"/>
+          <a:chExt cx="0" cy="0"/>
+        </a:xfrm>
+      </p:grpSpPr>
+      <p:sp>
+        <p:nvSpPr>
+          <p:cNvPr id="2" name="Title 1"/>
+          <p:cNvSpPr>
+            <a:spLocks noGrp="1"/>
+          </p:cNvSpPr>
+          <p:nvPr>
+            <p:ph type="title"/>
+          </p:nvPr>
+        </p:nvSpPr>
+        <p:spPr/>
+        <p:txBody>
+          <a:bodyPr/>
+          <a:lstStyle/>
+          <a:p>
+            <a:r>
+              <a:rPr lang="bg-BG" dirty="0" smtClean="0"/>
+              <a:t>Въпроси</a:t>
+            </a:r>
+            <a:endParaRPr lang="en-US" dirty="0"/>
+          </a:p>
+        </p:txBody>
+      </p:sp>
+      <p:pic>
+        <p:nvPicPr>
+          <p:cNvPr id="10242" name="Picture 2" descr="http://www.pdp.org.au/sites/default/files/3D-Small-People--Questions.jpg"/>
+          <p:cNvPicPr>
+            <a:picLocks noChangeAspect="1" noChangeArrowheads="1"/>
+          </p:cNvPicPr>
+          <p:nvPr/>
+        </p:nvPicPr>
+        <p:blipFill>
+          <a:blip r:embed="rId2">
+            <a:extLst>
+              <a:ext uri="{28A0092B-C50C-407E-A947-70E740481C1C}">
+                <a14:useLocalDpi xmlns:a14="http://schemas.microsoft.com/office/drawing/2010/main" val="0"/>
+              </a:ext>
+            </a:extLst>
+          </a:blip>
+          <a:srcRect/>
+          <a:stretch>
+            <a:fillRect/>
+          </a:stretch>
+        </p:blipFill>
+        <p:spPr bwMode="auto">
+          <a:xfrm>
+            <a:off x="1646717" y="2000887"/>
+            <a:ext cx="8898566" cy="4745902"/>
+          </a:xfrm>
+          <a:prstGeom prst="rect">
+            <a:avLst/>
+          </a:prstGeom>
+          <a:noFill/>
+          <a:extLst>
+            <a:ext uri="{909E8E84-426E-40DD-AFC4-6F175D3DCCD1}">
+              <a14:hiddenFill xmlns:a14="http://schemas.microsoft.com/office/drawing/2010/main">
+                <a:solidFill>
+                  <a:srgbClr val="FFFFFF"/>
+                </a:solidFill>
+              </a14:hiddenFill>
+            </a:ext>
+          </a:extLst>
+        </p:spPr>
+      </p:pic>
+    </p:spTree>
+    <p:extLst>
+      <p:ext uri="{BB962C8B-B14F-4D97-AF65-F5344CB8AC3E}">
+        <p14:creationId xmlns:p14="http://schemas.microsoft.com/office/powerpoint/2010/main" val="911032717"/>
+      </p:ext>
+    </p:extLst>
+  </p:cSld>
+  <p:clrMapOvr>
+    <a:masterClrMapping/>
+  </p:clrMapOvr>
+</p:sld>
+</file>
+
+<file path=ppt/slides/slide3.xml><?xml version="1.0" encoding="utf-8"?>
+<p:sld xmlns:a="http://schemas.openxmlformats.org/drawingml/2006/main" xmlns:r="http://schemas.openxmlformats.org/officeDocument/2006/relationships" xmlns:p="http://schemas.openxmlformats.org/presentationml/2006/main">
+  <p:cSld>
+    <p:spTree>
+      <p:nvGrpSpPr>
+        <p:cNvPr id="1" name=""/>
+        <p:cNvGrpSpPr/>
+        <p:nvPr/>
+      </p:nvGrpSpPr>
+      <p:grpSpPr>
+        <a:xfrm>
+          <a:off x="0" y="0"/>
+          <a:ext cx="0" cy="0"/>
+          <a:chOff x="0" y="0"/>
+          <a:chExt cx="0" cy="0"/>
+        </a:xfrm>
+      </p:grpSpPr>
+      <p:sp>
+        <p:nvSpPr>
+          <p:cNvPr id="2" name="Title 1"/>
+          <p:cNvSpPr>
+            <a:spLocks noGrp="1"/>
+          </p:cNvSpPr>
+          <p:nvPr>
+            <p:ph type="title"/>
+          </p:nvPr>
+        </p:nvSpPr>
+        <p:spPr/>
+        <p:txBody>
+          <a:bodyPr/>
+          <a:lstStyle/>
+          <a:p>
+            <a:r>
+              <a:rPr lang="en-US" dirty="0" smtClean="0"/>
+              <a:t>PHP Strings </a:t>
+            </a:r>
+            <a:r>
+              <a:rPr lang="bg-BG" dirty="0" smtClean="0"/>
+              <a:t>Демо</a:t>
+            </a:r>
+            <a:endParaRPr lang="en-US" dirty="0"/>
+          </a:p>
+        </p:txBody>
+      </p:sp>
+      <p:pic>
+        <p:nvPicPr>
+          <p:cNvPr id="1026" name="Picture 2" descr="http://w3lessons.info/wp-content/uploads/2011/12/IMG_29591.jpg"/>
+          <p:cNvPicPr>
+            <a:picLocks noChangeAspect="1" noChangeArrowheads="1"/>
+          </p:cNvPicPr>
+          <p:nvPr/>
+        </p:nvPicPr>
+        <p:blipFill>
+          <a:blip r:embed="rId2">
+            <a:extLst>
+              <a:ext uri="{28A0092B-C50C-407E-A947-70E740481C1C}">
+                <a14:useLocalDpi xmlns:a14="http://schemas.microsoft.com/office/drawing/2010/main" val="0"/>
+              </a:ext>
+            </a:extLst>
+          </a:blip>
+          <a:srcRect/>
+          <a:stretch>
+            <a:fillRect/>
+          </a:stretch>
+        </p:blipFill>
+        <p:spPr bwMode="auto">
+          <a:xfrm>
+            <a:off x="2899161" y="2042984"/>
+            <a:ext cx="6393677" cy="4440608"/>
+          </a:xfrm>
+          <a:prstGeom prst="rect">
+            <a:avLst/>
+          </a:prstGeom>
+          <a:noFill/>
+          <a:extLst>
+            <a:ext uri="{909E8E84-426E-40DD-AFC4-6F175D3DCCD1}">
+              <a14:hiddenFill xmlns:a14="http://schemas.microsoft.com/office/drawing/2010/main">
+                <a:solidFill>
+                  <a:srgbClr val="FFFFFF"/>
+                </a:solidFill>
+              </a14:hiddenFill>
+            </a:ext>
+          </a:extLst>
+        </p:spPr>
+      </p:pic>
+    </p:spTree>
+    <p:extLst>
+      <p:ext uri="{BB962C8B-B14F-4D97-AF65-F5344CB8AC3E}">
+        <p14:creationId xmlns:p14="http://schemas.microsoft.com/office/powerpoint/2010/main" val="3429402275"/>
+      </p:ext>
+    </p:extLst>
+  </p:cSld>
+  <p:clrMapOvr>
+    <a:masterClrMapping/>
+  </p:clrMapOvr>
+</p:sld>
+</file>
+
+<file path=ppt/slides/slide4.xml><?xml version="1.0" encoding="utf-8"?>
+<p:sld xmlns:a="http://schemas.openxmlformats.org/drawingml/2006/main" xmlns:r="http://schemas.openxmlformats.org/officeDocument/2006/relationships" xmlns:p="http://schemas.openxmlformats.org/presentationml/2006/main">
+  <p:cSld>
+    <p:spTree>
+      <p:nvGrpSpPr>
+        <p:cNvPr id="1" name=""/>
+        <p:cNvGrpSpPr/>
+        <p:nvPr/>
+      </p:nvGrpSpPr>
+      <p:grpSpPr>
+        <a:xfrm>
+          <a:off x="0" y="0"/>
+          <a:ext cx="0" cy="0"/>
+          <a:chOff x="0" y="0"/>
+          <a:chExt cx="0" cy="0"/>
+        </a:xfrm>
+      </p:grpSpPr>
+      <p:sp>
+        <p:nvSpPr>
+          <p:cNvPr id="2" name="Title 1"/>
+          <p:cNvSpPr>
+            <a:spLocks noGrp="1"/>
+          </p:cNvSpPr>
+          <p:nvPr>
+            <p:ph type="title"/>
+          </p:nvPr>
+        </p:nvSpPr>
+        <p:spPr/>
+        <p:txBody>
+          <a:bodyPr/>
+          <a:lstStyle/>
+          <a:p>
+            <a:r>
+              <a:rPr lang="bg-BG" dirty="0" smtClean="0"/>
+              <a:t>Още за условията</a:t>
+            </a:r>
+            <a:endParaRPr lang="en-US" dirty="0"/>
+          </a:p>
+        </p:txBody>
+      </p:sp>
+      <p:sp>
+        <p:nvSpPr>
+          <p:cNvPr id="3" name="Content Placeholder 2"/>
+          <p:cNvSpPr>
+            <a:spLocks noGrp="1"/>
+          </p:cNvSpPr>
+          <p:nvPr>
+            <p:ph sz="quarter" idx="13"/>
+          </p:nvPr>
+        </p:nvSpPr>
+        <p:spPr/>
+        <p:txBody>
+          <a:bodyPr/>
+          <a:lstStyle/>
+          <a:p>
+            <a:r>
+              <a:rPr lang="bg-BG" dirty="0" smtClean="0"/>
+              <a:t>Оператор за отрицание</a:t>
+            </a:r>
+            <a:r>
+              <a:rPr lang="en-US" dirty="0" smtClean="0"/>
+              <a:t> !</a:t>
+            </a:r>
+            <a:endParaRPr lang="bg-BG" dirty="0" smtClean="0"/>
+          </a:p>
+          <a:p>
+            <a:r>
+              <a:rPr lang="bg-BG" dirty="0" smtClean="0"/>
+              <a:t>Разлика между == и ===</a:t>
+            </a:r>
+          </a:p>
+          <a:p>
+            <a:r>
+              <a:rPr lang="bg-BG" dirty="0" smtClean="0"/>
+              <a:t>Разлика между != и !==</a:t>
+            </a:r>
+          </a:p>
+          <a:p>
+            <a:r>
+              <a:rPr lang="bg-BG" dirty="0" smtClean="0"/>
+              <a:t>Закони на де </a:t>
+            </a:r>
+            <a:r>
+              <a:rPr lang="bg-BG" dirty="0" err="1" smtClean="0"/>
+              <a:t>морган</a:t>
+            </a:r>
+            <a:endParaRPr lang="bg-BG" dirty="0" smtClean="0"/>
+          </a:p>
+          <a:p>
+            <a:pPr marL="0" indent="0">
+              <a:buNone/>
+            </a:pPr>
+            <a:r>
+              <a:rPr lang="en-US" dirty="0" smtClean="0"/>
+              <a:t>!(A &amp;&amp; B) = (!a || !b)</a:t>
+            </a:r>
+          </a:p>
+          <a:p>
+            <a:pPr marL="0" indent="0">
+              <a:buNone/>
+            </a:pPr>
+            <a:r>
+              <a:rPr lang="en-US" dirty="0" smtClean="0"/>
+              <a:t>!(a || b)  = (!A &amp;&amp; !B)</a:t>
+            </a:r>
+          </a:p>
+          <a:p>
+            <a:pPr marL="0" indent="0">
+              <a:buNone/>
+            </a:pPr>
+            <a:endParaRPr lang="en-US" dirty="0"/>
+          </a:p>
+        </p:txBody>
+      </p:sp>
+    </p:spTree>
+    <p:extLst>
+      <p:ext uri="{BB962C8B-B14F-4D97-AF65-F5344CB8AC3E}">
+        <p14:creationId xmlns:p14="http://schemas.microsoft.com/office/powerpoint/2010/main" val="4163570583"/>
+      </p:ext>
+    </p:extLst>
+  </p:cSld>
+  <p:clrMapOvr>
+    <a:masterClrMapping/>
+  </p:clrMapOvr>
+</p:sld>
+</file>
+
+<file path=ppt/slides/slide5.xml><?xml version="1.0" encoding="utf-8"?>
+<p:sld xmlns:a="http://schemas.openxmlformats.org/drawingml/2006/main" xmlns:r="http://schemas.openxmlformats.org/officeDocument/2006/relationships" xmlns:p="http://schemas.openxmlformats.org/presentationml/2006/main">
+  <p:cSld>
+    <p:spTree>
+      <p:nvGrpSpPr>
+        <p:cNvPr id="1" name=""/>
+        <p:cNvGrpSpPr/>
+        <p:nvPr/>
+      </p:nvGrpSpPr>
+      <p:grpSpPr>
+        <a:xfrm>
+          <a:off x="0" y="0"/>
+          <a:ext cx="0" cy="0"/>
+          <a:chOff x="0" y="0"/>
+          <a:chExt cx="0" cy="0"/>
+        </a:xfrm>
+      </p:grpSpPr>
+      <p:sp>
+        <p:nvSpPr>
+          <p:cNvPr id="2" name="Title 1"/>
+          <p:cNvSpPr>
+            <a:spLocks noGrp="1"/>
+          </p:cNvSpPr>
+          <p:nvPr>
+            <p:ph type="title"/>
+          </p:nvPr>
+        </p:nvSpPr>
+        <p:spPr/>
+        <p:txBody>
+          <a:bodyPr/>
+          <a:lstStyle/>
+          <a:p>
+            <a:r>
+              <a:rPr lang="bg-BG" dirty="0" smtClean="0"/>
+              <a:t>Условия демо</a:t>
+            </a:r>
+            <a:endParaRPr lang="en-US" dirty="0"/>
+          </a:p>
+        </p:txBody>
+      </p:sp>
+      <p:pic>
+        <p:nvPicPr>
+          <p:cNvPr id="9218" name="Picture 2" descr="http://1.bp.blogspot.com/-9rVPzA-yPHE/UrKaDgD0NgI/AAAAAAAABP8/WUx8h02Kl6w/s1600/Basic+Tutorial+PHP+If+Else+Statement+With+Multiple+Conditions.jpg"/>
+          <p:cNvPicPr>
+            <a:picLocks noChangeAspect="1" noChangeArrowheads="1"/>
+          </p:cNvPicPr>
+          <p:nvPr/>
+        </p:nvPicPr>
+        <p:blipFill>
+          <a:blip r:embed="rId2">
+            <a:extLst>
+              <a:ext uri="{28A0092B-C50C-407E-A947-70E740481C1C}">
+                <a14:useLocalDpi xmlns:a14="http://schemas.microsoft.com/office/drawing/2010/main" val="0"/>
+              </a:ext>
+            </a:extLst>
+          </a:blip>
+          <a:srcRect/>
+          <a:stretch>
+            <a:fillRect/>
+          </a:stretch>
+        </p:blipFill>
+        <p:spPr bwMode="auto">
+          <a:xfrm>
+            <a:off x="2355549" y="2402659"/>
+            <a:ext cx="7480901" cy="4089561"/>
+          </a:xfrm>
+          <a:prstGeom prst="rect">
+            <a:avLst/>
+          </a:prstGeom>
+          <a:noFill/>
+          <a:extLst>
+            <a:ext uri="{909E8E84-426E-40DD-AFC4-6F175D3DCCD1}">
+              <a14:hiddenFill xmlns:a14="http://schemas.microsoft.com/office/drawing/2010/main">
+                <a:solidFill>
+                  <a:srgbClr val="FFFFFF"/>
+                </a:solidFill>
+              </a14:hiddenFill>
+            </a:ext>
+          </a:extLst>
+        </p:spPr>
+      </p:pic>
+    </p:spTree>
+    <p:extLst>
+      <p:ext uri="{BB962C8B-B14F-4D97-AF65-F5344CB8AC3E}">
+        <p14:creationId xmlns:p14="http://schemas.microsoft.com/office/powerpoint/2010/main" val="1375633557"/>
+      </p:ext>
+    </p:extLst>
+  </p:cSld>
+  <p:clrMapOvr>
+    <a:masterClrMapping/>
+  </p:clrMapOvr>
+</p:sld>
+</file>
+
+<file path=ppt/slides/slide6.xml><?xml version="1.0" encoding="utf-8"?>
+<p:sld xmlns:a="http://schemas.openxmlformats.org/drawingml/2006/main" xmlns:r="http://schemas.openxmlformats.org/officeDocument/2006/relationships" xmlns:p="http://schemas.openxmlformats.org/presentationml/2006/main">
+  <p:cSld>
+    <p:spTree>
+      <p:nvGrpSpPr>
+        <p:cNvPr id="1" name=""/>
+        <p:cNvGrpSpPr/>
+        <p:nvPr/>
+      </p:nvGrpSpPr>
+      <p:grpSpPr>
+        <a:xfrm>
+          <a:off x="0" y="0"/>
+          <a:ext cx="0" cy="0"/>
+          <a:chOff x="0" y="0"/>
+          <a:chExt cx="0" cy="0"/>
+        </a:xfrm>
+      </p:grpSpPr>
+      <p:sp>
+        <p:nvSpPr>
+          <p:cNvPr id="2" name="Title 1"/>
+          <p:cNvSpPr>
+            <a:spLocks noGrp="1"/>
+          </p:cNvSpPr>
+          <p:nvPr>
+            <p:ph type="title"/>
+          </p:nvPr>
+        </p:nvSpPr>
+        <p:spPr>
+          <a:xfrm>
+            <a:off x="913774" y="618517"/>
+            <a:ext cx="10364451" cy="1596177"/>
+          </a:xfrm>
+        </p:spPr>
+        <p:txBody>
+          <a:bodyPr/>
+          <a:lstStyle/>
+          <a:p>
+            <a:r>
+              <a:rPr lang="en-US" dirty="0" smtClean="0"/>
+              <a:t>PHP </a:t>
+            </a:r>
+            <a:r>
+              <a:rPr lang="bg-BG" dirty="0" smtClean="0"/>
+              <a:t>Цикли</a:t>
+            </a:r>
+            <a:endParaRPr lang="en-US" dirty="0"/>
+          </a:p>
+        </p:txBody>
+      </p:sp>
+      <p:sp>
+        <p:nvSpPr>
+          <p:cNvPr id="3" name="Content Placeholder 2"/>
+          <p:cNvSpPr>
+            <a:spLocks noGrp="1"/>
+          </p:cNvSpPr>
+          <p:nvPr>
+            <p:ph sz="quarter" idx="13"/>
+          </p:nvPr>
+        </p:nvSpPr>
+        <p:spPr/>
+        <p:txBody>
+          <a:bodyPr/>
+          <a:lstStyle/>
+          <a:p>
+            <a:r>
+              <a:rPr lang="bg-BG" dirty="0" smtClean="0"/>
+              <a:t>Циклите повтарят даден набор от инструкции</a:t>
+            </a:r>
+          </a:p>
+          <a:p>
+            <a:r>
+              <a:rPr lang="bg-BG" dirty="0" smtClean="0"/>
+              <a:t>Едно завъртане на цикъл се нарича итерация</a:t>
+            </a:r>
+          </a:p>
+          <a:p>
+            <a:r>
+              <a:rPr lang="bg-BG" dirty="0" smtClean="0"/>
+              <a:t>Циклите се изпълняват докато условите на цикъла е вярно</a:t>
+            </a:r>
+          </a:p>
+          <a:p>
+            <a:r>
+              <a:rPr lang="bg-BG" dirty="0" smtClean="0"/>
+              <a:t>Помагат за пресмятана и изчерпване</a:t>
+            </a:r>
+          </a:p>
+          <a:p>
+            <a:r>
+              <a:rPr lang="bg-BG" dirty="0" smtClean="0"/>
+              <a:t>Цикли които се повтарят безкрайно пораждат грешка</a:t>
+            </a:r>
+          </a:p>
+          <a:p>
+            <a:pPr marL="0" indent="0">
+              <a:buNone/>
+            </a:pPr>
+            <a:endParaRPr lang="bg-BG" dirty="0" smtClean="0"/>
+          </a:p>
+          <a:p>
+            <a:endParaRPr lang="en-US" dirty="0"/>
+          </a:p>
+        </p:txBody>
+      </p:sp>
+    </p:spTree>
+    <p:extLst>
+      <p:ext uri="{BB962C8B-B14F-4D97-AF65-F5344CB8AC3E}">
+        <p14:creationId xmlns:p14="http://schemas.microsoft.com/office/powerpoint/2010/main" val="1145701202"/>
+      </p:ext>
+    </p:extLst>
+  </p:cSld>
+  <p:clrMapOvr>
+    <a:masterClrMapping/>
+  </p:clrMapOvr>
+</p:sld>
+</file>
+
+<file path=ppt/slides/slide7.xml><?xml version="1.0" encoding="utf-8"?>
+<p:sld xmlns:a="http://schemas.openxmlformats.org/drawingml/2006/main" xmlns:r="http://schemas.openxmlformats.org/officeDocument/2006/relationships" xmlns:p="http://schemas.openxmlformats.org/presentationml/2006/main">
+  <p:cSld>
+    <p:spTree>
+      <p:nvGrpSpPr>
+        <p:cNvPr id="1" name=""/>
+        <p:cNvGrpSpPr/>
+        <p:nvPr/>
+      </p:nvGrpSpPr>
+      <p:grpSpPr>
+        <a:xfrm>
+          <a:off x="0" y="0"/>
+          <a:ext cx="0" cy="0"/>
+          <a:chOff x="0" y="0"/>
+          <a:chExt cx="0" cy="0"/>
+        </a:xfrm>
+      </p:grpSpPr>
+      <p:sp>
+        <p:nvSpPr>
+          <p:cNvPr id="2" name="Title 1"/>
+          <p:cNvSpPr>
+            <a:spLocks noGrp="1"/>
+          </p:cNvSpPr>
+          <p:nvPr>
+            <p:ph type="title"/>
+          </p:nvPr>
+        </p:nvSpPr>
+        <p:spPr/>
+        <p:txBody>
+          <a:bodyPr/>
+          <a:lstStyle/>
+          <a:p>
+            <a:r>
+              <a:rPr lang="bg-BG" dirty="0" smtClean="0"/>
+              <a:t>Цикълът </a:t>
+            </a:r>
+            <a:r>
+              <a:rPr lang="en-US" dirty="0" smtClean="0"/>
+              <a:t>while</a:t>
+            </a:r>
+            <a:endParaRPr lang="en-US" dirty="0"/>
+          </a:p>
+        </p:txBody>
+      </p:sp>
+      <p:sp>
+        <p:nvSpPr>
+          <p:cNvPr id="3" name="Content Placeholder 2"/>
+          <p:cNvSpPr>
+            <a:spLocks noGrp="1"/>
+          </p:cNvSpPr>
+          <p:nvPr>
+            <p:ph sz="quarter" idx="13"/>
+          </p:nvPr>
+        </p:nvSpPr>
+        <p:spPr/>
+        <p:txBody>
+          <a:bodyPr/>
+          <a:lstStyle/>
+          <a:p>
+            <a:r>
+              <a:rPr lang="bg-BG" dirty="0" smtClean="0"/>
+              <a:t>Повтаря се блок от код докато определено условие е изпълнено</a:t>
+            </a:r>
+          </a:p>
+          <a:p>
+            <a:r>
+              <a:rPr lang="bg-BG" dirty="0" smtClean="0"/>
+              <a:t>Ако тялото на цикъла съдържа едно условие – скоби не са задължителни</a:t>
+            </a:r>
+          </a:p>
+          <a:p>
+            <a:r>
+              <a:rPr lang="bg-BG" dirty="0" smtClean="0"/>
+              <a:t>Препоръчително е винаги да се поставят скоби </a:t>
+            </a:r>
+            <a:endParaRPr lang="en-US" dirty="0"/>
+          </a:p>
+        </p:txBody>
+      </p:sp>
+    </p:spTree>
+    <p:extLst>
+      <p:ext uri="{BB962C8B-B14F-4D97-AF65-F5344CB8AC3E}">
+        <p14:creationId xmlns:p14="http://schemas.microsoft.com/office/powerpoint/2010/main" val="194361351"/>
+      </p:ext>
+    </p:extLst>
+  </p:cSld>
+  <p:clrMapOvr>
+    <a:masterClrMapping/>
+  </p:clrMapOvr>
+</p:sld>
+</file>
+
+<file path=ppt/slides/slide8.xml><?xml version="1.0" encoding="utf-8"?>
+<p:sld xmlns:a="http://schemas.openxmlformats.org/drawingml/2006/main" xmlns:r="http://schemas.openxmlformats.org/officeDocument/2006/relationships" xmlns:p="http://schemas.openxmlformats.org/presentationml/2006/main">
+  <p:cSld>
+    <p:spTree>
+      <p:nvGrpSpPr>
+        <p:cNvPr id="1" name=""/>
+        <p:cNvGrpSpPr/>
+        <p:nvPr/>
+      </p:nvGrpSpPr>
+      <p:grpSpPr>
+        <a:xfrm>
+          <a:off x="0" y="0"/>
+          <a:ext cx="0" cy="0"/>
+          <a:chOff x="0" y="0"/>
+          <a:chExt cx="0" cy="0"/>
+        </a:xfrm>
+      </p:grpSpPr>
+      <p:sp>
+        <p:nvSpPr>
+          <p:cNvPr id="2" name="Title 1"/>
+          <p:cNvSpPr>
+            <a:spLocks noGrp="1"/>
+          </p:cNvSpPr>
+          <p:nvPr>
+            <p:ph type="title"/>
+          </p:nvPr>
+        </p:nvSpPr>
+        <p:spPr/>
+        <p:txBody>
+          <a:bodyPr/>
+          <a:lstStyle/>
+          <a:p>
+            <a:r>
+              <a:rPr lang="bg-BG" dirty="0" err="1" smtClean="0"/>
+              <a:t>ЦИкълът</a:t>
+            </a:r>
+            <a:r>
+              <a:rPr lang="bg-BG" dirty="0" smtClean="0"/>
+              <a:t> </a:t>
+            </a:r>
+            <a:r>
+              <a:rPr lang="en-US" dirty="0" smtClean="0"/>
+              <a:t>while </a:t>
+            </a:r>
+            <a:r>
+              <a:rPr lang="bg-BG" dirty="0" err="1" smtClean="0"/>
+              <a:t>ДЕМо</a:t>
+            </a:r>
+            <a:endParaRPr lang="en-US" dirty="0"/>
+          </a:p>
+        </p:txBody>
+      </p:sp>
+      <p:pic>
+        <p:nvPicPr>
+          <p:cNvPr id="2050" name="Picture 2" descr="https://www.servage.net/blog/wp-content/uploads/2012/11/loops.jpeg"/>
+          <p:cNvPicPr>
+            <a:picLocks noChangeAspect="1" noChangeArrowheads="1"/>
+          </p:cNvPicPr>
+          <p:nvPr/>
+        </p:nvPicPr>
+        <p:blipFill>
+          <a:blip r:embed="rId2">
+            <a:extLst>
+              <a:ext uri="{28A0092B-C50C-407E-A947-70E740481C1C}">
+                <a14:useLocalDpi xmlns:a14="http://schemas.microsoft.com/office/drawing/2010/main" val="0"/>
+              </a:ext>
+            </a:extLst>
+          </a:blip>
+          <a:srcRect/>
+          <a:stretch>
+            <a:fillRect/>
+          </a:stretch>
+        </p:blipFill>
+        <p:spPr bwMode="auto">
+          <a:xfrm>
+            <a:off x="3047528" y="2089021"/>
+            <a:ext cx="6096944" cy="4371396"/>
+          </a:xfrm>
+          <a:prstGeom prst="rect">
+            <a:avLst/>
+          </a:prstGeom>
+          <a:noFill/>
+          <a:extLst>
+            <a:ext uri="{909E8E84-426E-40DD-AFC4-6F175D3DCCD1}">
+              <a14:hiddenFill xmlns:a14="http://schemas.microsoft.com/office/drawing/2010/main">
+                <a:solidFill>
+                  <a:srgbClr val="FFFFFF"/>
+                </a:solidFill>
+              </a14:hiddenFill>
+            </a:ext>
+          </a:extLst>
+        </p:spPr>
+      </p:pic>
+    </p:spTree>
+    <p:extLst>
+      <p:ext uri="{BB962C8B-B14F-4D97-AF65-F5344CB8AC3E}">
+        <p14:creationId xmlns:p14="http://schemas.microsoft.com/office/powerpoint/2010/main" val="1019823848"/>
+      </p:ext>
+    </p:extLst>
+  </p:cSld>
+  <p:clrMapOvr>
+    <a:masterClrMapping/>
+  </p:clrMapOvr>
+</p:sld>
+</file>
+
+<file path=ppt/slides/slide9.xml><?xml version="1.0" encoding="utf-8"?>
+<p:sld xmlns:a="http://schemas.openxmlformats.org/drawingml/2006/main" xmlns:r="http://schemas.openxmlformats.org/officeDocument/2006/relationships" xmlns:p="http://schemas.openxmlformats.org/presentationml/2006/main">
+  <p:cSld>
+    <p:spTree>
+      <p:nvGrpSpPr>
+        <p:cNvPr id="1" name=""/>
+        <p:cNvGrpSpPr/>
+        <p:nvPr/>
+      </p:nvGrpSpPr>
+      <p:grpSpPr>
+        <a:xfrm>
+          <a:off x="0" y="0"/>
+          <a:ext cx="0" cy="0"/>
+          <a:chOff x="0" y="0"/>
+          <a:chExt cx="0" cy="0"/>
+        </a:xfrm>
+      </p:grpSpPr>
+      <p:sp>
+        <p:nvSpPr>
+          <p:cNvPr id="2" name="Title 1"/>
+          <p:cNvSpPr>
+            <a:spLocks noGrp="1"/>
+          </p:cNvSpPr>
+          <p:nvPr>
+            <p:ph type="title"/>
+          </p:nvPr>
+        </p:nvSpPr>
+        <p:spPr/>
+        <p:txBody>
+          <a:bodyPr/>
+          <a:lstStyle/>
+          <a:p>
+            <a:r>
+              <a:rPr lang="bg-BG" dirty="0" smtClean="0"/>
+              <a:t>Цикъла </a:t>
+            </a:r>
+            <a:r>
+              <a:rPr lang="en-US" dirty="0" smtClean="0"/>
+              <a:t>DO{..} while()</a:t>
+            </a:r>
+            <a:endParaRPr lang="en-US" dirty="0"/>
+          </a:p>
+        </p:txBody>
+      </p:sp>
+      <p:sp>
+        <p:nvSpPr>
+          <p:cNvPr id="3" name="Content Placeholder 2"/>
+          <p:cNvSpPr>
+            <a:spLocks noGrp="1"/>
+          </p:cNvSpPr>
+          <p:nvPr>
+            <p:ph sz="quarter" idx="13"/>
+          </p:nvPr>
+        </p:nvSpPr>
+        <p:spPr/>
+        <p:txBody>
+          <a:bodyPr/>
+          <a:lstStyle/>
+          <a:p>
+            <a:r>
+              <a:rPr lang="bg-BG" dirty="0" smtClean="0"/>
+              <a:t>Подобен на </a:t>
+            </a:r>
+            <a:r>
+              <a:rPr lang="bg-BG" dirty="0" err="1" smtClean="0"/>
+              <a:t>цъкъла</a:t>
+            </a:r>
+            <a:r>
+              <a:rPr lang="bg-BG" dirty="0" smtClean="0"/>
+              <a:t> </a:t>
+            </a:r>
+            <a:r>
+              <a:rPr lang="en-US" dirty="0" smtClean="0"/>
+              <a:t>while</a:t>
+            </a:r>
+          </a:p>
+          <a:p>
+            <a:r>
+              <a:rPr lang="bg-BG" dirty="0" smtClean="0"/>
+              <a:t>Условието на цикъла се проверява след всяка итерация</a:t>
+            </a:r>
+          </a:p>
+          <a:p>
+            <a:r>
+              <a:rPr lang="bg-BG" dirty="0" smtClean="0"/>
+              <a:t>Цикълът винаги се изпълнява поне веднъж</a:t>
+            </a:r>
+            <a:endParaRPr lang="en-US" dirty="0" smtClean="0"/>
+          </a:p>
+          <a:p>
+            <a:endParaRPr lang="en-US" dirty="0"/>
+          </a:p>
+        </p:txBody>
+      </p:sp>
+    </p:spTree>
+    <p:extLst>
+      <p:ext uri="{BB962C8B-B14F-4D97-AF65-F5344CB8AC3E}">
+        <p14:creationId xmlns:p14="http://schemas.microsoft.com/office/powerpoint/2010/main" val="274661021"/>
+      </p:ext>
+    </p:extLst>
+  </p:cSld>
+  <p:clrMapOvr>
+    <a:masterClrMapping/>
+  </p:clrMapOvr>
+</p:sld>
+</file>
+
 <file path=ppt/theme/theme1.xml><?xml version="1.0" encoding="utf-8"?>
 <a:theme xmlns:a="http://schemas.openxmlformats.org/drawingml/2006/main" name="Droplet">
   <a:themeElements>
